--- a/presentation/AngelHack 2019 Slides.pptx
+++ b/presentation/AngelHack 2019 Slides.pptx
@@ -2328,10 +2328,10 @@
             </a:lnSpc>
           </a:pPr>
           <a:r>
-            <a:rPr lang="en-US" b="0" i="0"/>
+            <a:rPr lang="en-US" b="0" i="0" dirty="0"/>
             <a:t>Reinforce evacuation orders</a:t>
           </a:r>
-          <a:endParaRPr lang="en-US"/>
+          <a:endParaRPr lang="en-US" dirty="0"/>
         </a:p>
       </dgm:t>
     </dgm:pt>
@@ -2375,10 +2375,10 @@
             </a:lnSpc>
           </a:pPr>
           <a:r>
-            <a:rPr lang="en-US" b="0" i="0"/>
-            <a:t>See where people are sheltered</a:t>
+            <a:rPr lang="en-US" b="0" i="0" dirty="0"/>
+            <a:t>Identify private shelters</a:t>
           </a:r>
-          <a:endParaRPr lang="en-US"/>
+          <a:endParaRPr lang="en-US" dirty="0"/>
         </a:p>
       </dgm:t>
     </dgm:pt>
@@ -2422,10 +2422,10 @@
             </a:lnSpc>
           </a:pPr>
           <a:r>
-            <a:rPr lang="en-US" b="0" i="0"/>
-            <a:t>Map of supplies</a:t>
+            <a:rPr lang="en-US" b="0" i="0" dirty="0"/>
+            <a:t>Heatmap of emergency supplies</a:t>
           </a:r>
-          <a:endParaRPr lang="en-US"/>
+          <a:endParaRPr lang="en-US" dirty="0"/>
         </a:p>
       </dgm:t>
     </dgm:pt>
@@ -2469,10 +2469,10 @@
             </a:lnSpc>
           </a:pPr>
           <a:r>
-            <a:rPr lang="en-US" b="0" i="0"/>
-            <a:t>Enhance public engagement</a:t>
+            <a:rPr lang="en-US" b="0" i="0" dirty="0"/>
+            <a:t>Connect with citizens via SMS</a:t>
           </a:r>
-          <a:endParaRPr lang="en-US"/>
+          <a:endParaRPr lang="en-US" dirty="0"/>
         </a:p>
       </dgm:t>
     </dgm:pt>
@@ -2522,7 +2522,14 @@
     </dgm:pt>
     <dgm:pt modelId="{93046CBC-E7D1-4C64-B4E9-97CC2D9210CB}" type="pres">
       <dgm:prSet presAssocID="{B64CD68A-9688-4518-8AD0-4FD37503DC92}" presName="iconBgRect" presStyleLbl="bgShp" presStyleIdx="0" presStyleCnt="4"/>
-      <dgm:spPr/>
+      <dgm:spPr>
+        <a:solidFill>
+          <a:schemeClr val="accent3">
+            <a:lumMod val="40000"/>
+            <a:lumOff val="60000"/>
+          </a:schemeClr>
+        </a:solidFill>
+      </dgm:spPr>
     </dgm:pt>
     <dgm:pt modelId="{422EF9F2-1FEB-4F1F-99CD-36D00BE7CA5B}" type="pres">
       <dgm:prSet presAssocID="{B64CD68A-9688-4518-8AD0-4FD37503DC92}" presName="iconRect" presStyleLbl="node1" presStyleIdx="0" presStyleCnt="4"/>
@@ -2530,14 +2537,12 @@
         <a:blipFill>
           <a:blip xmlns:r="http://schemas.openxmlformats.org/officeDocument/2006/relationships" r:embed="rId1">
             <a:extLst>
-              <a:ext uri="{28A0092B-C50C-407E-A947-70E740481C1C}">
-                <a14:useLocalDpi xmlns:a14="http://schemas.microsoft.com/office/drawing/2010/main" val="0"/>
-              </a:ext>
-              <a:ext uri="{96DAC541-7B7A-43D3-8B79-37D633B846F1}">
-                <asvg:svgBlip xmlns:asvg="http://schemas.microsoft.com/office/drawing/2016/SVG/main" r:embed="rId2"/>
+              <a:ext uri="{837473B0-CC2E-450A-ABE3-18F120FF3D39}">
+                <a1611:picAttrSrcUrl xmlns:a1611="http://schemas.microsoft.com/office/drawing/2016/11/main" r:id="rId2"/>
               </a:ext>
             </a:extLst>
           </a:blip>
+          <a:srcRect/>
           <a:stretch>
             <a:fillRect/>
           </a:stretch>
@@ -2546,11 +2551,6 @@
           <a:noFill/>
         </a:ln>
       </dgm:spPr>
-      <dgm:extLst>
-        <a:ext uri="{E40237B7-FDA0-4F09-8148-C483321AD2D9}">
-          <dgm14:cNvPr xmlns:dgm14="http://schemas.microsoft.com/office/drawing/2010/diagram" id="0" name="" descr="Run"/>
-        </a:ext>
-      </dgm:extLst>
     </dgm:pt>
     <dgm:pt modelId="{6404DB03-CACD-45C1-8A07-64FB1628AEFC}" type="pres">
       <dgm:prSet presAssocID="{B64CD68A-9688-4518-8AD0-4FD37503DC92}" presName="spaceRect" presStyleCnt="0"/>
@@ -2681,22 +2681,22 @@
     </dgm:pt>
     <dgm:pt modelId="{A154DB44-F819-412D-9D9B-E20A587C4FF2}" type="pres">
       <dgm:prSet presAssocID="{4B8D7F0E-9C85-4A4E-B27A-ACC590885AE4}" presName="iconBgRect" presStyleLbl="bgShp" presStyleIdx="3" presStyleCnt="4"/>
-      <dgm:spPr/>
+      <dgm:spPr>
+        <a:noFill/>
+      </dgm:spPr>
     </dgm:pt>
     <dgm:pt modelId="{0DDA6ECB-663E-46F3-889B-EC8EA35955ED}" type="pres">
-      <dgm:prSet presAssocID="{4B8D7F0E-9C85-4A4E-B27A-ACC590885AE4}" presName="iconRect" presStyleLbl="node1" presStyleIdx="3" presStyleCnt="4"/>
+      <dgm:prSet presAssocID="{4B8D7F0E-9C85-4A4E-B27A-ACC590885AE4}" presName="iconRect" presStyleLbl="node1" presStyleIdx="3" presStyleCnt="4" custScaleX="146485" custScaleY="150099"/>
       <dgm:spPr>
         <a:blipFill>
           <a:blip xmlns:r="http://schemas.openxmlformats.org/officeDocument/2006/relationships" r:embed="rId7">
             <a:extLst>
-              <a:ext uri="{28A0092B-C50C-407E-A947-70E740481C1C}">
-                <a14:useLocalDpi xmlns:a14="http://schemas.microsoft.com/office/drawing/2010/main" val="0"/>
-              </a:ext>
-              <a:ext uri="{96DAC541-7B7A-43D3-8B79-37D633B846F1}">
-                <asvg:svgBlip xmlns:asvg="http://schemas.microsoft.com/office/drawing/2016/SVG/main" r:embed="rId8"/>
+              <a:ext uri="{837473B0-CC2E-450A-ABE3-18F120FF3D39}">
+                <a1611:picAttrSrcUrl xmlns:a1611="http://schemas.microsoft.com/office/drawing/2016/11/main" r:id="rId8"/>
               </a:ext>
             </a:extLst>
           </a:blip>
+          <a:srcRect/>
           <a:stretch>
             <a:fillRect/>
           </a:stretch>
@@ -2705,11 +2705,6 @@
           <a:noFill/>
         </a:ln>
       </dgm:spPr>
-      <dgm:extLst>
-        <a:ext uri="{E40237B7-FDA0-4F09-8148-C483321AD2D9}">
-          <dgm14:cNvPr xmlns:dgm14="http://schemas.microsoft.com/office/drawing/2010/diagram" id="0" name="" descr="Handshake"/>
-        </a:ext>
-      </dgm:extLst>
     </dgm:pt>
     <dgm:pt modelId="{0148E7E4-02D3-48FA-A05B-A35B8814782D}" type="pres">
       <dgm:prSet presAssocID="{4B8D7F0E-9C85-4A4E-B27A-ACC590885AE4}" presName="spaceRect" presStyleCnt="0"/>
@@ -3257,11 +3252,9 @@
           <a:avLst/>
         </a:prstGeom>
         <a:solidFill>
-          <a:schemeClr val="accent2">
-            <a:hueOff val="0"/>
-            <a:satOff val="0"/>
-            <a:lumOff val="0"/>
-            <a:alphaOff val="0"/>
+          <a:schemeClr val="accent3">
+            <a:lumMod val="40000"/>
+            <a:lumOff val="60000"/>
           </a:schemeClr>
         </a:solidFill>
         <a:ln>
@@ -3298,14 +3291,12 @@
         <a:blipFill>
           <a:blip xmlns:r="http://schemas.openxmlformats.org/officeDocument/2006/relationships" r:embed="rId1">
             <a:extLst>
-              <a:ext uri="{28A0092B-C50C-407E-A947-70E740481C1C}">
-                <a14:useLocalDpi xmlns:a14="http://schemas.microsoft.com/office/drawing/2010/main" val="0"/>
-              </a:ext>
-              <a:ext uri="{96DAC541-7B7A-43D3-8B79-37D633B846F1}">
-                <asvg:svgBlip xmlns:asvg="http://schemas.microsoft.com/office/drawing/2016/SVG/main" r:embed="rId2"/>
+              <a:ext uri="{837473B0-CC2E-450A-ABE3-18F120FF3D39}">
+                <a1611:picAttrSrcUrl xmlns:a1611="http://schemas.microsoft.com/office/drawing/2016/11/main" r:id="rId2"/>
               </a:ext>
             </a:extLst>
           </a:blip>
+          <a:srcRect/>
           <a:stretch>
             <a:fillRect/>
           </a:stretch>
@@ -3381,10 +3372,10 @@
             <a:buNone/>
           </a:pPr>
           <a:r>
-            <a:rPr lang="en-US" sz="2400" b="0" i="0" kern="1200"/>
-            <a:t>See where people are sheltered</a:t>
+            <a:rPr lang="en-US" sz="2400" b="0" i="0" kern="1200" dirty="0"/>
+            <a:t>Identify private shelters</a:t>
           </a:r>
-          <a:endParaRPr lang="en-US" sz="2400" kern="1200"/>
+          <a:endParaRPr lang="en-US" sz="2400" kern="1200" dirty="0"/>
         </a:p>
       </dsp:txBody>
       <dsp:txXfrm>
@@ -3530,10 +3521,10 @@
             <a:buNone/>
           </a:pPr>
           <a:r>
-            <a:rPr lang="en-US" sz="2400" b="0" i="0" kern="1200"/>
+            <a:rPr lang="en-US" sz="2400" b="0" i="0" kern="1200" dirty="0"/>
             <a:t>Reinforce evacuation orders</a:t>
           </a:r>
-          <a:endParaRPr lang="en-US" sz="2400" kern="1200"/>
+          <a:endParaRPr lang="en-US" sz="2400" kern="1200" dirty="0"/>
         </a:p>
       </dsp:txBody>
       <dsp:txXfrm>
@@ -3679,10 +3670,10 @@
             <a:buNone/>
           </a:pPr>
           <a:r>
-            <a:rPr lang="en-US" sz="2400" b="0" i="0" kern="1200"/>
-            <a:t>Map of supplies</a:t>
+            <a:rPr lang="en-US" sz="2400" b="0" i="0" kern="1200" dirty="0"/>
+            <a:t>Heatmap of emergency supplies</a:t>
           </a:r>
-          <a:endParaRPr lang="en-US" sz="2400" kern="1200"/>
+          <a:endParaRPr lang="en-US" sz="2400" kern="1200" dirty="0"/>
         </a:p>
       </dsp:txBody>
       <dsp:txXfrm>
@@ -3703,14 +3694,7 @@
         <a:prstGeom prst="ellipse">
           <a:avLst/>
         </a:prstGeom>
-        <a:solidFill>
-          <a:schemeClr val="accent5">
-            <a:hueOff val="0"/>
-            <a:satOff val="0"/>
-            <a:lumOff val="0"/>
-            <a:alphaOff val="0"/>
-          </a:schemeClr>
-        </a:solidFill>
+        <a:noFill/>
         <a:ln>
           <a:noFill/>
         </a:ln>
@@ -3736,8 +3720,8 @@
       </dsp:nvSpPr>
       <dsp:spPr>
         <a:xfrm>
-          <a:off x="6016369" y="2279022"/>
-          <a:ext cx="794104" cy="794104"/>
+          <a:off x="5831799" y="2080103"/>
+          <a:ext cx="1163243" cy="1191942"/>
         </a:xfrm>
         <a:prstGeom prst="rect">
           <a:avLst/>
@@ -3745,14 +3729,12 @@
         <a:blipFill>
           <a:blip xmlns:r="http://schemas.openxmlformats.org/officeDocument/2006/relationships" r:embed="rId7">
             <a:extLst>
-              <a:ext uri="{28A0092B-C50C-407E-A947-70E740481C1C}">
-                <a14:useLocalDpi xmlns:a14="http://schemas.microsoft.com/office/drawing/2010/main" val="0"/>
-              </a:ext>
-              <a:ext uri="{96DAC541-7B7A-43D3-8B79-37D633B846F1}">
-                <asvg:svgBlip xmlns:asvg="http://schemas.microsoft.com/office/drawing/2016/SVG/main" r:embed="rId8"/>
+              <a:ext uri="{837473B0-CC2E-450A-ABE3-18F120FF3D39}">
+                <a1611:picAttrSrcUrl xmlns:a1611="http://schemas.microsoft.com/office/drawing/2016/11/main" r:id="rId8"/>
               </a:ext>
             </a:extLst>
           </a:blip>
+          <a:srcRect/>
           <a:stretch>
             <a:fillRect/>
           </a:stretch>
@@ -3828,10 +3810,10 @@
             <a:buNone/>
           </a:pPr>
           <a:r>
-            <a:rPr lang="en-US" sz="2400" b="0" i="0" kern="1200"/>
-            <a:t>Enhance public engagement</a:t>
+            <a:rPr lang="en-US" sz="2400" b="0" i="0" kern="1200" dirty="0"/>
+            <a:t>Connect with citizens via SMS</a:t>
           </a:r>
-          <a:endParaRPr lang="en-US" sz="2400" kern="1200"/>
+          <a:endParaRPr lang="en-US" sz="2400" kern="1200" dirty="0"/>
         </a:p>
       </dsp:txBody>
       <dsp:txXfrm>
@@ -6524,7 +6506,7 @@
           <a:p>
             <a:fld id="{4AAD347D-5ACD-4C99-B74B-A9C85AD731AF}" type="datetimeFigureOut">
               <a:rPr lang="en-US" dirty="0"/>
-              <a:t>7/13/19</a:t>
+              <a:t>7/14/19</a:t>
             </a:fld>
             <a:endParaRPr lang="en-US" dirty="0"/>
           </a:p>
@@ -6794,7 +6776,7 @@
           <a:p>
             <a:fld id="{4509A250-FF31-4206-8172-F9D3106AACB1}" type="datetimeFigureOut">
               <a:rPr lang="en-US" dirty="0"/>
-              <a:t>7/13/19</a:t>
+              <a:t>7/14/19</a:t>
             </a:fld>
             <a:endParaRPr lang="en-US" dirty="0"/>
           </a:p>
@@ -6983,7 +6965,7 @@
           <a:p>
             <a:fld id="{4509A250-FF31-4206-8172-F9D3106AACB1}" type="datetimeFigureOut">
               <a:rPr lang="en-US" dirty="0"/>
-              <a:t>7/13/19</a:t>
+              <a:t>7/14/19</a:t>
             </a:fld>
             <a:endParaRPr lang="en-US" dirty="0"/>
           </a:p>
@@ -7251,7 +7233,7 @@
           <a:p>
             <a:fld id="{4509A250-FF31-4206-8172-F9D3106AACB1}" type="datetimeFigureOut">
               <a:rPr lang="en-US" dirty="0"/>
-              <a:t>7/13/19</a:t>
+              <a:t>7/14/19</a:t>
             </a:fld>
             <a:endParaRPr lang="en-US" dirty="0"/>
           </a:p>
@@ -7587,7 +7569,7 @@
           <a:p>
             <a:fld id="{4509A250-FF31-4206-8172-F9D3106AACB1}" type="datetimeFigureOut">
               <a:rPr lang="en-US" dirty="0"/>
-              <a:t>7/13/19</a:t>
+              <a:t>7/14/19</a:t>
             </a:fld>
             <a:endParaRPr lang="en-US" dirty="0"/>
           </a:p>
@@ -8205,7 +8187,7 @@
           <a:p>
             <a:fld id="{4509A250-FF31-4206-8172-F9D3106AACB1}" type="datetimeFigureOut">
               <a:rPr lang="en-US" dirty="0"/>
-              <a:t>7/13/19</a:t>
+              <a:t>7/14/19</a:t>
             </a:fld>
             <a:endParaRPr lang="en-US" dirty="0"/>
           </a:p>
@@ -9060,7 +9042,7 @@
           <a:p>
             <a:fld id="{4509A250-FF31-4206-8172-F9D3106AACB1}" type="datetimeFigureOut">
               <a:rPr lang="en-US" dirty="0"/>
-              <a:t>7/13/19</a:t>
+              <a:t>7/14/19</a:t>
             </a:fld>
             <a:endParaRPr lang="en-US" dirty="0"/>
           </a:p>
@@ -9225,7 +9207,7 @@
           <a:p>
             <a:fld id="{4509A250-FF31-4206-8172-F9D3106AACB1}" type="datetimeFigureOut">
               <a:rPr lang="en-US" dirty="0"/>
-              <a:t>7/13/19</a:t>
+              <a:t>7/14/19</a:t>
             </a:fld>
             <a:endParaRPr lang="en-US" dirty="0"/>
           </a:p>
@@ -9400,7 +9382,7 @@
           <a:p>
             <a:fld id="{4509A250-FF31-4206-8172-F9D3106AACB1}" type="datetimeFigureOut">
               <a:rPr lang="en-US" dirty="0"/>
-              <a:t>7/13/19</a:t>
+              <a:t>7/14/19</a:t>
             </a:fld>
             <a:endParaRPr lang="en-US" dirty="0"/>
           </a:p>
@@ -9565,7 +9547,7 @@
           <a:p>
             <a:fld id="{4509A250-FF31-4206-8172-F9D3106AACB1}" type="datetimeFigureOut">
               <a:rPr lang="en-US" dirty="0"/>
-              <a:t>7/13/19</a:t>
+              <a:t>7/14/19</a:t>
             </a:fld>
             <a:endParaRPr lang="en-US" dirty="0"/>
           </a:p>
@@ -9807,7 +9789,7 @@
           <a:p>
             <a:fld id="{9796027F-7875-4030-9381-8BD8C4F21935}" type="datetimeFigureOut">
               <a:rPr lang="en-US" dirty="0"/>
-              <a:t>7/13/19</a:t>
+              <a:t>7/14/19</a:t>
             </a:fld>
             <a:endParaRPr lang="en-US" dirty="0"/>
           </a:p>
@@ -10094,7 +10076,7 @@
           <a:p>
             <a:fld id="{9796027F-7875-4030-9381-8BD8C4F21935}" type="datetimeFigureOut">
               <a:rPr lang="en-US" dirty="0"/>
-              <a:t>7/13/19</a:t>
+              <a:t>7/14/19</a:t>
             </a:fld>
             <a:endParaRPr lang="en-US" dirty="0"/>
           </a:p>
@@ -10533,7 +10515,7 @@
           <a:p>
             <a:fld id="{9796027F-7875-4030-9381-8BD8C4F21935}" type="datetimeFigureOut">
               <a:rPr lang="en-US" dirty="0"/>
-              <a:t>7/13/19</a:t>
+              <a:t>7/14/19</a:t>
             </a:fld>
             <a:endParaRPr lang="en-US" dirty="0"/>
           </a:p>
@@ -10646,7 +10628,7 @@
           <a:p>
             <a:fld id="{4509A250-FF31-4206-8172-F9D3106AACB1}" type="datetimeFigureOut">
               <a:rPr lang="en-US" dirty="0"/>
-              <a:t>7/13/19</a:t>
+              <a:t>7/14/19</a:t>
             </a:fld>
             <a:endParaRPr lang="en-US" dirty="0"/>
           </a:p>
@@ -10736,7 +10718,7 @@
           <a:p>
             <a:fld id="{4509A250-FF31-4206-8172-F9D3106AACB1}" type="datetimeFigureOut">
               <a:rPr lang="en-US" dirty="0"/>
-              <a:t>7/13/19</a:t>
+              <a:t>7/14/19</a:t>
             </a:fld>
             <a:endParaRPr lang="en-US" dirty="0"/>
           </a:p>
@@ -11010,7 +10992,7 @@
           <a:p>
             <a:fld id="{4509A250-FF31-4206-8172-F9D3106AACB1}" type="datetimeFigureOut">
               <a:rPr lang="en-US" dirty="0"/>
-              <a:t>7/13/19</a:t>
+              <a:t>7/14/19</a:t>
             </a:fld>
             <a:endParaRPr lang="en-US" dirty="0"/>
           </a:p>
@@ -11280,7 +11262,7 @@
           <a:p>
             <a:fld id="{4509A250-FF31-4206-8172-F9D3106AACB1}" type="datetimeFigureOut">
               <a:rPr lang="en-US" dirty="0"/>
-              <a:t>7/13/19</a:t>
+              <a:t>7/14/19</a:t>
             </a:fld>
             <a:endParaRPr lang="en-US" dirty="0"/>
           </a:p>
@@ -11704,7 +11686,7 @@
           <a:p>
             <a:fld id="{4AAD347D-5ACD-4C99-B74B-A9C85AD731AF}" type="datetimeFigureOut">
               <a:rPr lang="en-US" dirty="0"/>
-              <a:t>7/13/19</a:t>
+              <a:t>7/14/19</a:t>
             </a:fld>
             <a:endParaRPr lang="en-US" dirty="0"/>
           </a:p>
@@ -14022,7 +14004,7 @@
         </p:nvSpPr>
         <p:spPr>
           <a:xfrm rot="13544095">
-            <a:off x="1951522" y="4763842"/>
+            <a:off x="1941361" y="4960398"/>
             <a:ext cx="497570" cy="594804"/>
           </a:xfrm>
           <a:prstGeom prst="bentArrow">
@@ -16209,7 +16191,7 @@
             <p:ph idx="1"/>
             <p:extLst>
               <p:ext uri="{D42A27DB-BD31-4B8C-83A1-F6EECF244321}">
-                <p14:modId xmlns:p14="http://schemas.microsoft.com/office/powerpoint/2010/main" val="3526490553"/>
+                <p14:modId xmlns:p14="http://schemas.microsoft.com/office/powerpoint/2010/main" val="2372855364"/>
               </p:ext>
             </p:extLst>
           </p:nvPr>

--- a/presentation/AngelHack 2019 Slides.pptx
+++ b/presentation/AngelHack 2019 Slides.pptx
@@ -1985,10 +1985,10 @@
             <a:defRPr cap="all"/>
           </a:pPr>
           <a:r>
-            <a:rPr lang="en-US" b="0" i="0"/>
-            <a:t>Latest info</a:t>
+            <a:rPr lang="en-US" b="0" i="0" cap="none" baseline="0" dirty="0"/>
+            <a:t>Get Updates</a:t>
           </a:r>
-          <a:endParaRPr lang="en-US"/>
+          <a:endParaRPr lang="en-US" cap="none" baseline="0" dirty="0"/>
         </a:p>
       </dgm:t>
     </dgm:pt>
@@ -2028,10 +2028,10 @@
             <a:defRPr cap="all"/>
           </a:pPr>
           <a:r>
-            <a:rPr lang="en-US" b="0" i="0"/>
+            <a:rPr lang="en-US" b="0" i="0" cap="none" baseline="0" dirty="0"/>
             <a:t>Peace of Mind</a:t>
           </a:r>
-          <a:endParaRPr lang="en-US"/>
+          <a:endParaRPr lang="en-US" cap="none" baseline="0" dirty="0"/>
         </a:p>
       </dgm:t>
     </dgm:pt>
@@ -2071,10 +2071,10 @@
             <a:defRPr cap="all"/>
           </a:pPr>
           <a:r>
-            <a:rPr lang="en-US" b="0" i="0"/>
-            <a:t>Fully Prepared</a:t>
+            <a:rPr lang="en-US" b="0" i="0" cap="none" baseline="0" dirty="0"/>
+            <a:t>Be Prepared</a:t>
           </a:r>
-          <a:endParaRPr lang="en-US"/>
+          <a:endParaRPr lang="en-US" cap="none" baseline="0" dirty="0"/>
         </a:p>
       </dgm:t>
     </dgm:pt>
@@ -2109,16 +2109,16 @@
       </dgm:prSet>
       <dgm:spPr/>
     </dgm:pt>
-    <dgm:pt modelId="{279EDC4D-3A6B-4906-9D91-415636385083}" type="pres">
-      <dgm:prSet presAssocID="{F6990166-1D1F-4571-A101-454AD0EDDDCC}" presName="compNode" presStyleCnt="0"/>
+    <dgm:pt modelId="{5B88D6CB-9610-4EBA-B05F-140F0F4B857A}" type="pres">
+      <dgm:prSet presAssocID="{16FA73BA-6DC1-456F-853E-33943656F461}" presName="compNode" presStyleCnt="0"/>
       <dgm:spPr/>
     </dgm:pt>
-    <dgm:pt modelId="{CED82817-1A0F-41D7-B8AD-4D0E09C0C40B}" type="pres">
-      <dgm:prSet presAssocID="{F6990166-1D1F-4571-A101-454AD0EDDDCC}" presName="iconBgRect" presStyleLbl="bgShp" presStyleIdx="0" presStyleCnt="3"/>
+    <dgm:pt modelId="{633A404F-AA65-42A6-9657-0F92A2DD05FD}" type="pres">
+      <dgm:prSet presAssocID="{16FA73BA-6DC1-456F-853E-33943656F461}" presName="iconBgRect" presStyleLbl="bgShp" presStyleIdx="0" presStyleCnt="3"/>
       <dgm:spPr/>
     </dgm:pt>
-    <dgm:pt modelId="{FDB24EF2-1FC7-451F-B740-31B745A8D71D}" type="pres">
-      <dgm:prSet presAssocID="{F6990166-1D1F-4571-A101-454AD0EDDDCC}" presName="iconRect" presStyleLbl="node1" presStyleIdx="0" presStyleCnt="3"/>
+    <dgm:pt modelId="{24A4818E-6FDB-499A-998A-726A6D00215D}" type="pres">
+      <dgm:prSet presAssocID="{16FA73BA-6DC1-456F-853E-33943656F461}" presName="iconRect" presStyleLbl="node1" presStyleIdx="0" presStyleCnt="3"/>
       <dgm:spPr>
         <a:blipFill>
           <a:blip xmlns:r="http://schemas.openxmlformats.org/officeDocument/2006/relationships" r:embed="rId1">
@@ -2141,16 +2141,62 @@
       </dgm:spPr>
       <dgm:extLst>
         <a:ext uri="{E40237B7-FDA0-4F09-8148-C483321AD2D9}">
-          <dgm14:cNvPr xmlns:dgm14="http://schemas.microsoft.com/office/drawing/2010/diagram" id="0" name="" descr="Information"/>
+          <dgm14:cNvPr xmlns:dgm14="http://schemas.microsoft.com/office/drawing/2010/diagram" id="0" name="" descr="Checkmark"/>
         </a:ext>
       </dgm:extLst>
+    </dgm:pt>
+    <dgm:pt modelId="{E5B4F5BF-EFBB-4B01-9FC5-1F39A0032774}" type="pres">
+      <dgm:prSet presAssocID="{16FA73BA-6DC1-456F-853E-33943656F461}" presName="spaceRect" presStyleCnt="0"/>
+      <dgm:spPr/>
+    </dgm:pt>
+    <dgm:pt modelId="{0DF74278-A475-4A63-BD0B-7701AD2D9176}" type="pres">
+      <dgm:prSet presAssocID="{16FA73BA-6DC1-456F-853E-33943656F461}" presName="textRect" presStyleLbl="revTx" presStyleIdx="0" presStyleCnt="3">
+        <dgm:presLayoutVars>
+          <dgm:chMax val="1"/>
+          <dgm:chPref val="1"/>
+        </dgm:presLayoutVars>
+      </dgm:prSet>
+      <dgm:spPr/>
+    </dgm:pt>
+    <dgm:pt modelId="{B2A3E9B1-E827-3F47-9918-990A5C405DDE}" type="pres">
+      <dgm:prSet presAssocID="{FA707CD6-E540-4564-859A-BD19575BF9B4}" presName="sibTrans" presStyleCnt="0"/>
+      <dgm:spPr/>
+    </dgm:pt>
+    <dgm:pt modelId="{279EDC4D-3A6B-4906-9D91-415636385083}" type="pres">
+      <dgm:prSet presAssocID="{F6990166-1D1F-4571-A101-454AD0EDDDCC}" presName="compNode" presStyleCnt="0"/>
+      <dgm:spPr/>
+    </dgm:pt>
+    <dgm:pt modelId="{CED82817-1A0F-41D7-B8AD-4D0E09C0C40B}" type="pres">
+      <dgm:prSet presAssocID="{F6990166-1D1F-4571-A101-454AD0EDDDCC}" presName="iconBgRect" presStyleLbl="bgShp" presStyleIdx="1" presStyleCnt="3"/>
+      <dgm:spPr/>
+    </dgm:pt>
+    <dgm:pt modelId="{FDB24EF2-1FC7-451F-B740-31B745A8D71D}" type="pres">
+      <dgm:prSet presAssocID="{F6990166-1D1F-4571-A101-454AD0EDDDCC}" presName="iconRect" presStyleLbl="node1" presStyleIdx="1" presStyleCnt="3"/>
+      <dgm:spPr>
+        <a:blipFill>
+          <a:blip xmlns:r="http://schemas.openxmlformats.org/officeDocument/2006/relationships" r:embed="rId3">
+            <a:extLst>
+              <a:ext uri="{837473B0-CC2E-450A-ABE3-18F120FF3D39}">
+                <a1611:picAttrSrcUrl xmlns:a1611="http://schemas.microsoft.com/office/drawing/2016/11/main" r:id="rId4"/>
+              </a:ext>
+            </a:extLst>
+          </a:blip>
+          <a:srcRect/>
+          <a:stretch>
+            <a:fillRect/>
+          </a:stretch>
+        </a:blipFill>
+        <a:ln>
+          <a:noFill/>
+        </a:ln>
+      </dgm:spPr>
     </dgm:pt>
     <dgm:pt modelId="{23CA74FB-DF54-4AE8-906A-92714457E069}" type="pres">
       <dgm:prSet presAssocID="{F6990166-1D1F-4571-A101-454AD0EDDDCC}" presName="spaceRect" presStyleCnt="0"/>
       <dgm:spPr/>
     </dgm:pt>
     <dgm:pt modelId="{C4A565F0-71D8-4906-96DA-96B17B5B7CD5}" type="pres">
-      <dgm:prSet presAssocID="{F6990166-1D1F-4571-A101-454AD0EDDDCC}" presName="textRect" presStyleLbl="revTx" presStyleIdx="0" presStyleCnt="3">
+      <dgm:prSet presAssocID="{F6990166-1D1F-4571-A101-454AD0EDDDCC}" presName="textRect" presStyleLbl="revTx" presStyleIdx="1" presStyleCnt="3">
         <dgm:presLayoutVars>
           <dgm:chMax val="1"/>
           <dgm:chPref val="1"/>
@@ -2167,20 +2213,20 @@
       <dgm:spPr/>
     </dgm:pt>
     <dgm:pt modelId="{BDE91378-CA6C-4D62-A3A6-362D25659064}" type="pres">
-      <dgm:prSet presAssocID="{103B6EA3-2C4B-45E4-A7DB-D666032334D5}" presName="iconBgRect" presStyleLbl="bgShp" presStyleIdx="1" presStyleCnt="3"/>
+      <dgm:prSet presAssocID="{103B6EA3-2C4B-45E4-A7DB-D666032334D5}" presName="iconBgRect" presStyleLbl="bgShp" presStyleIdx="2" presStyleCnt="3"/>
       <dgm:spPr/>
     </dgm:pt>
     <dgm:pt modelId="{33130C38-F4AF-4938-8D81-FD1A50CB08F7}" type="pres">
-      <dgm:prSet presAssocID="{103B6EA3-2C4B-45E4-A7DB-D666032334D5}" presName="iconRect" presStyleLbl="node1" presStyleIdx="1" presStyleCnt="3"/>
+      <dgm:prSet presAssocID="{103B6EA3-2C4B-45E4-A7DB-D666032334D5}" presName="iconRect" presStyleLbl="node1" presStyleIdx="2" presStyleCnt="3"/>
       <dgm:spPr>
         <a:blipFill>
-          <a:blip xmlns:r="http://schemas.openxmlformats.org/officeDocument/2006/relationships" r:embed="rId3">
+          <a:blip xmlns:r="http://schemas.openxmlformats.org/officeDocument/2006/relationships" r:embed="rId5">
             <a:extLst>
               <a:ext uri="{28A0092B-C50C-407E-A947-70E740481C1C}">
                 <a14:useLocalDpi xmlns:a14="http://schemas.microsoft.com/office/drawing/2010/main" val="0"/>
               </a:ext>
               <a:ext uri="{96DAC541-7B7A-43D3-8B79-37D633B846F1}">
-                <asvg:svgBlip xmlns:asvg="http://schemas.microsoft.com/office/drawing/2016/SVG/main" r:embed="rId4"/>
+                <asvg:svgBlip xmlns:asvg="http://schemas.microsoft.com/office/drawing/2016/SVG/main" r:embed="rId6"/>
               </a:ext>
             </a:extLst>
           </a:blip>
@@ -2203,60 +2249,7 @@
       <dgm:spPr/>
     </dgm:pt>
     <dgm:pt modelId="{6C1307A8-C56F-4BD6-A10E-DC99EDC7B34A}" type="pres">
-      <dgm:prSet presAssocID="{103B6EA3-2C4B-45E4-A7DB-D666032334D5}" presName="textRect" presStyleLbl="revTx" presStyleIdx="1" presStyleCnt="3">
-        <dgm:presLayoutVars>
-          <dgm:chMax val="1"/>
-          <dgm:chPref val="1"/>
-        </dgm:presLayoutVars>
-      </dgm:prSet>
-      <dgm:spPr/>
-    </dgm:pt>
-    <dgm:pt modelId="{BC498A97-3EA0-4F0F-912D-788FF05AA19D}" type="pres">
-      <dgm:prSet presAssocID="{62797CAA-943F-4E6A-89BF-17237113C20B}" presName="sibTrans" presStyleCnt="0"/>
-      <dgm:spPr/>
-    </dgm:pt>
-    <dgm:pt modelId="{5B88D6CB-9610-4EBA-B05F-140F0F4B857A}" type="pres">
-      <dgm:prSet presAssocID="{16FA73BA-6DC1-456F-853E-33943656F461}" presName="compNode" presStyleCnt="0"/>
-      <dgm:spPr/>
-    </dgm:pt>
-    <dgm:pt modelId="{633A404F-AA65-42A6-9657-0F92A2DD05FD}" type="pres">
-      <dgm:prSet presAssocID="{16FA73BA-6DC1-456F-853E-33943656F461}" presName="iconBgRect" presStyleLbl="bgShp" presStyleIdx="2" presStyleCnt="3"/>
-      <dgm:spPr/>
-    </dgm:pt>
-    <dgm:pt modelId="{24A4818E-6FDB-499A-998A-726A6D00215D}" type="pres">
-      <dgm:prSet presAssocID="{16FA73BA-6DC1-456F-853E-33943656F461}" presName="iconRect" presStyleLbl="node1" presStyleIdx="2" presStyleCnt="3"/>
-      <dgm:spPr>
-        <a:blipFill>
-          <a:blip xmlns:r="http://schemas.openxmlformats.org/officeDocument/2006/relationships" r:embed="rId5">
-            <a:extLst>
-              <a:ext uri="{28A0092B-C50C-407E-A947-70E740481C1C}">
-                <a14:useLocalDpi xmlns:a14="http://schemas.microsoft.com/office/drawing/2010/main" val="0"/>
-              </a:ext>
-              <a:ext uri="{96DAC541-7B7A-43D3-8B79-37D633B846F1}">
-                <asvg:svgBlip xmlns:asvg="http://schemas.microsoft.com/office/drawing/2016/SVG/main" r:embed="rId6"/>
-              </a:ext>
-            </a:extLst>
-          </a:blip>
-          <a:stretch>
-            <a:fillRect/>
-          </a:stretch>
-        </a:blipFill>
-        <a:ln>
-          <a:noFill/>
-        </a:ln>
-      </dgm:spPr>
-      <dgm:extLst>
-        <a:ext uri="{E40237B7-FDA0-4F09-8148-C483321AD2D9}">
-          <dgm14:cNvPr xmlns:dgm14="http://schemas.microsoft.com/office/drawing/2010/diagram" id="0" name="" descr="Checkmark"/>
-        </a:ext>
-      </dgm:extLst>
-    </dgm:pt>
-    <dgm:pt modelId="{E5B4F5BF-EFBB-4B01-9FC5-1F39A0032774}" type="pres">
-      <dgm:prSet presAssocID="{16FA73BA-6DC1-456F-853E-33943656F461}" presName="spaceRect" presStyleCnt="0"/>
-      <dgm:spPr/>
-    </dgm:pt>
-    <dgm:pt modelId="{0DF74278-A475-4A63-BD0B-7701AD2D9176}" type="pres">
-      <dgm:prSet presAssocID="{16FA73BA-6DC1-456F-853E-33943656F461}" presName="textRect" presStyleLbl="revTx" presStyleIdx="2" presStyleCnt="3">
+      <dgm:prSet presAssocID="{103B6EA3-2C4B-45E4-A7DB-D666032334D5}" presName="textRect" presStyleLbl="revTx" presStyleIdx="2" presStyleCnt="3">
         <dgm:presLayoutVars>
           <dgm:chMax val="1"/>
           <dgm:chPref val="1"/>
@@ -2266,30 +2259,30 @@
     </dgm:pt>
   </dgm:ptLst>
   <dgm:cxnLst>
+    <dgm:cxn modelId="{39378807-24A5-C945-B77A-A9D65EE65A6D}" type="presOf" srcId="{F6990166-1D1F-4571-A101-454AD0EDDDCC}" destId="{C4A565F0-71D8-4906-96DA-96B17B5B7CD5}" srcOrd="0" destOrd="0" presId="urn:microsoft.com/office/officeart/2018/5/layout/IconCircleLabelList"/>
+    <dgm:cxn modelId="{1E23AE19-E156-F045-9994-21701897373E}" type="presOf" srcId="{103B6EA3-2C4B-45E4-A7DB-D666032334D5}" destId="{6C1307A8-C56F-4BD6-A10E-DC99EDC7B34A}" srcOrd="0" destOrd="0" presId="urn:microsoft.com/office/officeart/2018/5/layout/IconCircleLabelList"/>
     <dgm:cxn modelId="{D2005E2D-C72E-0B4E-B0A9-D194F1E4CB5F}" type="presOf" srcId="{A05D11A7-03FB-44BE-A08F-01EE35F19C8C}" destId="{B1E8C6EC-EB58-46CD-BF92-331BBDEFEC7B}" srcOrd="0" destOrd="0" presId="urn:microsoft.com/office/officeart/2018/5/layout/IconCircleLabelList"/>
-    <dgm:cxn modelId="{15D08545-DD7D-410D-A3A7-84CB37ACF793}" srcId="{A05D11A7-03FB-44BE-A08F-01EE35F19C8C}" destId="{16FA73BA-6DC1-456F-853E-33943656F461}" srcOrd="2" destOrd="0" parTransId="{40D53D76-3301-46B6-8B44-FC8DF85A5B28}" sibTransId="{FA707CD6-E540-4564-859A-BD19575BF9B4}"/>
-    <dgm:cxn modelId="{95FE884D-3B45-0D48-BFC7-178D14C290B6}" type="presOf" srcId="{F6990166-1D1F-4571-A101-454AD0EDDDCC}" destId="{C4A565F0-71D8-4906-96DA-96B17B5B7CD5}" srcOrd="0" destOrd="0" presId="urn:microsoft.com/office/officeart/2018/5/layout/IconCircleLabelList"/>
-    <dgm:cxn modelId="{EB66AC68-D8BE-4A02-B3E2-A24D7923DFD5}" srcId="{A05D11A7-03FB-44BE-A08F-01EE35F19C8C}" destId="{F6990166-1D1F-4571-A101-454AD0EDDDCC}" srcOrd="0" destOrd="0" parTransId="{D4D874DD-CA1F-49DF-9111-719811F93C54}" sibTransId="{A7756A6E-E0B6-4D84-BF6D-0656BBEAF754}"/>
-    <dgm:cxn modelId="{E9640584-B6C1-8D42-AFA9-601F50B1B985}" type="presOf" srcId="{16FA73BA-6DC1-456F-853E-33943656F461}" destId="{0DF74278-A475-4A63-BD0B-7701AD2D9176}" srcOrd="0" destOrd="0" presId="urn:microsoft.com/office/officeart/2018/5/layout/IconCircleLabelList"/>
-    <dgm:cxn modelId="{BECAD89A-423C-46FF-A593-163C65F62548}" srcId="{A05D11A7-03FB-44BE-A08F-01EE35F19C8C}" destId="{103B6EA3-2C4B-45E4-A7DB-D666032334D5}" srcOrd="1" destOrd="0" parTransId="{AA7A05B0-4050-48A8-9845-5B15CB42D3AC}" sibTransId="{62797CAA-943F-4E6A-89BF-17237113C20B}"/>
-    <dgm:cxn modelId="{B0C895B1-0C85-7942-BFF3-ED13D783FAB5}" type="presOf" srcId="{103B6EA3-2C4B-45E4-A7DB-D666032334D5}" destId="{6C1307A8-C56F-4BD6-A10E-DC99EDC7B34A}" srcOrd="0" destOrd="0" presId="urn:microsoft.com/office/officeart/2018/5/layout/IconCircleLabelList"/>
-    <dgm:cxn modelId="{2B1D5ABF-AED1-1545-893B-7705DAD10378}" type="presParOf" srcId="{B1E8C6EC-EB58-46CD-BF92-331BBDEFEC7B}" destId="{279EDC4D-3A6B-4906-9D91-415636385083}" srcOrd="0" destOrd="0" presId="urn:microsoft.com/office/officeart/2018/5/layout/IconCircleLabelList"/>
-    <dgm:cxn modelId="{7F8F1CDF-9A0E-EC4F-B687-3AFA067A69FC}" type="presParOf" srcId="{279EDC4D-3A6B-4906-9D91-415636385083}" destId="{CED82817-1A0F-41D7-B8AD-4D0E09C0C40B}" srcOrd="0" destOrd="0" presId="urn:microsoft.com/office/officeart/2018/5/layout/IconCircleLabelList"/>
-    <dgm:cxn modelId="{F3FE6490-1CAD-474A-87EF-22E19B9EF5D0}" type="presParOf" srcId="{279EDC4D-3A6B-4906-9D91-415636385083}" destId="{FDB24EF2-1FC7-451F-B740-31B745A8D71D}" srcOrd="1" destOrd="0" presId="urn:microsoft.com/office/officeart/2018/5/layout/IconCircleLabelList"/>
-    <dgm:cxn modelId="{B1C3C6EC-9DD6-6742-9CDD-F28F79613429}" type="presParOf" srcId="{279EDC4D-3A6B-4906-9D91-415636385083}" destId="{23CA74FB-DF54-4AE8-906A-92714457E069}" srcOrd="2" destOrd="0" presId="urn:microsoft.com/office/officeart/2018/5/layout/IconCircleLabelList"/>
-    <dgm:cxn modelId="{3F2633B4-A3B5-5D4B-87B8-E6DFFCC8E095}" type="presParOf" srcId="{279EDC4D-3A6B-4906-9D91-415636385083}" destId="{C4A565F0-71D8-4906-96DA-96B17B5B7CD5}" srcOrd="3" destOrd="0" presId="urn:microsoft.com/office/officeart/2018/5/layout/IconCircleLabelList"/>
-    <dgm:cxn modelId="{848880CF-0249-7F4E-98C6-A0A7A6944C1A}" type="presParOf" srcId="{B1E8C6EC-EB58-46CD-BF92-331BBDEFEC7B}" destId="{7C402629-A00E-47C9-98A5-63D494F8F5EA}" srcOrd="1" destOrd="0" presId="urn:microsoft.com/office/officeart/2018/5/layout/IconCircleLabelList"/>
-    <dgm:cxn modelId="{4EBC0DD1-4C7C-1F4D-B326-1DEE7FD9830B}" type="presParOf" srcId="{B1E8C6EC-EB58-46CD-BF92-331BBDEFEC7B}" destId="{369A065F-DE5E-4454-9A11-AA1088C6C404}" srcOrd="2" destOrd="0" presId="urn:microsoft.com/office/officeart/2018/5/layout/IconCircleLabelList"/>
-    <dgm:cxn modelId="{45656D76-158D-E347-9B6D-162338E18701}" type="presParOf" srcId="{369A065F-DE5E-4454-9A11-AA1088C6C404}" destId="{BDE91378-CA6C-4D62-A3A6-362D25659064}" srcOrd="0" destOrd="0" presId="urn:microsoft.com/office/officeart/2018/5/layout/IconCircleLabelList"/>
-    <dgm:cxn modelId="{F12402A9-B310-9248-B389-C410D00799E8}" type="presParOf" srcId="{369A065F-DE5E-4454-9A11-AA1088C6C404}" destId="{33130C38-F4AF-4938-8D81-FD1A50CB08F7}" srcOrd="1" destOrd="0" presId="urn:microsoft.com/office/officeart/2018/5/layout/IconCircleLabelList"/>
-    <dgm:cxn modelId="{EB3737AD-4EDB-0745-9BF6-CC8E1BB28AE5}" type="presParOf" srcId="{369A065F-DE5E-4454-9A11-AA1088C6C404}" destId="{1091201D-B463-48BC-A1F2-D244554AED01}" srcOrd="2" destOrd="0" presId="urn:microsoft.com/office/officeart/2018/5/layout/IconCircleLabelList"/>
-    <dgm:cxn modelId="{23B4C590-B6A8-4648-9951-91B6E307A74E}" type="presParOf" srcId="{369A065F-DE5E-4454-9A11-AA1088C6C404}" destId="{6C1307A8-C56F-4BD6-A10E-DC99EDC7B34A}" srcOrd="3" destOrd="0" presId="urn:microsoft.com/office/officeart/2018/5/layout/IconCircleLabelList"/>
-    <dgm:cxn modelId="{80B1BBBB-077A-804E-8C48-AC73BEEFF421}" type="presParOf" srcId="{B1E8C6EC-EB58-46CD-BF92-331BBDEFEC7B}" destId="{BC498A97-3EA0-4F0F-912D-788FF05AA19D}" srcOrd="3" destOrd="0" presId="urn:microsoft.com/office/officeart/2018/5/layout/IconCircleLabelList"/>
-    <dgm:cxn modelId="{6B28ABDF-C9DB-BE4F-AB9A-0E5973987180}" type="presParOf" srcId="{B1E8C6EC-EB58-46CD-BF92-331BBDEFEC7B}" destId="{5B88D6CB-9610-4EBA-B05F-140F0F4B857A}" srcOrd="4" destOrd="0" presId="urn:microsoft.com/office/officeart/2018/5/layout/IconCircleLabelList"/>
-    <dgm:cxn modelId="{30EF547E-2310-C449-A993-0827B3081F53}" type="presParOf" srcId="{5B88D6CB-9610-4EBA-B05F-140F0F4B857A}" destId="{633A404F-AA65-42A6-9657-0F92A2DD05FD}" srcOrd="0" destOrd="0" presId="urn:microsoft.com/office/officeart/2018/5/layout/IconCircleLabelList"/>
-    <dgm:cxn modelId="{7C3F02BC-4B0B-B446-9146-E70156CB36AA}" type="presParOf" srcId="{5B88D6CB-9610-4EBA-B05F-140F0F4B857A}" destId="{24A4818E-6FDB-499A-998A-726A6D00215D}" srcOrd="1" destOrd="0" presId="urn:microsoft.com/office/officeart/2018/5/layout/IconCircleLabelList"/>
-    <dgm:cxn modelId="{E732CC73-A81D-8045-8687-E89EB5B44EFF}" type="presParOf" srcId="{5B88D6CB-9610-4EBA-B05F-140F0F4B857A}" destId="{E5B4F5BF-EFBB-4B01-9FC5-1F39A0032774}" srcOrd="2" destOrd="0" presId="urn:microsoft.com/office/officeart/2018/5/layout/IconCircleLabelList"/>
-    <dgm:cxn modelId="{925920C0-53D0-2F4D-8EC7-56D700693DE3}" type="presParOf" srcId="{5B88D6CB-9610-4EBA-B05F-140F0F4B857A}" destId="{0DF74278-A475-4A63-BD0B-7701AD2D9176}" srcOrd="3" destOrd="0" presId="urn:microsoft.com/office/officeart/2018/5/layout/IconCircleLabelList"/>
+    <dgm:cxn modelId="{8530D92F-975C-5A4A-A433-5BD092A157BD}" type="presOf" srcId="{16FA73BA-6DC1-456F-853E-33943656F461}" destId="{0DF74278-A475-4A63-BD0B-7701AD2D9176}" srcOrd="0" destOrd="0" presId="urn:microsoft.com/office/officeart/2018/5/layout/IconCircleLabelList"/>
+    <dgm:cxn modelId="{15D08545-DD7D-410D-A3A7-84CB37ACF793}" srcId="{A05D11A7-03FB-44BE-A08F-01EE35F19C8C}" destId="{16FA73BA-6DC1-456F-853E-33943656F461}" srcOrd="0" destOrd="0" parTransId="{40D53D76-3301-46B6-8B44-FC8DF85A5B28}" sibTransId="{FA707CD6-E540-4564-859A-BD19575BF9B4}"/>
+    <dgm:cxn modelId="{EB66AC68-D8BE-4A02-B3E2-A24D7923DFD5}" srcId="{A05D11A7-03FB-44BE-A08F-01EE35F19C8C}" destId="{F6990166-1D1F-4571-A101-454AD0EDDDCC}" srcOrd="1" destOrd="0" parTransId="{D4D874DD-CA1F-49DF-9111-719811F93C54}" sibTransId="{A7756A6E-E0B6-4D84-BF6D-0656BBEAF754}"/>
+    <dgm:cxn modelId="{BECAD89A-423C-46FF-A593-163C65F62548}" srcId="{A05D11A7-03FB-44BE-A08F-01EE35F19C8C}" destId="{103B6EA3-2C4B-45E4-A7DB-D666032334D5}" srcOrd="2" destOrd="0" parTransId="{AA7A05B0-4050-48A8-9845-5B15CB42D3AC}" sibTransId="{62797CAA-943F-4E6A-89BF-17237113C20B}"/>
+    <dgm:cxn modelId="{E4032440-A020-684D-8FFD-478916289BF8}" type="presParOf" srcId="{B1E8C6EC-EB58-46CD-BF92-331BBDEFEC7B}" destId="{5B88D6CB-9610-4EBA-B05F-140F0F4B857A}" srcOrd="0" destOrd="0" presId="urn:microsoft.com/office/officeart/2018/5/layout/IconCircleLabelList"/>
+    <dgm:cxn modelId="{F67A94AC-C76A-5646-96B5-A26176207249}" type="presParOf" srcId="{5B88D6CB-9610-4EBA-B05F-140F0F4B857A}" destId="{633A404F-AA65-42A6-9657-0F92A2DD05FD}" srcOrd="0" destOrd="0" presId="urn:microsoft.com/office/officeart/2018/5/layout/IconCircleLabelList"/>
+    <dgm:cxn modelId="{C1FAEB38-8EFB-AB4A-8CA6-D41564CA4C21}" type="presParOf" srcId="{5B88D6CB-9610-4EBA-B05F-140F0F4B857A}" destId="{24A4818E-6FDB-499A-998A-726A6D00215D}" srcOrd="1" destOrd="0" presId="urn:microsoft.com/office/officeart/2018/5/layout/IconCircleLabelList"/>
+    <dgm:cxn modelId="{EB4804EF-5E9B-444D-9FC7-BE40647DAE7B}" type="presParOf" srcId="{5B88D6CB-9610-4EBA-B05F-140F0F4B857A}" destId="{E5B4F5BF-EFBB-4B01-9FC5-1F39A0032774}" srcOrd="2" destOrd="0" presId="urn:microsoft.com/office/officeart/2018/5/layout/IconCircleLabelList"/>
+    <dgm:cxn modelId="{1B0B6E13-6A64-1642-B9C5-95E9093C3510}" type="presParOf" srcId="{5B88D6CB-9610-4EBA-B05F-140F0F4B857A}" destId="{0DF74278-A475-4A63-BD0B-7701AD2D9176}" srcOrd="3" destOrd="0" presId="urn:microsoft.com/office/officeart/2018/5/layout/IconCircleLabelList"/>
+    <dgm:cxn modelId="{38F73205-75C6-9E40-94BA-6255F093088C}" type="presParOf" srcId="{B1E8C6EC-EB58-46CD-BF92-331BBDEFEC7B}" destId="{B2A3E9B1-E827-3F47-9918-990A5C405DDE}" srcOrd="1" destOrd="0" presId="urn:microsoft.com/office/officeart/2018/5/layout/IconCircleLabelList"/>
+    <dgm:cxn modelId="{47875E35-F882-624C-9D4F-52D31C1B193F}" type="presParOf" srcId="{B1E8C6EC-EB58-46CD-BF92-331BBDEFEC7B}" destId="{279EDC4D-3A6B-4906-9D91-415636385083}" srcOrd="2" destOrd="0" presId="urn:microsoft.com/office/officeart/2018/5/layout/IconCircleLabelList"/>
+    <dgm:cxn modelId="{72B661E3-3F6D-754C-96E1-7FD3A5C8DF7F}" type="presParOf" srcId="{279EDC4D-3A6B-4906-9D91-415636385083}" destId="{CED82817-1A0F-41D7-B8AD-4D0E09C0C40B}" srcOrd="0" destOrd="0" presId="urn:microsoft.com/office/officeart/2018/5/layout/IconCircleLabelList"/>
+    <dgm:cxn modelId="{3AAC2628-4918-5146-921C-290008BC216E}" type="presParOf" srcId="{279EDC4D-3A6B-4906-9D91-415636385083}" destId="{FDB24EF2-1FC7-451F-B740-31B745A8D71D}" srcOrd="1" destOrd="0" presId="urn:microsoft.com/office/officeart/2018/5/layout/IconCircleLabelList"/>
+    <dgm:cxn modelId="{0B28CD75-0C83-A744-8CCA-645D36F025F5}" type="presParOf" srcId="{279EDC4D-3A6B-4906-9D91-415636385083}" destId="{23CA74FB-DF54-4AE8-906A-92714457E069}" srcOrd="2" destOrd="0" presId="urn:microsoft.com/office/officeart/2018/5/layout/IconCircleLabelList"/>
+    <dgm:cxn modelId="{A2335B0E-8A28-0441-B2C1-369B480F62B6}" type="presParOf" srcId="{279EDC4D-3A6B-4906-9D91-415636385083}" destId="{C4A565F0-71D8-4906-96DA-96B17B5B7CD5}" srcOrd="3" destOrd="0" presId="urn:microsoft.com/office/officeart/2018/5/layout/IconCircleLabelList"/>
+    <dgm:cxn modelId="{D8B8235B-1D00-1548-84A7-292CACD207DC}" type="presParOf" srcId="{B1E8C6EC-EB58-46CD-BF92-331BBDEFEC7B}" destId="{7C402629-A00E-47C9-98A5-63D494F8F5EA}" srcOrd="3" destOrd="0" presId="urn:microsoft.com/office/officeart/2018/5/layout/IconCircleLabelList"/>
+    <dgm:cxn modelId="{A0616215-DA71-C44D-B138-C55C00C981FB}" type="presParOf" srcId="{B1E8C6EC-EB58-46CD-BF92-331BBDEFEC7B}" destId="{369A065F-DE5E-4454-9A11-AA1088C6C404}" srcOrd="4" destOrd="0" presId="urn:microsoft.com/office/officeart/2018/5/layout/IconCircleLabelList"/>
+    <dgm:cxn modelId="{D1F3F9E4-E2B7-F848-B2C1-E2E9387893E3}" type="presParOf" srcId="{369A065F-DE5E-4454-9A11-AA1088C6C404}" destId="{BDE91378-CA6C-4D62-A3A6-362D25659064}" srcOrd="0" destOrd="0" presId="urn:microsoft.com/office/officeart/2018/5/layout/IconCircleLabelList"/>
+    <dgm:cxn modelId="{9685E961-97AE-6044-B24F-CF1C3972399E}" type="presParOf" srcId="{369A065F-DE5E-4454-9A11-AA1088C6C404}" destId="{33130C38-F4AF-4938-8D81-FD1A50CB08F7}" srcOrd="1" destOrd="0" presId="urn:microsoft.com/office/officeart/2018/5/layout/IconCircleLabelList"/>
+    <dgm:cxn modelId="{ACD3084D-1C7F-8D43-913D-57527B40A189}" type="presParOf" srcId="{369A065F-DE5E-4454-9A11-AA1088C6C404}" destId="{1091201D-B463-48BC-A1F2-D244554AED01}" srcOrd="2" destOrd="0" presId="urn:microsoft.com/office/officeart/2018/5/layout/IconCircleLabelList"/>
+    <dgm:cxn modelId="{842F6F93-5627-FE42-AFDF-4BE627F0EC12}" type="presParOf" srcId="{369A065F-DE5E-4454-9A11-AA1088C6C404}" destId="{6C1307A8-C56F-4BD6-A10E-DC99EDC7B34A}" srcOrd="3" destOrd="0" presId="urn:microsoft.com/office/officeart/2018/5/layout/IconCircleLabelList"/>
   </dgm:cxnLst>
   <dgm:bg/>
   <dgm:whole/>
@@ -2776,7 +2769,7 @@
       <dsp:cNvGrpSpPr/>
     </dsp:nvGrpSpPr>
     <dsp:grpSpPr/>
-    <dsp:sp modelId="{CED82817-1A0F-41D7-B8AD-4D0E09C0C40B}">
+    <dsp:sp modelId="{633A404F-AA65-42A6-9657-0F92A2DD05FD}">
       <dsp:nvSpPr>
         <dsp:cNvPr id="0" name=""/>
         <dsp:cNvSpPr/>
@@ -2815,7 +2808,7 @@
         <a:fontRef idx="minor"/>
       </dsp:style>
     </dsp:sp>
-    <dsp:sp modelId="{FDB24EF2-1FC7-451F-B740-31B745A8D71D}">
+    <dsp:sp modelId="{24A4818E-6FDB-499A-998A-726A6D00215D}">
       <dsp:nvSpPr>
         <dsp:cNvPr id="0" name=""/>
         <dsp:cNvSpPr/>
@@ -2864,7 +2857,7 @@
         </a:fontRef>
       </dsp:style>
     </dsp:sp>
-    <dsp:sp modelId="{C4A565F0-71D8-4906-96DA-96B17B5B7CD5}">
+    <dsp:sp modelId="{0DF74278-A475-4A63-BD0B-7701AD2D9176}">
       <dsp:nvSpPr>
         <dsp:cNvPr id="0" name=""/>
         <dsp:cNvSpPr/>
@@ -2901,7 +2894,7 @@
         </a:bodyPr>
         <a:lstStyle/>
         <a:p>
-          <a:pPr marL="0" lvl="0" indent="0" algn="ctr" defTabSz="1422400">
+          <a:pPr marL="0" lvl="0" indent="0" algn="ctr" defTabSz="1555750">
             <a:lnSpc>
               <a:spcPct val="100000"/>
             </a:lnSpc>
@@ -2915,10 +2908,10 @@
             <a:defRPr cap="all"/>
           </a:pPr>
           <a:r>
-            <a:rPr lang="en-US" sz="3200" b="0" i="0" kern="1200"/>
-            <a:t>Latest info</a:t>
+            <a:rPr lang="en-US" sz="3500" b="0" i="0" kern="1200" cap="none" baseline="0" dirty="0"/>
+            <a:t>Be Prepared</a:t>
           </a:r>
-          <a:endParaRPr lang="en-US" sz="3200" kern="1200"/>
+          <a:endParaRPr lang="en-US" sz="3500" kern="1200" cap="none" baseline="0" dirty="0"/>
         </a:p>
       </dsp:txBody>
       <dsp:txXfrm>
@@ -2926,7 +2919,7 @@
         <a:ext cx="3206250" cy="720000"/>
       </dsp:txXfrm>
     </dsp:sp>
-    <dsp:sp modelId="{BDE91378-CA6C-4D62-A3A6-362D25659064}">
+    <dsp:sp modelId="{CED82817-1A0F-41D7-B8AD-4D0E09C0C40B}">
       <dsp:nvSpPr>
         <dsp:cNvPr id="0" name=""/>
         <dsp:cNvSpPr/>
@@ -2965,7 +2958,7 @@
         <a:fontRef idx="minor"/>
       </dsp:style>
     </dsp:sp>
-    <dsp:sp modelId="{33130C38-F4AF-4938-8D81-FD1A50CB08F7}">
+    <dsp:sp modelId="{FDB24EF2-1FC7-451F-B740-31B745A8D71D}">
       <dsp:nvSpPr>
         <dsp:cNvPr id="0" name=""/>
         <dsp:cNvSpPr/>
@@ -2981,14 +2974,12 @@
         <a:blipFill>
           <a:blip xmlns:r="http://schemas.openxmlformats.org/officeDocument/2006/relationships" r:embed="rId3">
             <a:extLst>
-              <a:ext uri="{28A0092B-C50C-407E-A947-70E740481C1C}">
-                <a14:useLocalDpi xmlns:a14="http://schemas.microsoft.com/office/drawing/2010/main" val="0"/>
-              </a:ext>
-              <a:ext uri="{96DAC541-7B7A-43D3-8B79-37D633B846F1}">
-                <asvg:svgBlip xmlns:asvg="http://schemas.microsoft.com/office/drawing/2016/SVG/main" r:embed="rId4"/>
+              <a:ext uri="{837473B0-CC2E-450A-ABE3-18F120FF3D39}">
+                <a1611:picAttrSrcUrl xmlns:a1611="http://schemas.microsoft.com/office/drawing/2016/11/main" r:id="rId4"/>
               </a:ext>
             </a:extLst>
           </a:blip>
+          <a:srcRect/>
           <a:stretch>
             <a:fillRect/>
           </a:stretch>
@@ -3014,7 +3005,7 @@
         </a:fontRef>
       </dsp:style>
     </dsp:sp>
-    <dsp:sp modelId="{6C1307A8-C56F-4BD6-A10E-DC99EDC7B34A}">
+    <dsp:sp modelId="{C4A565F0-71D8-4906-96DA-96B17B5B7CD5}">
       <dsp:nvSpPr>
         <dsp:cNvPr id="0" name=""/>
         <dsp:cNvSpPr/>
@@ -3051,7 +3042,7 @@
         </a:bodyPr>
         <a:lstStyle/>
         <a:p>
-          <a:pPr marL="0" lvl="0" indent="0" algn="ctr" defTabSz="1422400">
+          <a:pPr marL="0" lvl="0" indent="0" algn="ctr" defTabSz="1555750">
             <a:lnSpc>
               <a:spcPct val="100000"/>
             </a:lnSpc>
@@ -3065,10 +3056,10 @@
             <a:defRPr cap="all"/>
           </a:pPr>
           <a:r>
-            <a:rPr lang="en-US" sz="3200" b="0" i="0" kern="1200"/>
-            <a:t>Peace of Mind</a:t>
+            <a:rPr lang="en-US" sz="3500" b="0" i="0" kern="1200" cap="none" baseline="0" dirty="0"/>
+            <a:t>Get Updates</a:t>
           </a:r>
-          <a:endParaRPr lang="en-US" sz="3200" kern="1200"/>
+          <a:endParaRPr lang="en-US" sz="3500" kern="1200" cap="none" baseline="0" dirty="0"/>
         </a:p>
       </dsp:txBody>
       <dsp:txXfrm>
@@ -3076,7 +3067,7 @@
         <a:ext cx="3206250" cy="720000"/>
       </dsp:txXfrm>
     </dsp:sp>
-    <dsp:sp modelId="{633A404F-AA65-42A6-9657-0F92A2DD05FD}">
+    <dsp:sp modelId="{BDE91378-CA6C-4D62-A3A6-362D25659064}">
       <dsp:nvSpPr>
         <dsp:cNvPr id="0" name=""/>
         <dsp:cNvSpPr/>
@@ -3115,7 +3106,7 @@
         <a:fontRef idx="minor"/>
       </dsp:style>
     </dsp:sp>
-    <dsp:sp modelId="{24A4818E-6FDB-499A-998A-726A6D00215D}">
+    <dsp:sp modelId="{33130C38-F4AF-4938-8D81-FD1A50CB08F7}">
       <dsp:nvSpPr>
         <dsp:cNvPr id="0" name=""/>
         <dsp:cNvSpPr/>
@@ -3164,7 +3155,7 @@
         </a:fontRef>
       </dsp:style>
     </dsp:sp>
-    <dsp:sp modelId="{0DF74278-A475-4A63-BD0B-7701AD2D9176}">
+    <dsp:sp modelId="{6C1307A8-C56F-4BD6-A10E-DC99EDC7B34A}">
       <dsp:nvSpPr>
         <dsp:cNvPr id="0" name=""/>
         <dsp:cNvSpPr/>
@@ -3201,7 +3192,7 @@
         </a:bodyPr>
         <a:lstStyle/>
         <a:p>
-          <a:pPr marL="0" lvl="0" indent="0" algn="ctr" defTabSz="1422400">
+          <a:pPr marL="0" lvl="0" indent="0" algn="ctr" defTabSz="1555750">
             <a:lnSpc>
               <a:spcPct val="100000"/>
             </a:lnSpc>
@@ -3215,10 +3206,10 @@
             <a:defRPr cap="all"/>
           </a:pPr>
           <a:r>
-            <a:rPr lang="en-US" sz="3200" b="0" i="0" kern="1200"/>
-            <a:t>Fully Prepared</a:t>
+            <a:rPr lang="en-US" sz="3500" b="0" i="0" kern="1200" cap="none" baseline="0" dirty="0"/>
+            <a:t>Peace of Mind</a:t>
           </a:r>
-          <a:endParaRPr lang="en-US" sz="3200" kern="1200"/>
+          <a:endParaRPr lang="en-US" sz="3500" kern="1200" cap="none" baseline="0" dirty="0"/>
         </a:p>
       </dsp:txBody>
       <dsp:txXfrm>
@@ -12218,321 +12209,12 @@
           <a:chExt cx="0" cy="0"/>
         </a:xfrm>
       </p:grpSpPr>
-      <p:pic>
-        <p:nvPicPr>
-          <p:cNvPr id="10" name="Picture 9">
+      <p:sp>
+        <p:nvSpPr>
+          <p:cNvPr id="53" name="Rectangle 32">
             <a:extLst>
               <a:ext uri="{FF2B5EF4-FFF2-40B4-BE49-F238E27FC236}">
-                <a16:creationId xmlns:a16="http://schemas.microsoft.com/office/drawing/2014/main" id="{41B68C77-138E-4BF7-A276-BD0C78A4219F}"/>
-              </a:ext>
-              <a:ext uri="{C183D7F6-B498-43B3-948B-1728B52AA6E4}">
-                <adec:decorative xmlns:adec="http://schemas.microsoft.com/office/drawing/2017/decorative" val="1"/>
-              </a:ext>
-            </a:extLst>
-          </p:cNvPr>
-          <p:cNvPicPr>
-            <a:picLocks noGrp="1" noRot="1" noChangeAspect="1" noMove="1" noResize="1" noEditPoints="1" noAdjustHandles="1" noChangeArrowheads="1" noChangeShapeType="1" noCrop="1"/>
-          </p:cNvPicPr>
-          <p:nvPr>
-            <p:extLst>
-              <p:ext uri="{386F3935-93C4-4BCD-93E2-E3B085C9AB24}">
-                <p16:designElem xmlns:p16="http://schemas.microsoft.com/office/powerpoint/2015/main" val="1"/>
-              </p:ext>
-            </p:extLst>
-          </p:nvPr>
-        </p:nvPicPr>
-        <p:blipFill rotWithShape="1">
-          <a:blip r:embed="rId2">
-            <a:extLst>
-              <a:ext uri="{28A0092B-C50C-407E-A947-70E740481C1C}">
-                <a14:useLocalDpi xmlns:a14="http://schemas.microsoft.com/office/drawing/2010/main" val="0"/>
-              </a:ext>
-            </a:extLst>
-          </a:blip>
-          <a:srcRect l="3613"/>
-          <a:stretch/>
-        </p:blipFill>
-        <p:spPr>
-          <a:xfrm>
-            <a:off x="0" y="2669685"/>
-            <a:ext cx="4037012" cy="4188315"/>
-          </a:xfrm>
-          <a:prstGeom prst="rect">
-            <a:avLst/>
-          </a:prstGeom>
-        </p:spPr>
-      </p:pic>
-      <p:pic>
-        <p:nvPicPr>
-          <p:cNvPr id="12" name="Picture 11">
-            <a:extLst>
-              <a:ext uri="{FF2B5EF4-FFF2-40B4-BE49-F238E27FC236}">
-                <a16:creationId xmlns:a16="http://schemas.microsoft.com/office/drawing/2014/main" id="{7C268552-D473-46ED-B1B8-422042C4DEF1}"/>
-              </a:ext>
-              <a:ext uri="{C183D7F6-B498-43B3-948B-1728B52AA6E4}">
-                <adec:decorative xmlns:adec="http://schemas.microsoft.com/office/drawing/2017/decorative" val="1"/>
-              </a:ext>
-            </a:extLst>
-          </p:cNvPr>
-          <p:cNvPicPr>
-            <a:picLocks noGrp="1" noRot="1" noChangeAspect="1" noMove="1" noResize="1" noEditPoints="1" noAdjustHandles="1" noChangeArrowheads="1" noChangeShapeType="1" noCrop="1"/>
-          </p:cNvPicPr>
-          <p:nvPr>
-            <p:extLst>
-              <p:ext uri="{386F3935-93C4-4BCD-93E2-E3B085C9AB24}">
-                <p16:designElem xmlns:p16="http://schemas.microsoft.com/office/powerpoint/2015/main" val="1"/>
-              </p:ext>
-            </p:extLst>
-          </p:nvPr>
-        </p:nvPicPr>
-        <p:blipFill rotWithShape="1">
-          <a:blip r:embed="rId3">
-            <a:extLst>
-              <a:ext uri="{28A0092B-C50C-407E-A947-70E740481C1C}">
-                <a14:useLocalDpi xmlns:a14="http://schemas.microsoft.com/office/drawing/2010/main" val="0"/>
-              </a:ext>
-            </a:extLst>
-          </a:blip>
-          <a:srcRect l="35640"/>
-          <a:stretch/>
-        </p:blipFill>
-        <p:spPr>
-          <a:xfrm>
-            <a:off x="0" y="2892347"/>
-            <a:ext cx="1522412" cy="2365453"/>
-          </a:xfrm>
-          <a:prstGeom prst="rect">
-            <a:avLst/>
-          </a:prstGeom>
-        </p:spPr>
-      </p:pic>
-      <p:sp>
-        <p:nvSpPr>
-          <p:cNvPr id="14" name="Oval 13">
-            <a:extLst>
-              <a:ext uri="{FF2B5EF4-FFF2-40B4-BE49-F238E27FC236}">
-                <a16:creationId xmlns:a16="http://schemas.microsoft.com/office/drawing/2014/main" id="{4AC0CD9D-7610-4620-93B4-798CCD9AB581}"/>
-              </a:ext>
-              <a:ext uri="{C183D7F6-B498-43B3-948B-1728B52AA6E4}">
-                <adec:decorative xmlns:adec="http://schemas.microsoft.com/office/drawing/2017/decorative" val="1"/>
-              </a:ext>
-            </a:extLst>
-          </p:cNvPr>
-          <p:cNvSpPr>
-            <a:spLocks noGrp="1" noRot="1" noChangeAspect="1" noMove="1" noResize="1" noEditPoints="1" noAdjustHandles="1" noChangeArrowheads="1" noChangeShapeType="1" noTextEdit="1"/>
-          </p:cNvSpPr>
-          <p:nvPr>
-            <p:extLst>
-              <p:ext uri="{386F3935-93C4-4BCD-93E2-E3B085C9AB24}">
-                <p16:designElem xmlns:p16="http://schemas.microsoft.com/office/powerpoint/2015/main" val="1"/>
-              </p:ext>
-            </p:extLst>
-          </p:nvPr>
-        </p:nvSpPr>
-        <p:spPr>
-          <a:xfrm>
-            <a:off x="8609012" y="1676400"/>
-            <a:ext cx="2819400" cy="2819400"/>
-          </a:xfrm>
-          <a:prstGeom prst="ellipse">
-            <a:avLst/>
-          </a:prstGeom>
-          <a:gradFill flip="none" rotWithShape="1">
-            <a:gsLst>
-              <a:gs pos="0">
-                <a:schemeClr val="bg2">
-                  <a:lumMod val="60000"/>
-                  <a:lumOff val="40000"/>
-                  <a:alpha val="7000"/>
-                </a:schemeClr>
-              </a:gs>
-              <a:gs pos="69000">
-                <a:schemeClr val="bg2">
-                  <a:lumMod val="60000"/>
-                  <a:lumOff val="40000"/>
-                  <a:alpha val="0"/>
-                </a:schemeClr>
-              </a:gs>
-              <a:gs pos="36000">
-                <a:schemeClr val="bg2">
-                  <a:lumMod val="60000"/>
-                  <a:lumOff val="40000"/>
-                  <a:alpha val="6000"/>
-                </a:schemeClr>
-              </a:gs>
-            </a:gsLst>
-            <a:path path="circle">
-              <a:fillToRect l="50000" t="50000" r="50000" b="50000"/>
-            </a:path>
-            <a:tileRect/>
-          </a:gradFill>
-          <a:ln>
-            <a:noFill/>
-          </a:ln>
-          <a:effectLst/>
-        </p:spPr>
-        <p:style>
-          <a:lnRef idx="1">
-            <a:schemeClr val="accent1"/>
-          </a:lnRef>
-          <a:fillRef idx="3">
-            <a:schemeClr val="accent1"/>
-          </a:fillRef>
-          <a:effectRef idx="2">
-            <a:schemeClr val="accent1"/>
-          </a:effectRef>
-          <a:fontRef idx="minor">
-            <a:schemeClr val="lt1"/>
-          </a:fontRef>
-        </p:style>
-      </p:sp>
-      <p:pic>
-        <p:nvPicPr>
-          <p:cNvPr id="16" name="Picture 15">
-            <a:extLst>
-              <a:ext uri="{FF2B5EF4-FFF2-40B4-BE49-F238E27FC236}">
-                <a16:creationId xmlns:a16="http://schemas.microsoft.com/office/drawing/2014/main" id="{B9238B3E-24AA-439A-B527-6C5DF6D72145}"/>
-              </a:ext>
-              <a:ext uri="{C183D7F6-B498-43B3-948B-1728B52AA6E4}">
-                <adec:decorative xmlns:adec="http://schemas.microsoft.com/office/drawing/2017/decorative" val="1"/>
-              </a:ext>
-            </a:extLst>
-          </p:cNvPr>
-          <p:cNvPicPr>
-            <a:picLocks noGrp="1" noRot="1" noChangeAspect="1" noMove="1" noResize="1" noEditPoints="1" noAdjustHandles="1" noChangeArrowheads="1" noChangeShapeType="1" noCrop="1"/>
-          </p:cNvPicPr>
-          <p:nvPr>
-            <p:extLst>
-              <p:ext uri="{386F3935-93C4-4BCD-93E2-E3B085C9AB24}">
-                <p16:designElem xmlns:p16="http://schemas.microsoft.com/office/powerpoint/2015/main" val="1"/>
-              </p:ext>
-            </p:extLst>
-          </p:nvPr>
-        </p:nvPicPr>
-        <p:blipFill rotWithShape="1">
-          <a:blip r:embed="rId4">
-            <a:extLst>
-              <a:ext uri="{28A0092B-C50C-407E-A947-70E740481C1C}">
-                <a14:useLocalDpi xmlns:a14="http://schemas.microsoft.com/office/drawing/2010/main" val="0"/>
-              </a:ext>
-            </a:extLst>
-          </a:blip>
-          <a:srcRect t="28813"/>
-          <a:stretch/>
-        </p:blipFill>
-        <p:spPr>
-          <a:xfrm>
-            <a:off x="7999412" y="0"/>
-            <a:ext cx="1603387" cy="1141407"/>
-          </a:xfrm>
-          <a:prstGeom prst="rect">
-            <a:avLst/>
-          </a:prstGeom>
-        </p:spPr>
-      </p:pic>
-      <p:pic>
-        <p:nvPicPr>
-          <p:cNvPr id="18" name="Picture 17">
-            <a:extLst>
-              <a:ext uri="{FF2B5EF4-FFF2-40B4-BE49-F238E27FC236}">
-                <a16:creationId xmlns:a16="http://schemas.microsoft.com/office/drawing/2014/main" id="{69F01145-BEA3-4CBF-AA21-10077B948CA8}"/>
-              </a:ext>
-              <a:ext uri="{C183D7F6-B498-43B3-948B-1728B52AA6E4}">
-                <adec:decorative xmlns:adec="http://schemas.microsoft.com/office/drawing/2017/decorative" val="1"/>
-              </a:ext>
-            </a:extLst>
-          </p:cNvPr>
-          <p:cNvPicPr>
-            <a:picLocks noGrp="1" noRot="1" noChangeAspect="1" noMove="1" noResize="1" noEditPoints="1" noAdjustHandles="1" noChangeArrowheads="1" noChangeShapeType="1" noCrop="1"/>
-          </p:cNvPicPr>
-          <p:nvPr>
-            <p:extLst>
-              <p:ext uri="{386F3935-93C4-4BCD-93E2-E3B085C9AB24}">
-                <p16:designElem xmlns:p16="http://schemas.microsoft.com/office/powerpoint/2015/main" val="1"/>
-              </p:ext>
-            </p:extLst>
-          </p:nvPr>
-        </p:nvPicPr>
-        <p:blipFill rotWithShape="1">
-          <a:blip r:embed="rId5">
-            <a:extLst>
-              <a:ext uri="{28A0092B-C50C-407E-A947-70E740481C1C}">
-                <a14:useLocalDpi xmlns:a14="http://schemas.microsoft.com/office/drawing/2010/main" val="0"/>
-              </a:ext>
-            </a:extLst>
-          </a:blip>
-          <a:srcRect b="23320"/>
-          <a:stretch/>
-        </p:blipFill>
-        <p:spPr>
-          <a:xfrm>
-            <a:off x="8605878" y="6096000"/>
-            <a:ext cx="993734" cy="762000"/>
-          </a:xfrm>
-          <a:prstGeom prst="rect">
-            <a:avLst/>
-          </a:prstGeom>
-        </p:spPr>
-      </p:pic>
-      <p:sp>
-        <p:nvSpPr>
-          <p:cNvPr id="20" name="Rectangle 19">
-            <a:extLst>
-              <a:ext uri="{FF2B5EF4-FFF2-40B4-BE49-F238E27FC236}">
-                <a16:creationId xmlns:a16="http://schemas.microsoft.com/office/drawing/2014/main" id="{DE4D62F9-188E-4530-84C2-24BDEE4BEB82}"/>
-              </a:ext>
-              <a:ext uri="{C183D7F6-B498-43B3-948B-1728B52AA6E4}">
-                <adec:decorative xmlns:adec="http://schemas.microsoft.com/office/drawing/2017/decorative" val="1"/>
-              </a:ext>
-            </a:extLst>
-          </p:cNvPr>
-          <p:cNvSpPr>
-            <a:spLocks noGrp="1" noRot="1" noChangeAspect="1" noMove="1" noResize="1" noEditPoints="1" noAdjustHandles="1" noChangeArrowheads="1" noChangeShapeType="1" noTextEdit="1"/>
-          </p:cNvSpPr>
-          <p:nvPr>
-            <p:extLst>
-              <p:ext uri="{386F3935-93C4-4BCD-93E2-E3B085C9AB24}">
-                <p16:designElem xmlns:p16="http://schemas.microsoft.com/office/powerpoint/2015/main" val="1"/>
-              </p:ext>
-            </p:extLst>
-          </p:nvPr>
-        </p:nvSpPr>
-        <p:spPr>
-          <a:xfrm>
-            <a:off x="10437812" y="0"/>
-            <a:ext cx="685800" cy="1143000"/>
-          </a:xfrm>
-          <a:prstGeom prst="rect">
-            <a:avLst/>
-          </a:prstGeom>
-          <a:solidFill>
-            <a:schemeClr val="accent1"/>
-          </a:solidFill>
-          <a:ln>
-            <a:noFill/>
-          </a:ln>
-        </p:spPr>
-        <p:style>
-          <a:lnRef idx="1">
-            <a:schemeClr val="accent1"/>
-          </a:lnRef>
-          <a:fillRef idx="3">
-            <a:schemeClr val="accent1"/>
-          </a:fillRef>
-          <a:effectRef idx="2">
-            <a:schemeClr val="accent1"/>
-          </a:effectRef>
-          <a:fontRef idx="minor">
-            <a:schemeClr val="lt1"/>
-          </a:fontRef>
-        </p:style>
-      </p:sp>
-      <p:sp>
-        <p:nvSpPr>
-          <p:cNvPr id="22" name="Rectangle 21">
-            <a:extLst>
-              <a:ext uri="{FF2B5EF4-FFF2-40B4-BE49-F238E27FC236}">
-                <a16:creationId xmlns:a16="http://schemas.microsoft.com/office/drawing/2014/main" id="{C6A81905-F480-46A4-BC10-215D24EA1AE6}"/>
+                <a16:creationId xmlns:a16="http://schemas.microsoft.com/office/drawing/2014/main" id="{B4AAD3FD-83A5-4B89-9F8F-01B8870865BE}"/>
               </a:ext>
               <a:ext uri="{C183D7F6-B498-43B3-948B-1728B52AA6E4}">
                 <adec:decorative xmlns:adec="http://schemas.microsoft.com/office/drawing/2017/decorative" val="1"/>
@@ -12605,18 +12287,19 @@
         </p:nvSpPr>
         <p:spPr>
           <a:xfrm>
-            <a:off x="4885675" y="2074881"/>
-            <a:ext cx="5222325" cy="1634759"/>
+            <a:off x="-421" y="2538712"/>
+            <a:ext cx="5207219" cy="1622321"/>
           </a:xfrm>
         </p:spPr>
         <p:txBody>
-          <a:bodyPr vert="horz" lIns="91440" tIns="45720" rIns="91440" bIns="45720" rtlCol="0" anchor="b">
+          <a:bodyPr vert="horz" lIns="91440" tIns="45720" rIns="91440" bIns="45720" rtlCol="0">
             <a:normAutofit/>
           </a:bodyPr>
           <a:lstStyle/>
           <a:p>
+            <a:pPr algn="ctr"/>
             <a:r>
-              <a:rPr lang="en-US" sz="7200" b="0" i="0" kern="1200" dirty="0">
+              <a:rPr lang="en-US" sz="6000" b="0" i="0" kern="1200" dirty="0">
                 <a:solidFill>
                   <a:srgbClr val="EBEBEB"/>
                 </a:solidFill>
@@ -12631,10 +12314,10 @@
       </p:sp>
       <p:sp>
         <p:nvSpPr>
-          <p:cNvPr id="24" name="Freeform 8">
+          <p:cNvPr id="54" name="Freeform 31">
             <a:extLst>
               <a:ext uri="{FF2B5EF4-FFF2-40B4-BE49-F238E27FC236}">
-                <a16:creationId xmlns:a16="http://schemas.microsoft.com/office/drawing/2014/main" id="{36FD4D9D-3784-41E8-8405-A42B72F51331}"/>
+                <a16:creationId xmlns:a16="http://schemas.microsoft.com/office/drawing/2014/main" id="{61752F1D-FC0F-4103-9584-630E643CCDA6}"/>
               </a:ext>
               <a:ext uri="{C183D7F6-B498-43B3-948B-1728B52AA6E4}">
                 <adec:decorative xmlns:adec="http://schemas.microsoft.com/office/drawing/2017/decorative" val="1"/>
@@ -12653,8 +12336,8 @@
           </p:nvPr>
         </p:nvSpPr>
         <p:spPr>
-          <a:xfrm flipH="1">
-            <a:off x="4135692" y="-1"/>
+          <a:xfrm>
+            <a:off x="4994020" y="-1"/>
             <a:ext cx="559472" cy="3709642"/>
           </a:xfrm>
           <a:custGeom>
@@ -12983,10 +12666,504 @@
       </p:sp>
       <p:sp useBgFill="1">
         <p:nvSpPr>
-          <p:cNvPr id="26" name="Freeform: Shape 25">
+          <p:cNvPr id="55" name="Freeform: Shape 36">
             <a:extLst>
               <a:ext uri="{FF2B5EF4-FFF2-40B4-BE49-F238E27FC236}">
-                <a16:creationId xmlns:a16="http://schemas.microsoft.com/office/drawing/2014/main" id="{09811DF6-66E4-43D5-B564-3151796531ED}"/>
+                <a16:creationId xmlns:a16="http://schemas.microsoft.com/office/drawing/2014/main" id="{70151CB7-E7DE-4917-B831-01DF9CE01306}"/>
+              </a:ext>
+              <a:ext uri="{C183D7F6-B498-43B3-948B-1728B52AA6E4}">
+                <adec:decorative xmlns:adec="http://schemas.microsoft.com/office/drawing/2017/decorative" val="1"/>
+              </a:ext>
+            </a:extLst>
+          </p:cNvPr>
+          <p:cNvSpPr>
+            <a:spLocks noGrp="1" noRot="1" noChangeAspect="1" noMove="1" noResize="1" noEditPoints="1" noAdjustHandles="1" noChangeArrowheads="1" noChangeShapeType="1" noTextEdit="1"/>
+          </p:cNvSpPr>
+          <p:nvPr>
+            <p:extLst>
+              <p:ext uri="{386F3935-93C4-4BCD-93E2-E3B085C9AB24}">
+                <p16:designElem xmlns:p16="http://schemas.microsoft.com/office/powerpoint/2015/main" val="1"/>
+              </p:ext>
+            </p:extLst>
+          </p:nvPr>
+        </p:nvSpPr>
+        <p:spPr bwMode="gray">
+          <a:xfrm rot="16200000">
+            <a:off x="5270819" y="-63600"/>
+            <a:ext cx="6858001" cy="6985200"/>
+          </a:xfrm>
+          <a:custGeom>
+            <a:avLst/>
+            <a:gdLst>
+              <a:gd name="connsiteX0" fmla="*/ 6858001 w 6858001"/>
+              <a:gd name="connsiteY0" fmla="*/ 1177 h 6985200"/>
+              <a:gd name="connsiteX1" fmla="*/ 6858001 w 6858001"/>
+              <a:gd name="connsiteY1" fmla="*/ 1344715 h 6985200"/>
+              <a:gd name="connsiteX2" fmla="*/ 6858000 w 6858001"/>
+              <a:gd name="connsiteY2" fmla="*/ 1344715 h 6985200"/>
+              <a:gd name="connsiteX3" fmla="*/ 6858000 w 6858001"/>
+              <a:gd name="connsiteY3" fmla="*/ 6985200 h 6985200"/>
+              <a:gd name="connsiteX4" fmla="*/ 0 w 6858001"/>
+              <a:gd name="connsiteY4" fmla="*/ 6985199 h 6985200"/>
+              <a:gd name="connsiteX5" fmla="*/ 0 w 6858001"/>
+              <a:gd name="connsiteY5" fmla="*/ 886772 h 6985200"/>
+              <a:gd name="connsiteX6" fmla="*/ 1 w 6858001"/>
+              <a:gd name="connsiteY6" fmla="*/ 886772 h 6985200"/>
+              <a:gd name="connsiteX7" fmla="*/ 1 w 6858001"/>
+              <a:gd name="connsiteY7" fmla="*/ 0 h 6985200"/>
+              <a:gd name="connsiteX8" fmla="*/ 40463 w 6858001"/>
+              <a:gd name="connsiteY8" fmla="*/ 5883 h 6985200"/>
+              <a:gd name="connsiteX9" fmla="*/ 159107 w 6858001"/>
+              <a:gd name="connsiteY9" fmla="*/ 23196 h 6985200"/>
+              <a:gd name="connsiteX10" fmla="*/ 245518 w 6858001"/>
+              <a:gd name="connsiteY10" fmla="*/ 35299 h 6985200"/>
+              <a:gd name="connsiteX11" fmla="*/ 348388 w 6858001"/>
+              <a:gd name="connsiteY11" fmla="*/ 48073 h 6985200"/>
+              <a:gd name="connsiteX12" fmla="*/ 470460 w 6858001"/>
+              <a:gd name="connsiteY12" fmla="*/ 63369 h 6985200"/>
+              <a:gd name="connsiteX13" fmla="*/ 605563 w 6858001"/>
+              <a:gd name="connsiteY13" fmla="*/ 79506 h 6985200"/>
+              <a:gd name="connsiteX14" fmla="*/ 757810 w 6858001"/>
+              <a:gd name="connsiteY14" fmla="*/ 96483 h 6985200"/>
+              <a:gd name="connsiteX15" fmla="*/ 923774 w 6858001"/>
+              <a:gd name="connsiteY15" fmla="*/ 114469 h 6985200"/>
+              <a:gd name="connsiteX16" fmla="*/ 1104139 w 6858001"/>
+              <a:gd name="connsiteY16" fmla="*/ 132454 h 6985200"/>
+              <a:gd name="connsiteX17" fmla="*/ 1296163 w 6858001"/>
+              <a:gd name="connsiteY17" fmla="*/ 150776 h 6985200"/>
+              <a:gd name="connsiteX18" fmla="*/ 1503275 w 6858001"/>
+              <a:gd name="connsiteY18" fmla="*/ 167753 h 6985200"/>
+              <a:gd name="connsiteX19" fmla="*/ 1719988 w 6858001"/>
+              <a:gd name="connsiteY19" fmla="*/ 184058 h 6985200"/>
+              <a:gd name="connsiteX20" fmla="*/ 1949045 w 6858001"/>
+              <a:gd name="connsiteY20" fmla="*/ 198849 h 6985200"/>
+              <a:gd name="connsiteX21" fmla="*/ 2187703 w 6858001"/>
+              <a:gd name="connsiteY21" fmla="*/ 212969 h 6985200"/>
+              <a:gd name="connsiteX22" fmla="*/ 2436649 w 6858001"/>
+              <a:gd name="connsiteY22" fmla="*/ 226248 h 6985200"/>
+              <a:gd name="connsiteX23" fmla="*/ 2564208 w 6858001"/>
+              <a:gd name="connsiteY23" fmla="*/ 230955 h 6985200"/>
+              <a:gd name="connsiteX24" fmla="*/ 2694509 w 6858001"/>
+              <a:gd name="connsiteY24" fmla="*/ 236165 h 6985200"/>
+              <a:gd name="connsiteX25" fmla="*/ 2826869 w 6858001"/>
+              <a:gd name="connsiteY25" fmla="*/ 241040 h 6985200"/>
+              <a:gd name="connsiteX26" fmla="*/ 2959914 w 6858001"/>
+              <a:gd name="connsiteY26" fmla="*/ 244234 h 6985200"/>
+              <a:gd name="connsiteX27" fmla="*/ 3095702 w 6858001"/>
+              <a:gd name="connsiteY27" fmla="*/ 247091 h 6985200"/>
+              <a:gd name="connsiteX28" fmla="*/ 3232862 w 6858001"/>
+              <a:gd name="connsiteY28" fmla="*/ 250117 h 6985200"/>
+              <a:gd name="connsiteX29" fmla="*/ 3372766 w 6858001"/>
+              <a:gd name="connsiteY29" fmla="*/ 252134 h 6985200"/>
+              <a:gd name="connsiteX30" fmla="*/ 3514040 w 6858001"/>
+              <a:gd name="connsiteY30" fmla="*/ 252134 h 6985200"/>
+              <a:gd name="connsiteX31" fmla="*/ 3656686 w 6858001"/>
+              <a:gd name="connsiteY31" fmla="*/ 253142 h 6985200"/>
+              <a:gd name="connsiteX32" fmla="*/ 3800705 w 6858001"/>
+              <a:gd name="connsiteY32" fmla="*/ 252134 h 6985200"/>
+              <a:gd name="connsiteX33" fmla="*/ 3946780 w 6858001"/>
+              <a:gd name="connsiteY33" fmla="*/ 250117 h 6985200"/>
+              <a:gd name="connsiteX34" fmla="*/ 4092856 w 6858001"/>
+              <a:gd name="connsiteY34" fmla="*/ 248268 h 6985200"/>
+              <a:gd name="connsiteX35" fmla="*/ 4240988 w 6858001"/>
+              <a:gd name="connsiteY35" fmla="*/ 244234 h 6985200"/>
+              <a:gd name="connsiteX36" fmla="*/ 4390492 w 6858001"/>
+              <a:gd name="connsiteY36" fmla="*/ 240032 h 6985200"/>
+              <a:gd name="connsiteX37" fmla="*/ 4539997 w 6858001"/>
+              <a:gd name="connsiteY37" fmla="*/ 235157 h 6985200"/>
+              <a:gd name="connsiteX38" fmla="*/ 4690873 w 6858001"/>
+              <a:gd name="connsiteY38" fmla="*/ 228266 h 6985200"/>
+              <a:gd name="connsiteX39" fmla="*/ 4843120 w 6858001"/>
+              <a:gd name="connsiteY39" fmla="*/ 220029 h 6985200"/>
+              <a:gd name="connsiteX40" fmla="*/ 4996054 w 6858001"/>
+              <a:gd name="connsiteY40" fmla="*/ 212129 h 6985200"/>
+              <a:gd name="connsiteX41" fmla="*/ 5148987 w 6858001"/>
+              <a:gd name="connsiteY41" fmla="*/ 202044 h 6985200"/>
+              <a:gd name="connsiteX42" fmla="*/ 5303978 w 6858001"/>
+              <a:gd name="connsiteY42" fmla="*/ 189941 h 6985200"/>
+              <a:gd name="connsiteX43" fmla="*/ 5456911 w 6858001"/>
+              <a:gd name="connsiteY43" fmla="*/ 177839 h 6985200"/>
+              <a:gd name="connsiteX44" fmla="*/ 5612588 w 6858001"/>
+              <a:gd name="connsiteY44" fmla="*/ 163887 h 6985200"/>
+              <a:gd name="connsiteX45" fmla="*/ 5768950 w 6858001"/>
+              <a:gd name="connsiteY45" fmla="*/ 148591 h 6985200"/>
+              <a:gd name="connsiteX46" fmla="*/ 5923255 w 6858001"/>
+              <a:gd name="connsiteY46" fmla="*/ 132455 h 6985200"/>
+              <a:gd name="connsiteX47" fmla="*/ 6079618 w 6858001"/>
+              <a:gd name="connsiteY47" fmla="*/ 113629 h 6985200"/>
+              <a:gd name="connsiteX48" fmla="*/ 6235294 w 6858001"/>
+              <a:gd name="connsiteY48" fmla="*/ 93458 h 6985200"/>
+              <a:gd name="connsiteX49" fmla="*/ 6391657 w 6858001"/>
+              <a:gd name="connsiteY49" fmla="*/ 73455 h 6985200"/>
+              <a:gd name="connsiteX50" fmla="*/ 6547333 w 6858001"/>
+              <a:gd name="connsiteY50" fmla="*/ 50091 h 6985200"/>
+              <a:gd name="connsiteX51" fmla="*/ 6702324 w 6858001"/>
+              <a:gd name="connsiteY51" fmla="*/ 26222 h 6985200"/>
+            </a:gdLst>
+            <a:ahLst/>
+            <a:cxnLst>
+              <a:cxn ang="0">
+                <a:pos x="connsiteX0" y="connsiteY0"/>
+              </a:cxn>
+              <a:cxn ang="0">
+                <a:pos x="connsiteX1" y="connsiteY1"/>
+              </a:cxn>
+              <a:cxn ang="0">
+                <a:pos x="connsiteX2" y="connsiteY2"/>
+              </a:cxn>
+              <a:cxn ang="0">
+                <a:pos x="connsiteX3" y="connsiteY3"/>
+              </a:cxn>
+              <a:cxn ang="0">
+                <a:pos x="connsiteX4" y="connsiteY4"/>
+              </a:cxn>
+              <a:cxn ang="0">
+                <a:pos x="connsiteX5" y="connsiteY5"/>
+              </a:cxn>
+              <a:cxn ang="0">
+                <a:pos x="connsiteX6" y="connsiteY6"/>
+              </a:cxn>
+              <a:cxn ang="0">
+                <a:pos x="connsiteX7" y="connsiteY7"/>
+              </a:cxn>
+              <a:cxn ang="0">
+                <a:pos x="connsiteX8" y="connsiteY8"/>
+              </a:cxn>
+              <a:cxn ang="0">
+                <a:pos x="connsiteX9" y="connsiteY9"/>
+              </a:cxn>
+              <a:cxn ang="0">
+                <a:pos x="connsiteX10" y="connsiteY10"/>
+              </a:cxn>
+              <a:cxn ang="0">
+                <a:pos x="connsiteX11" y="connsiteY11"/>
+              </a:cxn>
+              <a:cxn ang="0">
+                <a:pos x="connsiteX12" y="connsiteY12"/>
+              </a:cxn>
+              <a:cxn ang="0">
+                <a:pos x="connsiteX13" y="connsiteY13"/>
+              </a:cxn>
+              <a:cxn ang="0">
+                <a:pos x="connsiteX14" y="connsiteY14"/>
+              </a:cxn>
+              <a:cxn ang="0">
+                <a:pos x="connsiteX15" y="connsiteY15"/>
+              </a:cxn>
+              <a:cxn ang="0">
+                <a:pos x="connsiteX16" y="connsiteY16"/>
+              </a:cxn>
+              <a:cxn ang="0">
+                <a:pos x="connsiteX17" y="connsiteY17"/>
+              </a:cxn>
+              <a:cxn ang="0">
+                <a:pos x="connsiteX18" y="connsiteY18"/>
+              </a:cxn>
+              <a:cxn ang="0">
+                <a:pos x="connsiteX19" y="connsiteY19"/>
+              </a:cxn>
+              <a:cxn ang="0">
+                <a:pos x="connsiteX20" y="connsiteY20"/>
+              </a:cxn>
+              <a:cxn ang="0">
+                <a:pos x="connsiteX21" y="connsiteY21"/>
+              </a:cxn>
+              <a:cxn ang="0">
+                <a:pos x="connsiteX22" y="connsiteY22"/>
+              </a:cxn>
+              <a:cxn ang="0">
+                <a:pos x="connsiteX23" y="connsiteY23"/>
+              </a:cxn>
+              <a:cxn ang="0">
+                <a:pos x="connsiteX24" y="connsiteY24"/>
+              </a:cxn>
+              <a:cxn ang="0">
+                <a:pos x="connsiteX25" y="connsiteY25"/>
+              </a:cxn>
+              <a:cxn ang="0">
+                <a:pos x="connsiteX26" y="connsiteY26"/>
+              </a:cxn>
+              <a:cxn ang="0">
+                <a:pos x="connsiteX27" y="connsiteY27"/>
+              </a:cxn>
+              <a:cxn ang="0">
+                <a:pos x="connsiteX28" y="connsiteY28"/>
+              </a:cxn>
+              <a:cxn ang="0">
+                <a:pos x="connsiteX29" y="connsiteY29"/>
+              </a:cxn>
+              <a:cxn ang="0">
+                <a:pos x="connsiteX30" y="connsiteY30"/>
+              </a:cxn>
+              <a:cxn ang="0">
+                <a:pos x="connsiteX31" y="connsiteY31"/>
+              </a:cxn>
+              <a:cxn ang="0">
+                <a:pos x="connsiteX32" y="connsiteY32"/>
+              </a:cxn>
+              <a:cxn ang="0">
+                <a:pos x="connsiteX33" y="connsiteY33"/>
+              </a:cxn>
+              <a:cxn ang="0">
+                <a:pos x="connsiteX34" y="connsiteY34"/>
+              </a:cxn>
+              <a:cxn ang="0">
+                <a:pos x="connsiteX35" y="connsiteY35"/>
+              </a:cxn>
+              <a:cxn ang="0">
+                <a:pos x="connsiteX36" y="connsiteY36"/>
+              </a:cxn>
+              <a:cxn ang="0">
+                <a:pos x="connsiteX37" y="connsiteY37"/>
+              </a:cxn>
+              <a:cxn ang="0">
+                <a:pos x="connsiteX38" y="connsiteY38"/>
+              </a:cxn>
+              <a:cxn ang="0">
+                <a:pos x="connsiteX39" y="connsiteY39"/>
+              </a:cxn>
+              <a:cxn ang="0">
+                <a:pos x="connsiteX40" y="connsiteY40"/>
+              </a:cxn>
+              <a:cxn ang="0">
+                <a:pos x="connsiteX41" y="connsiteY41"/>
+              </a:cxn>
+              <a:cxn ang="0">
+                <a:pos x="connsiteX42" y="connsiteY42"/>
+              </a:cxn>
+              <a:cxn ang="0">
+                <a:pos x="connsiteX43" y="connsiteY43"/>
+              </a:cxn>
+              <a:cxn ang="0">
+                <a:pos x="connsiteX44" y="connsiteY44"/>
+              </a:cxn>
+              <a:cxn ang="0">
+                <a:pos x="connsiteX45" y="connsiteY45"/>
+              </a:cxn>
+              <a:cxn ang="0">
+                <a:pos x="connsiteX46" y="connsiteY46"/>
+              </a:cxn>
+              <a:cxn ang="0">
+                <a:pos x="connsiteX47" y="connsiteY47"/>
+              </a:cxn>
+              <a:cxn ang="0">
+                <a:pos x="connsiteX48" y="connsiteY48"/>
+              </a:cxn>
+              <a:cxn ang="0">
+                <a:pos x="connsiteX49" y="connsiteY49"/>
+              </a:cxn>
+              <a:cxn ang="0">
+                <a:pos x="connsiteX50" y="connsiteY50"/>
+              </a:cxn>
+              <a:cxn ang="0">
+                <a:pos x="connsiteX51" y="connsiteY51"/>
+              </a:cxn>
+            </a:cxnLst>
+            <a:rect l="l" t="t" r="r" b="b"/>
+            <a:pathLst>
+              <a:path w="6858001" h="6985200">
+                <a:moveTo>
+                  <a:pt x="6858001" y="1177"/>
+                </a:moveTo>
+                <a:lnTo>
+                  <a:pt x="6858001" y="1344715"/>
+                </a:lnTo>
+                <a:lnTo>
+                  <a:pt x="6858000" y="1344715"/>
+                </a:lnTo>
+                <a:lnTo>
+                  <a:pt x="6858000" y="6985200"/>
+                </a:lnTo>
+                <a:lnTo>
+                  <a:pt x="0" y="6985199"/>
+                </a:lnTo>
+                <a:lnTo>
+                  <a:pt x="0" y="886772"/>
+                </a:lnTo>
+                <a:lnTo>
+                  <a:pt x="1" y="886772"/>
+                </a:lnTo>
+                <a:lnTo>
+                  <a:pt x="1" y="0"/>
+                </a:lnTo>
+                <a:lnTo>
+                  <a:pt x="40463" y="5883"/>
+                </a:lnTo>
+                <a:lnTo>
+                  <a:pt x="159107" y="23196"/>
+                </a:lnTo>
+                <a:lnTo>
+                  <a:pt x="245518" y="35299"/>
+                </a:lnTo>
+                <a:lnTo>
+                  <a:pt x="348388" y="48073"/>
+                </a:lnTo>
+                <a:lnTo>
+                  <a:pt x="470460" y="63369"/>
+                </a:lnTo>
+                <a:lnTo>
+                  <a:pt x="605563" y="79506"/>
+                </a:lnTo>
+                <a:lnTo>
+                  <a:pt x="757810" y="96483"/>
+                </a:lnTo>
+                <a:lnTo>
+                  <a:pt x="923774" y="114469"/>
+                </a:lnTo>
+                <a:lnTo>
+                  <a:pt x="1104139" y="132454"/>
+                </a:lnTo>
+                <a:lnTo>
+                  <a:pt x="1296163" y="150776"/>
+                </a:lnTo>
+                <a:lnTo>
+                  <a:pt x="1503275" y="167753"/>
+                </a:lnTo>
+                <a:lnTo>
+                  <a:pt x="1719988" y="184058"/>
+                </a:lnTo>
+                <a:lnTo>
+                  <a:pt x="1949045" y="198849"/>
+                </a:lnTo>
+                <a:lnTo>
+                  <a:pt x="2187703" y="212969"/>
+                </a:lnTo>
+                <a:lnTo>
+                  <a:pt x="2436649" y="226248"/>
+                </a:lnTo>
+                <a:lnTo>
+                  <a:pt x="2564208" y="230955"/>
+                </a:lnTo>
+                <a:lnTo>
+                  <a:pt x="2694509" y="236165"/>
+                </a:lnTo>
+                <a:lnTo>
+                  <a:pt x="2826869" y="241040"/>
+                </a:lnTo>
+                <a:lnTo>
+                  <a:pt x="2959914" y="244234"/>
+                </a:lnTo>
+                <a:lnTo>
+                  <a:pt x="3095702" y="247091"/>
+                </a:lnTo>
+                <a:lnTo>
+                  <a:pt x="3232862" y="250117"/>
+                </a:lnTo>
+                <a:lnTo>
+                  <a:pt x="3372766" y="252134"/>
+                </a:lnTo>
+                <a:lnTo>
+                  <a:pt x="3514040" y="252134"/>
+                </a:lnTo>
+                <a:lnTo>
+                  <a:pt x="3656686" y="253142"/>
+                </a:lnTo>
+                <a:lnTo>
+                  <a:pt x="3800705" y="252134"/>
+                </a:lnTo>
+                <a:lnTo>
+                  <a:pt x="3946780" y="250117"/>
+                </a:lnTo>
+                <a:lnTo>
+                  <a:pt x="4092856" y="248268"/>
+                </a:lnTo>
+                <a:lnTo>
+                  <a:pt x="4240988" y="244234"/>
+                </a:lnTo>
+                <a:lnTo>
+                  <a:pt x="4390492" y="240032"/>
+                </a:lnTo>
+                <a:lnTo>
+                  <a:pt x="4539997" y="235157"/>
+                </a:lnTo>
+                <a:lnTo>
+                  <a:pt x="4690873" y="228266"/>
+                </a:lnTo>
+                <a:lnTo>
+                  <a:pt x="4843120" y="220029"/>
+                </a:lnTo>
+                <a:lnTo>
+                  <a:pt x="4996054" y="212129"/>
+                </a:lnTo>
+                <a:lnTo>
+                  <a:pt x="5148987" y="202044"/>
+                </a:lnTo>
+                <a:lnTo>
+                  <a:pt x="5303978" y="189941"/>
+                </a:lnTo>
+                <a:lnTo>
+                  <a:pt x="5456911" y="177839"/>
+                </a:lnTo>
+                <a:lnTo>
+                  <a:pt x="5612588" y="163887"/>
+                </a:lnTo>
+                <a:lnTo>
+                  <a:pt x="5768950" y="148591"/>
+                </a:lnTo>
+                <a:lnTo>
+                  <a:pt x="5923255" y="132455"/>
+                </a:lnTo>
+                <a:lnTo>
+                  <a:pt x="6079618" y="113629"/>
+                </a:lnTo>
+                <a:lnTo>
+                  <a:pt x="6235294" y="93458"/>
+                </a:lnTo>
+                <a:lnTo>
+                  <a:pt x="6391657" y="73455"/>
+                </a:lnTo>
+                <a:lnTo>
+                  <a:pt x="6547333" y="50091"/>
+                </a:lnTo>
+                <a:lnTo>
+                  <a:pt x="6702324" y="26222"/>
+                </a:lnTo>
+                <a:close/>
+              </a:path>
+            </a:pathLst>
+          </a:custGeom>
+          <a:ln>
+            <a:noFill/>
+          </a:ln>
+        </p:spPr>
+      </p:sp>
+      <p:pic>
+        <p:nvPicPr>
+          <p:cNvPr id="11" name="Picture 10" descr="People and organizations working together.">
+            <a:extLst>
+              <a:ext uri="{FF2B5EF4-FFF2-40B4-BE49-F238E27FC236}">
+                <a16:creationId xmlns:a16="http://schemas.microsoft.com/office/drawing/2014/main" id="{FE3CF4C3-16C0-9E40-A597-70BA3DDDAFA4}"/>
+              </a:ext>
+            </a:extLst>
+          </p:cNvPr>
+          <p:cNvPicPr>
+            <a:picLocks noChangeAspect="1"/>
+          </p:cNvPicPr>
+          <p:nvPr/>
+        </p:nvPicPr>
+        <p:blipFill>
+          <a:blip r:embed="rId2"/>
+          <a:stretch>
+            <a:fillRect/>
+          </a:stretch>
+        </p:blipFill>
+        <p:spPr>
+          <a:xfrm>
+            <a:off x="6093992" y="765365"/>
+            <a:ext cx="5449889" cy="5327266"/>
+          </a:xfrm>
+          <a:prstGeom prst="rect">
+            <a:avLst/>
+          </a:prstGeom>
+          <a:effectLst/>
+        </p:spPr>
+      </p:pic>
+      <p:sp>
+        <p:nvSpPr>
+          <p:cNvPr id="56" name="Rectangle 38">
+            <a:extLst>
+              <a:ext uri="{FF2B5EF4-FFF2-40B4-BE49-F238E27FC236}">
+                <a16:creationId xmlns:a16="http://schemas.microsoft.com/office/drawing/2014/main" id="{A92A1116-1C84-41DF-B803-1F7B0883EC82}"/>
               </a:ext>
               <a:ext uri="{C183D7F6-B498-43B3-948B-1728B52AA6E4}">
                 <adec:decorative xmlns:adec="http://schemas.microsoft.com/office/drawing/2017/decorative" val="1"/>
@@ -13006,496 +13183,7 @@
         </p:nvSpPr>
         <p:spPr>
           <a:xfrm>
-            <a:off x="0" y="0"/>
-            <a:ext cx="4481964" cy="6858000"/>
-          </a:xfrm>
-          <a:custGeom>
-            <a:avLst/>
-            <a:gdLst>
-              <a:gd name="connsiteX0" fmla="*/ 3137249 w 4481964"/>
-              <a:gd name="connsiteY0" fmla="*/ 0 h 6858000"/>
-              <a:gd name="connsiteX1" fmla="*/ 4480787 w 4481964"/>
-              <a:gd name="connsiteY1" fmla="*/ 0 h 6858000"/>
-              <a:gd name="connsiteX2" fmla="*/ 4455742 w 4481964"/>
-              <a:gd name="connsiteY2" fmla="*/ 155676 h 6858000"/>
-              <a:gd name="connsiteX3" fmla="*/ 4431873 w 4481964"/>
-              <a:gd name="connsiteY3" fmla="*/ 310667 h 6858000"/>
-              <a:gd name="connsiteX4" fmla="*/ 4408509 w 4481964"/>
-              <a:gd name="connsiteY4" fmla="*/ 466344 h 6858000"/>
-              <a:gd name="connsiteX5" fmla="*/ 4388506 w 4481964"/>
-              <a:gd name="connsiteY5" fmla="*/ 622706 h 6858000"/>
-              <a:gd name="connsiteX6" fmla="*/ 4368335 w 4481964"/>
-              <a:gd name="connsiteY6" fmla="*/ 778383 h 6858000"/>
-              <a:gd name="connsiteX7" fmla="*/ 4349509 w 4481964"/>
-              <a:gd name="connsiteY7" fmla="*/ 934745 h 6858000"/>
-              <a:gd name="connsiteX8" fmla="*/ 4333373 w 4481964"/>
-              <a:gd name="connsiteY8" fmla="*/ 1089050 h 6858000"/>
-              <a:gd name="connsiteX9" fmla="*/ 4318077 w 4481964"/>
-              <a:gd name="connsiteY9" fmla="*/ 1245413 h 6858000"/>
-              <a:gd name="connsiteX10" fmla="*/ 4304125 w 4481964"/>
-              <a:gd name="connsiteY10" fmla="*/ 1401089 h 6858000"/>
-              <a:gd name="connsiteX11" fmla="*/ 4292023 w 4481964"/>
-              <a:gd name="connsiteY11" fmla="*/ 1554023 h 6858000"/>
-              <a:gd name="connsiteX12" fmla="*/ 4279920 w 4481964"/>
-              <a:gd name="connsiteY12" fmla="*/ 1709013 h 6858000"/>
-              <a:gd name="connsiteX13" fmla="*/ 4269835 w 4481964"/>
-              <a:gd name="connsiteY13" fmla="*/ 1861947 h 6858000"/>
-              <a:gd name="connsiteX14" fmla="*/ 4261935 w 4481964"/>
-              <a:gd name="connsiteY14" fmla="*/ 2014880 h 6858000"/>
-              <a:gd name="connsiteX15" fmla="*/ 4253698 w 4481964"/>
-              <a:gd name="connsiteY15" fmla="*/ 2167128 h 6858000"/>
-              <a:gd name="connsiteX16" fmla="*/ 4246807 w 4481964"/>
-              <a:gd name="connsiteY16" fmla="*/ 2318004 h 6858000"/>
-              <a:gd name="connsiteX17" fmla="*/ 4241932 w 4481964"/>
-              <a:gd name="connsiteY17" fmla="*/ 2467508 h 6858000"/>
-              <a:gd name="connsiteX18" fmla="*/ 4237730 w 4481964"/>
-              <a:gd name="connsiteY18" fmla="*/ 2617013 h 6858000"/>
-              <a:gd name="connsiteX19" fmla="*/ 4233696 w 4481964"/>
-              <a:gd name="connsiteY19" fmla="*/ 2765145 h 6858000"/>
-              <a:gd name="connsiteX20" fmla="*/ 4231847 w 4481964"/>
-              <a:gd name="connsiteY20" fmla="*/ 2911221 h 6858000"/>
-              <a:gd name="connsiteX21" fmla="*/ 4229830 w 4481964"/>
-              <a:gd name="connsiteY21" fmla="*/ 3057296 h 6858000"/>
-              <a:gd name="connsiteX22" fmla="*/ 4228821 w 4481964"/>
-              <a:gd name="connsiteY22" fmla="*/ 3201314 h 6858000"/>
-              <a:gd name="connsiteX23" fmla="*/ 4229830 w 4481964"/>
-              <a:gd name="connsiteY23" fmla="*/ 3343960 h 6858000"/>
-              <a:gd name="connsiteX24" fmla="*/ 4229830 w 4481964"/>
-              <a:gd name="connsiteY24" fmla="*/ 3485235 h 6858000"/>
-              <a:gd name="connsiteX25" fmla="*/ 4231847 w 4481964"/>
-              <a:gd name="connsiteY25" fmla="*/ 3625138 h 6858000"/>
-              <a:gd name="connsiteX26" fmla="*/ 4234872 w 4481964"/>
-              <a:gd name="connsiteY26" fmla="*/ 3762298 h 6858000"/>
-              <a:gd name="connsiteX27" fmla="*/ 4237730 w 4481964"/>
-              <a:gd name="connsiteY27" fmla="*/ 3898087 h 6858000"/>
-              <a:gd name="connsiteX28" fmla="*/ 4240924 w 4481964"/>
-              <a:gd name="connsiteY28" fmla="*/ 4031132 h 6858000"/>
-              <a:gd name="connsiteX29" fmla="*/ 4245798 w 4481964"/>
-              <a:gd name="connsiteY29" fmla="*/ 4163491 h 6858000"/>
-              <a:gd name="connsiteX30" fmla="*/ 4251009 w 4481964"/>
-              <a:gd name="connsiteY30" fmla="*/ 4293793 h 6858000"/>
-              <a:gd name="connsiteX31" fmla="*/ 4255715 w 4481964"/>
-              <a:gd name="connsiteY31" fmla="*/ 4421352 h 6858000"/>
-              <a:gd name="connsiteX32" fmla="*/ 4268995 w 4481964"/>
-              <a:gd name="connsiteY32" fmla="*/ 4670298 h 6858000"/>
-              <a:gd name="connsiteX33" fmla="*/ 4283114 w 4481964"/>
-              <a:gd name="connsiteY33" fmla="*/ 4908956 h 6858000"/>
-              <a:gd name="connsiteX34" fmla="*/ 4297906 w 4481964"/>
-              <a:gd name="connsiteY34" fmla="*/ 5138013 h 6858000"/>
-              <a:gd name="connsiteX35" fmla="*/ 4314211 w 4481964"/>
-              <a:gd name="connsiteY35" fmla="*/ 5354726 h 6858000"/>
-              <a:gd name="connsiteX36" fmla="*/ 4331188 w 4481964"/>
-              <a:gd name="connsiteY36" fmla="*/ 5561838 h 6858000"/>
-              <a:gd name="connsiteX37" fmla="*/ 4349509 w 4481964"/>
-              <a:gd name="connsiteY37" fmla="*/ 5753862 h 6858000"/>
-              <a:gd name="connsiteX38" fmla="*/ 4367495 w 4481964"/>
-              <a:gd name="connsiteY38" fmla="*/ 5934227 h 6858000"/>
-              <a:gd name="connsiteX39" fmla="*/ 4385480 w 4481964"/>
-              <a:gd name="connsiteY39" fmla="*/ 6100191 h 6858000"/>
-              <a:gd name="connsiteX40" fmla="*/ 4402457 w 4481964"/>
-              <a:gd name="connsiteY40" fmla="*/ 6252438 h 6858000"/>
-              <a:gd name="connsiteX41" fmla="*/ 4418594 w 4481964"/>
-              <a:gd name="connsiteY41" fmla="*/ 6387541 h 6858000"/>
-              <a:gd name="connsiteX42" fmla="*/ 4433890 w 4481964"/>
-              <a:gd name="connsiteY42" fmla="*/ 6509613 h 6858000"/>
-              <a:gd name="connsiteX43" fmla="*/ 4446665 w 4481964"/>
-              <a:gd name="connsiteY43" fmla="*/ 6612483 h 6858000"/>
-              <a:gd name="connsiteX44" fmla="*/ 4458767 w 4481964"/>
-              <a:gd name="connsiteY44" fmla="*/ 6698894 h 6858000"/>
-              <a:gd name="connsiteX45" fmla="*/ 4476081 w 4481964"/>
-              <a:gd name="connsiteY45" fmla="*/ 6817538 h 6858000"/>
-              <a:gd name="connsiteX46" fmla="*/ 4481964 w 4481964"/>
-              <a:gd name="connsiteY46" fmla="*/ 6858000 h 6858000"/>
-              <a:gd name="connsiteX47" fmla="*/ 3577807 w 4481964"/>
-              <a:gd name="connsiteY47" fmla="*/ 6858000 h 6858000"/>
-              <a:gd name="connsiteX48" fmla="*/ 3577807 w 4481964"/>
-              <a:gd name="connsiteY48" fmla="*/ 6858000 h 6858000"/>
-              <a:gd name="connsiteX49" fmla="*/ 0 w 4481964"/>
-              <a:gd name="connsiteY49" fmla="*/ 6858000 h 6858000"/>
-              <a:gd name="connsiteX50" fmla="*/ 0 w 4481964"/>
-              <a:gd name="connsiteY50" fmla="*/ 0 h 6858000"/>
-              <a:gd name="connsiteX51" fmla="*/ 3137249 w 4481964"/>
-              <a:gd name="connsiteY51" fmla="*/ 0 h 6858000"/>
-            </a:gdLst>
-            <a:ahLst/>
-            <a:cxnLst>
-              <a:cxn ang="0">
-                <a:pos x="connsiteX0" y="connsiteY0"/>
-              </a:cxn>
-              <a:cxn ang="0">
-                <a:pos x="connsiteX1" y="connsiteY1"/>
-              </a:cxn>
-              <a:cxn ang="0">
-                <a:pos x="connsiteX2" y="connsiteY2"/>
-              </a:cxn>
-              <a:cxn ang="0">
-                <a:pos x="connsiteX3" y="connsiteY3"/>
-              </a:cxn>
-              <a:cxn ang="0">
-                <a:pos x="connsiteX4" y="connsiteY4"/>
-              </a:cxn>
-              <a:cxn ang="0">
-                <a:pos x="connsiteX5" y="connsiteY5"/>
-              </a:cxn>
-              <a:cxn ang="0">
-                <a:pos x="connsiteX6" y="connsiteY6"/>
-              </a:cxn>
-              <a:cxn ang="0">
-                <a:pos x="connsiteX7" y="connsiteY7"/>
-              </a:cxn>
-              <a:cxn ang="0">
-                <a:pos x="connsiteX8" y="connsiteY8"/>
-              </a:cxn>
-              <a:cxn ang="0">
-                <a:pos x="connsiteX9" y="connsiteY9"/>
-              </a:cxn>
-              <a:cxn ang="0">
-                <a:pos x="connsiteX10" y="connsiteY10"/>
-              </a:cxn>
-              <a:cxn ang="0">
-                <a:pos x="connsiteX11" y="connsiteY11"/>
-              </a:cxn>
-              <a:cxn ang="0">
-                <a:pos x="connsiteX12" y="connsiteY12"/>
-              </a:cxn>
-              <a:cxn ang="0">
-                <a:pos x="connsiteX13" y="connsiteY13"/>
-              </a:cxn>
-              <a:cxn ang="0">
-                <a:pos x="connsiteX14" y="connsiteY14"/>
-              </a:cxn>
-              <a:cxn ang="0">
-                <a:pos x="connsiteX15" y="connsiteY15"/>
-              </a:cxn>
-              <a:cxn ang="0">
-                <a:pos x="connsiteX16" y="connsiteY16"/>
-              </a:cxn>
-              <a:cxn ang="0">
-                <a:pos x="connsiteX17" y="connsiteY17"/>
-              </a:cxn>
-              <a:cxn ang="0">
-                <a:pos x="connsiteX18" y="connsiteY18"/>
-              </a:cxn>
-              <a:cxn ang="0">
-                <a:pos x="connsiteX19" y="connsiteY19"/>
-              </a:cxn>
-              <a:cxn ang="0">
-                <a:pos x="connsiteX20" y="connsiteY20"/>
-              </a:cxn>
-              <a:cxn ang="0">
-                <a:pos x="connsiteX21" y="connsiteY21"/>
-              </a:cxn>
-              <a:cxn ang="0">
-                <a:pos x="connsiteX22" y="connsiteY22"/>
-              </a:cxn>
-              <a:cxn ang="0">
-                <a:pos x="connsiteX23" y="connsiteY23"/>
-              </a:cxn>
-              <a:cxn ang="0">
-                <a:pos x="connsiteX24" y="connsiteY24"/>
-              </a:cxn>
-              <a:cxn ang="0">
-                <a:pos x="connsiteX25" y="connsiteY25"/>
-              </a:cxn>
-              <a:cxn ang="0">
-                <a:pos x="connsiteX26" y="connsiteY26"/>
-              </a:cxn>
-              <a:cxn ang="0">
-                <a:pos x="connsiteX27" y="connsiteY27"/>
-              </a:cxn>
-              <a:cxn ang="0">
-                <a:pos x="connsiteX28" y="connsiteY28"/>
-              </a:cxn>
-              <a:cxn ang="0">
-                <a:pos x="connsiteX29" y="connsiteY29"/>
-              </a:cxn>
-              <a:cxn ang="0">
-                <a:pos x="connsiteX30" y="connsiteY30"/>
-              </a:cxn>
-              <a:cxn ang="0">
-                <a:pos x="connsiteX31" y="connsiteY31"/>
-              </a:cxn>
-              <a:cxn ang="0">
-                <a:pos x="connsiteX32" y="connsiteY32"/>
-              </a:cxn>
-              <a:cxn ang="0">
-                <a:pos x="connsiteX33" y="connsiteY33"/>
-              </a:cxn>
-              <a:cxn ang="0">
-                <a:pos x="connsiteX34" y="connsiteY34"/>
-              </a:cxn>
-              <a:cxn ang="0">
-                <a:pos x="connsiteX35" y="connsiteY35"/>
-              </a:cxn>
-              <a:cxn ang="0">
-                <a:pos x="connsiteX36" y="connsiteY36"/>
-              </a:cxn>
-              <a:cxn ang="0">
-                <a:pos x="connsiteX37" y="connsiteY37"/>
-              </a:cxn>
-              <a:cxn ang="0">
-                <a:pos x="connsiteX38" y="connsiteY38"/>
-              </a:cxn>
-              <a:cxn ang="0">
-                <a:pos x="connsiteX39" y="connsiteY39"/>
-              </a:cxn>
-              <a:cxn ang="0">
-                <a:pos x="connsiteX40" y="connsiteY40"/>
-              </a:cxn>
-              <a:cxn ang="0">
-                <a:pos x="connsiteX41" y="connsiteY41"/>
-              </a:cxn>
-              <a:cxn ang="0">
-                <a:pos x="connsiteX42" y="connsiteY42"/>
-              </a:cxn>
-              <a:cxn ang="0">
-                <a:pos x="connsiteX43" y="connsiteY43"/>
-              </a:cxn>
-              <a:cxn ang="0">
-                <a:pos x="connsiteX44" y="connsiteY44"/>
-              </a:cxn>
-              <a:cxn ang="0">
-                <a:pos x="connsiteX45" y="connsiteY45"/>
-              </a:cxn>
-              <a:cxn ang="0">
-                <a:pos x="connsiteX46" y="connsiteY46"/>
-              </a:cxn>
-              <a:cxn ang="0">
-                <a:pos x="connsiteX47" y="connsiteY47"/>
-              </a:cxn>
-              <a:cxn ang="0">
-                <a:pos x="connsiteX48" y="connsiteY48"/>
-              </a:cxn>
-              <a:cxn ang="0">
-                <a:pos x="connsiteX49" y="connsiteY49"/>
-              </a:cxn>
-              <a:cxn ang="0">
-                <a:pos x="connsiteX50" y="connsiteY50"/>
-              </a:cxn>
-              <a:cxn ang="0">
-                <a:pos x="connsiteX51" y="connsiteY51"/>
-              </a:cxn>
-            </a:cxnLst>
-            <a:rect l="l" t="t" r="r" b="b"/>
-            <a:pathLst>
-              <a:path w="4481964" h="6858000">
-                <a:moveTo>
-                  <a:pt x="3137249" y="0"/>
-                </a:moveTo>
-                <a:lnTo>
-                  <a:pt x="4480787" y="0"/>
-                </a:lnTo>
-                <a:lnTo>
-                  <a:pt x="4455742" y="155676"/>
-                </a:lnTo>
-                <a:lnTo>
-                  <a:pt x="4431873" y="310667"/>
-                </a:lnTo>
-                <a:lnTo>
-                  <a:pt x="4408509" y="466344"/>
-                </a:lnTo>
-                <a:lnTo>
-                  <a:pt x="4388506" y="622706"/>
-                </a:lnTo>
-                <a:lnTo>
-                  <a:pt x="4368335" y="778383"/>
-                </a:lnTo>
-                <a:lnTo>
-                  <a:pt x="4349509" y="934745"/>
-                </a:lnTo>
-                <a:lnTo>
-                  <a:pt x="4333373" y="1089050"/>
-                </a:lnTo>
-                <a:lnTo>
-                  <a:pt x="4318077" y="1245413"/>
-                </a:lnTo>
-                <a:lnTo>
-                  <a:pt x="4304125" y="1401089"/>
-                </a:lnTo>
-                <a:lnTo>
-                  <a:pt x="4292023" y="1554023"/>
-                </a:lnTo>
-                <a:lnTo>
-                  <a:pt x="4279920" y="1709013"/>
-                </a:lnTo>
-                <a:lnTo>
-                  <a:pt x="4269835" y="1861947"/>
-                </a:lnTo>
-                <a:lnTo>
-                  <a:pt x="4261935" y="2014880"/>
-                </a:lnTo>
-                <a:lnTo>
-                  <a:pt x="4253698" y="2167128"/>
-                </a:lnTo>
-                <a:lnTo>
-                  <a:pt x="4246807" y="2318004"/>
-                </a:lnTo>
-                <a:lnTo>
-                  <a:pt x="4241932" y="2467508"/>
-                </a:lnTo>
-                <a:lnTo>
-                  <a:pt x="4237730" y="2617013"/>
-                </a:lnTo>
-                <a:lnTo>
-                  <a:pt x="4233696" y="2765145"/>
-                </a:lnTo>
-                <a:lnTo>
-                  <a:pt x="4231847" y="2911221"/>
-                </a:lnTo>
-                <a:lnTo>
-                  <a:pt x="4229830" y="3057296"/>
-                </a:lnTo>
-                <a:lnTo>
-                  <a:pt x="4228821" y="3201314"/>
-                </a:lnTo>
-                <a:lnTo>
-                  <a:pt x="4229830" y="3343960"/>
-                </a:lnTo>
-                <a:lnTo>
-                  <a:pt x="4229830" y="3485235"/>
-                </a:lnTo>
-                <a:lnTo>
-                  <a:pt x="4231847" y="3625138"/>
-                </a:lnTo>
-                <a:lnTo>
-                  <a:pt x="4234872" y="3762298"/>
-                </a:lnTo>
-                <a:lnTo>
-                  <a:pt x="4237730" y="3898087"/>
-                </a:lnTo>
-                <a:lnTo>
-                  <a:pt x="4240924" y="4031132"/>
-                </a:lnTo>
-                <a:lnTo>
-                  <a:pt x="4245798" y="4163491"/>
-                </a:lnTo>
-                <a:lnTo>
-                  <a:pt x="4251009" y="4293793"/>
-                </a:lnTo>
-                <a:lnTo>
-                  <a:pt x="4255715" y="4421352"/>
-                </a:lnTo>
-                <a:lnTo>
-                  <a:pt x="4268995" y="4670298"/>
-                </a:lnTo>
-                <a:lnTo>
-                  <a:pt x="4283114" y="4908956"/>
-                </a:lnTo>
-                <a:lnTo>
-                  <a:pt x="4297906" y="5138013"/>
-                </a:lnTo>
-                <a:lnTo>
-                  <a:pt x="4314211" y="5354726"/>
-                </a:lnTo>
-                <a:lnTo>
-                  <a:pt x="4331188" y="5561838"/>
-                </a:lnTo>
-                <a:lnTo>
-                  <a:pt x="4349509" y="5753862"/>
-                </a:lnTo>
-                <a:lnTo>
-                  <a:pt x="4367495" y="5934227"/>
-                </a:lnTo>
-                <a:lnTo>
-                  <a:pt x="4385480" y="6100191"/>
-                </a:lnTo>
-                <a:lnTo>
-                  <a:pt x="4402457" y="6252438"/>
-                </a:lnTo>
-                <a:lnTo>
-                  <a:pt x="4418594" y="6387541"/>
-                </a:lnTo>
-                <a:lnTo>
-                  <a:pt x="4433890" y="6509613"/>
-                </a:lnTo>
-                <a:lnTo>
-                  <a:pt x="4446665" y="6612483"/>
-                </a:lnTo>
-                <a:lnTo>
-                  <a:pt x="4458767" y="6698894"/>
-                </a:lnTo>
-                <a:lnTo>
-                  <a:pt x="4476081" y="6817538"/>
-                </a:lnTo>
-                <a:lnTo>
-                  <a:pt x="4481964" y="6858000"/>
-                </a:lnTo>
-                <a:lnTo>
-                  <a:pt x="3577807" y="6858000"/>
-                </a:lnTo>
-                <a:lnTo>
-                  <a:pt x="3577807" y="6858000"/>
-                </a:lnTo>
-                <a:lnTo>
-                  <a:pt x="0" y="6858000"/>
-                </a:lnTo>
-                <a:lnTo>
-                  <a:pt x="0" y="0"/>
-                </a:lnTo>
-                <a:lnTo>
-                  <a:pt x="3137249" y="0"/>
-                </a:lnTo>
-                <a:close/>
-              </a:path>
-            </a:pathLst>
-          </a:custGeom>
-          <a:ln>
-            <a:noFill/>
-          </a:ln>
-        </p:spPr>
-        <p:style>
-          <a:lnRef idx="2">
-            <a:schemeClr val="accent1">
-              <a:shade val="50000"/>
-            </a:schemeClr>
-          </a:lnRef>
-          <a:fillRef idx="1">
-            <a:schemeClr val="accent1"/>
-          </a:fillRef>
-          <a:effectRef idx="0">
-            <a:schemeClr val="accent1"/>
-          </a:effectRef>
-          <a:fontRef idx="minor">
-            <a:schemeClr val="lt1"/>
-          </a:fontRef>
-        </p:style>
-        <p:txBody>
-          <a:bodyPr wrap="square" rtlCol="0" anchor="ctr">
-            <a:noAutofit/>
-          </a:bodyPr>
-          <a:lstStyle/>
-          <a:p>
-            <a:pPr algn="ctr"/>
-            <a:endParaRPr lang="en-US"/>
-          </a:p>
-        </p:txBody>
-      </p:sp>
-      <p:sp>
-        <p:nvSpPr>
-          <p:cNvPr id="28" name="Rectangle 27">
-            <a:extLst>
-              <a:ext uri="{FF2B5EF4-FFF2-40B4-BE49-F238E27FC236}">
-                <a16:creationId xmlns:a16="http://schemas.microsoft.com/office/drawing/2014/main" id="{60817A52-B891-4228-A61E-0C0A57632DDA}"/>
-              </a:ext>
-              <a:ext uri="{C183D7F6-B498-43B3-948B-1728B52AA6E4}">
-                <adec:decorative xmlns:adec="http://schemas.microsoft.com/office/drawing/2017/decorative" val="1"/>
-              </a:ext>
-            </a:extLst>
-          </p:cNvPr>
-          <p:cNvSpPr>
-            <a:spLocks noGrp="1" noRot="1" noChangeAspect="1" noMove="1" noResize="1" noEditPoints="1" noAdjustHandles="1" noChangeArrowheads="1" noChangeShapeType="1" noTextEdit="1"/>
-          </p:cNvSpPr>
-          <p:nvPr>
-            <p:extLst>
-              <p:ext uri="{386F3935-93C4-4BCD-93E2-E3B085C9AB24}">
-                <p16:designElem xmlns:p16="http://schemas.microsoft.com/office/powerpoint/2015/main" val="1"/>
-              </p:ext>
-            </p:extLst>
-          </p:nvPr>
-        </p:nvSpPr>
-        <p:spPr>
-          <a:xfrm>
-            <a:off x="10437812" y="0"/>
+            <a:off x="10442448" y="0"/>
             <a:ext cx="685800" cy="1143000"/>
           </a:xfrm>
           <a:prstGeom prst="rect">
@@ -13523,45 +13211,6 @@
           </a:fontRef>
         </p:style>
       </p:sp>
-      <p:pic>
-        <p:nvPicPr>
-          <p:cNvPr id="5" name="Content Placeholder 4" descr="Family with girl">
-            <a:extLst>
-              <a:ext uri="{FF2B5EF4-FFF2-40B4-BE49-F238E27FC236}">
-                <a16:creationId xmlns:a16="http://schemas.microsoft.com/office/drawing/2014/main" id="{D400CBC3-87D9-A649-9D5F-1394AFA67A68}"/>
-              </a:ext>
-            </a:extLst>
-          </p:cNvPr>
-          <p:cNvPicPr>
-            <a:picLocks noGrp="1" noChangeAspect="1"/>
-          </p:cNvPicPr>
-          <p:nvPr>
-            <p:ph idx="1"/>
-          </p:nvPr>
-        </p:nvPicPr>
-        <p:blipFill>
-          <a:blip r:embed="rId6">
-            <a:extLst>
-              <a:ext uri="{96DAC541-7B7A-43D3-8B79-37D633B846F1}">
-                <asvg:svgBlip xmlns:asvg="http://schemas.microsoft.com/office/drawing/2016/SVG/main" r:embed="rId7"/>
-              </a:ext>
-            </a:extLst>
-          </a:blip>
-          <a:stretch>
-            <a:fillRect/>
-          </a:stretch>
-        </p:blipFill>
-        <p:spPr>
-          <a:xfrm>
-            <a:off x="878308" y="400338"/>
-            <a:ext cx="2269347" cy="2269347"/>
-          </a:xfrm>
-          <a:prstGeom prst="rect">
-            <a:avLst/>
-          </a:prstGeom>
-          <a:effectLst/>
-        </p:spPr>
-      </p:pic>
       <p:sp>
         <p:nvSpPr>
           <p:cNvPr id="17" name="Subtitle 2">
@@ -13578,8 +13227,8 @@
         </p:nvSpPr>
         <p:spPr>
           <a:xfrm>
-            <a:off x="5293890" y="3610690"/>
-            <a:ext cx="5222325" cy="861420"/>
+            <a:off x="0" y="3575407"/>
+            <a:ext cx="5206798" cy="2062785"/>
           </a:xfrm>
           <a:prstGeom prst="rect">
             <a:avLst/>
@@ -13817,226 +13466,17 @@
             </a:lvl9pPr>
           </a:lstStyle>
           <a:p>
-            <a:pPr marL="0" indent="0">
+            <a:pPr marL="0" indent="0" algn="ctr">
               <a:buNone/>
             </a:pPr>
             <a:r>
-              <a:rPr lang="en-US" dirty="0">
+              <a:rPr lang="en-US" i="1" dirty="0">
                 <a:solidFill>
-                  <a:schemeClr val="bg1"/>
+                  <a:srgbClr val="EBEBEB"/>
                 </a:solidFill>
               </a:rPr>
-              <a:t>Plan.  Provision.  Prioritize.</a:t>
+              <a:t>Plan | Provision | Prioritize</a:t>
             </a:r>
-          </a:p>
-        </p:txBody>
-      </p:sp>
-      <p:pic>
-        <p:nvPicPr>
-          <p:cNvPr id="4" name="Picture 3" descr="A close up of a sign&#10;&#10;Description automatically generated">
-            <a:extLst>
-              <a:ext uri="{FF2B5EF4-FFF2-40B4-BE49-F238E27FC236}">
-                <a16:creationId xmlns:a16="http://schemas.microsoft.com/office/drawing/2014/main" id="{5975A00B-6089-E844-B949-D87671136804}"/>
-              </a:ext>
-            </a:extLst>
-          </p:cNvPr>
-          <p:cNvPicPr>
-            <a:picLocks noChangeAspect="1"/>
-          </p:cNvPicPr>
-          <p:nvPr/>
-        </p:nvPicPr>
-        <p:blipFill rotWithShape="1">
-          <a:blip r:embed="rId8"/>
-          <a:srcRect l="13611" r="14461" b="35455"/>
-          <a:stretch/>
-        </p:blipFill>
-        <p:spPr>
-          <a:xfrm>
-            <a:off x="392543" y="3547391"/>
-            <a:ext cx="1391641" cy="1391641"/>
-          </a:xfrm>
-          <a:prstGeom prst="rect">
-            <a:avLst/>
-          </a:prstGeom>
-        </p:spPr>
-      </p:pic>
-      <p:pic>
-        <p:nvPicPr>
-          <p:cNvPr id="7" name="Picture 6" descr="A picture containing sign, outdoor, text&#10;&#10;Description automatically generated">
-            <a:extLst>
-              <a:ext uri="{FF2B5EF4-FFF2-40B4-BE49-F238E27FC236}">
-                <a16:creationId xmlns:a16="http://schemas.microsoft.com/office/drawing/2014/main" id="{BC95DAF2-3AE5-774F-9D0B-4B91B03C8BE3}"/>
-              </a:ext>
-            </a:extLst>
-          </p:cNvPr>
-          <p:cNvPicPr>
-            <a:picLocks noChangeAspect="1"/>
-          </p:cNvPicPr>
-          <p:nvPr/>
-        </p:nvPicPr>
-        <p:blipFill>
-          <a:blip r:embed="rId9"/>
-          <a:stretch>
-            <a:fillRect/>
-          </a:stretch>
-        </p:blipFill>
-        <p:spPr>
-          <a:xfrm>
-            <a:off x="2547772" y="3547391"/>
-            <a:ext cx="1391641" cy="1391641"/>
-          </a:xfrm>
-          <a:prstGeom prst="rect">
-            <a:avLst/>
-          </a:prstGeom>
-        </p:spPr>
-      </p:pic>
-      <p:sp>
-        <p:nvSpPr>
-          <p:cNvPr id="9" name="Bent Arrow 8">
-            <a:extLst>
-              <a:ext uri="{FF2B5EF4-FFF2-40B4-BE49-F238E27FC236}">
-                <a16:creationId xmlns:a16="http://schemas.microsoft.com/office/drawing/2014/main" id="{3706D8C4-6582-604B-A06B-83B9289CB4C9}"/>
-              </a:ext>
-            </a:extLst>
-          </p:cNvPr>
-          <p:cNvSpPr/>
-          <p:nvPr/>
-        </p:nvSpPr>
-        <p:spPr>
-          <a:xfrm>
-            <a:off x="472766" y="2715805"/>
-            <a:ext cx="497570" cy="594804"/>
-          </a:xfrm>
-          <a:prstGeom prst="bentArrow">
-            <a:avLst/>
-          </a:prstGeom>
-        </p:spPr>
-        <p:style>
-          <a:lnRef idx="2">
-            <a:schemeClr val="accent1">
-              <a:shade val="50000"/>
-            </a:schemeClr>
-          </a:lnRef>
-          <a:fillRef idx="1">
-            <a:schemeClr val="accent1"/>
-          </a:fillRef>
-          <a:effectRef idx="0">
-            <a:schemeClr val="accent1"/>
-          </a:effectRef>
-          <a:fontRef idx="minor">
-            <a:schemeClr val="lt1"/>
-          </a:fontRef>
-        </p:style>
-        <p:txBody>
-          <a:bodyPr rtlCol="0" anchor="ctr"/>
-          <a:lstStyle/>
-          <a:p>
-            <a:pPr algn="ctr"/>
-            <a:endParaRPr lang="en-US">
-              <a:solidFill>
-                <a:schemeClr val="tx1"/>
-              </a:solidFill>
-            </a:endParaRPr>
-          </a:p>
-        </p:txBody>
-      </p:sp>
-      <p:sp>
-        <p:nvSpPr>
-          <p:cNvPr id="21" name="Bent Arrow 20">
-            <a:extLst>
-              <a:ext uri="{FF2B5EF4-FFF2-40B4-BE49-F238E27FC236}">
-                <a16:creationId xmlns:a16="http://schemas.microsoft.com/office/drawing/2014/main" id="{F624D411-E788-404A-A425-413FBE094F5F}"/>
-              </a:ext>
-            </a:extLst>
-          </p:cNvPr>
-          <p:cNvSpPr/>
-          <p:nvPr/>
-        </p:nvSpPr>
-        <p:spPr>
-          <a:xfrm rot="5400000">
-            <a:off x="3339060" y="2715805"/>
-            <a:ext cx="497570" cy="594804"/>
-          </a:xfrm>
-          <a:prstGeom prst="bentArrow">
-            <a:avLst/>
-          </a:prstGeom>
-        </p:spPr>
-        <p:style>
-          <a:lnRef idx="2">
-            <a:schemeClr val="accent1">
-              <a:shade val="50000"/>
-            </a:schemeClr>
-          </a:lnRef>
-          <a:fillRef idx="1">
-            <a:schemeClr val="accent1"/>
-          </a:fillRef>
-          <a:effectRef idx="0">
-            <a:schemeClr val="accent1"/>
-          </a:effectRef>
-          <a:fontRef idx="minor">
-            <a:schemeClr val="lt1"/>
-          </a:fontRef>
-        </p:style>
-        <p:txBody>
-          <a:bodyPr rtlCol="0" anchor="ctr"/>
-          <a:lstStyle/>
-          <a:p>
-            <a:pPr algn="ctr"/>
-            <a:endParaRPr lang="en-US">
-              <a:solidFill>
-                <a:schemeClr val="tx1"/>
-              </a:solidFill>
-            </a:endParaRPr>
-          </a:p>
-        </p:txBody>
-      </p:sp>
-      <p:sp>
-        <p:nvSpPr>
-          <p:cNvPr id="23" name="Bent Arrow 22">
-            <a:extLst>
-              <a:ext uri="{FF2B5EF4-FFF2-40B4-BE49-F238E27FC236}">
-                <a16:creationId xmlns:a16="http://schemas.microsoft.com/office/drawing/2014/main" id="{F85E40E0-27D2-144D-AD3A-AA5D405D76E5}"/>
-              </a:ext>
-            </a:extLst>
-          </p:cNvPr>
-          <p:cNvSpPr/>
-          <p:nvPr/>
-        </p:nvSpPr>
-        <p:spPr>
-          <a:xfrm rot="13544095">
-            <a:off x="1941361" y="4960398"/>
-            <a:ext cx="497570" cy="594804"/>
-          </a:xfrm>
-          <a:prstGeom prst="bentArrow">
-            <a:avLst/>
-          </a:prstGeom>
-        </p:spPr>
-        <p:style>
-          <a:lnRef idx="2">
-            <a:schemeClr val="accent1">
-              <a:shade val="50000"/>
-            </a:schemeClr>
-          </a:lnRef>
-          <a:fillRef idx="1">
-            <a:schemeClr val="accent1"/>
-          </a:fillRef>
-          <a:effectRef idx="0">
-            <a:schemeClr val="accent1"/>
-          </a:effectRef>
-          <a:fontRef idx="minor">
-            <a:schemeClr val="lt1"/>
-          </a:fontRef>
-        </p:style>
-        <p:txBody>
-          <a:bodyPr rtlCol="0" anchor="ctr"/>
-          <a:lstStyle/>
-          <a:p>
-            <a:pPr algn="ctr"/>
-            <a:endParaRPr lang="en-US">
-              <a:solidFill>
-                <a:schemeClr val="tx1"/>
-              </a:solidFill>
-            </a:endParaRPr>
           </a:p>
         </p:txBody>
       </p:sp>
@@ -15108,7 +14548,7 @@
             <p:ph idx="1"/>
             <p:extLst>
               <p:ext uri="{D42A27DB-BD31-4B8C-83A1-F6EECF244321}">
-                <p14:modId xmlns:p14="http://schemas.microsoft.com/office/powerpoint/2010/main" val="4009295489"/>
+                <p14:modId xmlns:p14="http://schemas.microsoft.com/office/powerpoint/2010/main" val="4150067329"/>
               </p:ext>
             </p:extLst>
           </p:nvPr>
@@ -15614,7 +15054,7 @@
           <a:lstStyle/>
           <a:p>
             <a:r>
-              <a:rPr lang="en-US">
+              <a:rPr lang="en-US" dirty="0">
                 <a:solidFill>
                   <a:srgbClr val="EBEBEB"/>
                 </a:solidFill>

--- a/presentation/AngelHack 2019 Slides.pptx
+++ b/presentation/AngelHack 2019 Slides.pptx
@@ -9,6 +9,7 @@
     <p:sldId id="259" r:id="rId3"/>
     <p:sldId id="260" r:id="rId4"/>
     <p:sldId id="261" r:id="rId5"/>
+    <p:sldId id="262" r:id="rId6"/>
   </p:sldIdLst>
   <p:sldSz cx="12192000" cy="6858000"/>
   <p:notesSz cx="6858000" cy="9144000"/>
@@ -12287,19 +12288,19 @@
         </p:nvSpPr>
         <p:spPr>
           <a:xfrm>
-            <a:off x="-421" y="2538712"/>
-            <a:ext cx="5207219" cy="1622321"/>
+            <a:off x="-420" y="2898481"/>
+            <a:ext cx="5207219" cy="1036695"/>
           </a:xfrm>
         </p:spPr>
         <p:txBody>
           <a:bodyPr vert="horz" lIns="91440" tIns="45720" rIns="91440" bIns="45720" rtlCol="0">
-            <a:normAutofit/>
+            <a:noAutofit/>
           </a:bodyPr>
           <a:lstStyle/>
           <a:p>
             <a:pPr algn="ctr"/>
             <a:r>
-              <a:rPr lang="en-US" sz="6000" b="0" i="0" kern="1200" dirty="0">
+              <a:rPr lang="en-US" sz="6600" b="0" i="0" kern="1200" dirty="0">
                 <a:solidFill>
                   <a:srgbClr val="EBEBEB"/>
                 </a:solidFill>
@@ -13227,8 +13228,8 @@
         </p:nvSpPr>
         <p:spPr>
           <a:xfrm>
-            <a:off x="0" y="3575407"/>
-            <a:ext cx="5206798" cy="2062785"/>
+            <a:off x="1" y="3935177"/>
+            <a:ext cx="5206798" cy="585626"/>
           </a:xfrm>
           <a:prstGeom prst="rect">
             <a:avLst/>
@@ -13470,7 +13471,7 @@
               <a:buNone/>
             </a:pPr>
             <a:r>
-              <a:rPr lang="en-US" i="1" dirty="0">
+              <a:rPr lang="en-US" sz="2400" i="1" dirty="0">
                 <a:solidFill>
                   <a:srgbClr val="EBEBEB"/>
                 </a:solidFill>
@@ -13480,6 +13481,36 @@
           </a:p>
         </p:txBody>
       </p:sp>
+      <p:pic>
+        <p:nvPicPr>
+          <p:cNvPr id="25" name="Picture 24" descr="A close up of a logo&#10;&#10;Description automatically generated">
+            <a:extLst>
+              <a:ext uri="{FF2B5EF4-FFF2-40B4-BE49-F238E27FC236}">
+                <a16:creationId xmlns:a16="http://schemas.microsoft.com/office/drawing/2014/main" id="{221ABCDB-C538-A74C-9843-9933208CDED6}"/>
+              </a:ext>
+            </a:extLst>
+          </p:cNvPr>
+          <p:cNvPicPr>
+            <a:picLocks noChangeAspect="1"/>
+          </p:cNvPicPr>
+          <p:nvPr/>
+        </p:nvPicPr>
+        <p:blipFill>
+          <a:blip r:embed="rId3"/>
+          <a:stretch>
+            <a:fillRect/>
+          </a:stretch>
+        </p:blipFill>
+        <p:spPr>
+          <a:xfrm>
+            <a:off x="1776310" y="1619983"/>
+            <a:ext cx="1440561" cy="1278498"/>
+          </a:xfrm>
+          <a:prstGeom prst="rect">
+            <a:avLst/>
+          </a:prstGeom>
+        </p:spPr>
+      </p:pic>
     </p:spTree>
     <p:extLst>
       <p:ext uri="{BB962C8B-B14F-4D97-AF65-F5344CB8AC3E}">
@@ -15662,6 +15693,1387 @@
 <file path=ppt/slides/slide4.xml><?xml version="1.0" encoding="utf-8"?>
 <p:sld xmlns:a="http://schemas.openxmlformats.org/drawingml/2006/main" xmlns:r="http://schemas.openxmlformats.org/officeDocument/2006/relationships" xmlns:p="http://schemas.openxmlformats.org/presentationml/2006/main">
   <p:cSld>
+    <p:bg>
+      <p:bgPr>
+        <a:solidFill>
+          <a:schemeClr val="bg1"/>
+        </a:solidFill>
+        <a:effectLst/>
+      </p:bgPr>
+    </p:bg>
+    <p:spTree>
+      <p:nvGrpSpPr>
+        <p:cNvPr id="1" name=""/>
+        <p:cNvGrpSpPr/>
+        <p:nvPr/>
+      </p:nvGrpSpPr>
+      <p:grpSpPr>
+        <a:xfrm>
+          <a:off x="0" y="0"/>
+          <a:ext cx="0" cy="0"/>
+          <a:chOff x="0" y="0"/>
+          <a:chExt cx="0" cy="0"/>
+        </a:xfrm>
+      </p:grpSpPr>
+      <p:pic>
+        <p:nvPicPr>
+          <p:cNvPr id="11" name="Picture 10">
+            <a:extLst>
+              <a:ext uri="{FF2B5EF4-FFF2-40B4-BE49-F238E27FC236}">
+                <a16:creationId xmlns:a16="http://schemas.microsoft.com/office/drawing/2014/main" id="{41B68C77-138E-4BF7-A276-BD0C78A4219F}"/>
+              </a:ext>
+              <a:ext uri="{C183D7F6-B498-43B3-948B-1728B52AA6E4}">
+                <adec:decorative xmlns:adec="http://schemas.microsoft.com/office/drawing/2017/decorative" val="1"/>
+              </a:ext>
+            </a:extLst>
+          </p:cNvPr>
+          <p:cNvPicPr>
+            <a:picLocks noGrp="1" noRot="1" noChangeAspect="1" noMove="1" noResize="1" noEditPoints="1" noAdjustHandles="1" noChangeArrowheads="1" noChangeShapeType="1" noCrop="1"/>
+          </p:cNvPicPr>
+          <p:nvPr>
+            <p:extLst>
+              <p:ext uri="{386F3935-93C4-4BCD-93E2-E3B085C9AB24}">
+                <p16:designElem xmlns:p16="http://schemas.microsoft.com/office/powerpoint/2015/main" val="1"/>
+              </p:ext>
+            </p:extLst>
+          </p:nvPr>
+        </p:nvPicPr>
+        <p:blipFill rotWithShape="1">
+          <a:blip r:embed="rId2">
+            <a:extLst>
+              <a:ext uri="{28A0092B-C50C-407E-A947-70E740481C1C}">
+                <a14:useLocalDpi xmlns:a14="http://schemas.microsoft.com/office/drawing/2010/main" val="0"/>
+              </a:ext>
+            </a:extLst>
+          </a:blip>
+          <a:srcRect l="3613"/>
+          <a:stretch/>
+        </p:blipFill>
+        <p:spPr>
+          <a:xfrm>
+            <a:off x="0" y="2669685"/>
+            <a:ext cx="4037012" cy="4188315"/>
+          </a:xfrm>
+          <a:prstGeom prst="rect">
+            <a:avLst/>
+          </a:prstGeom>
+        </p:spPr>
+      </p:pic>
+      <p:pic>
+        <p:nvPicPr>
+          <p:cNvPr id="13" name="Picture 12">
+            <a:extLst>
+              <a:ext uri="{FF2B5EF4-FFF2-40B4-BE49-F238E27FC236}">
+                <a16:creationId xmlns:a16="http://schemas.microsoft.com/office/drawing/2014/main" id="{7C268552-D473-46ED-B1B8-422042C4DEF1}"/>
+              </a:ext>
+              <a:ext uri="{C183D7F6-B498-43B3-948B-1728B52AA6E4}">
+                <adec:decorative xmlns:adec="http://schemas.microsoft.com/office/drawing/2017/decorative" val="1"/>
+              </a:ext>
+            </a:extLst>
+          </p:cNvPr>
+          <p:cNvPicPr>
+            <a:picLocks noGrp="1" noRot="1" noChangeAspect="1" noMove="1" noResize="1" noEditPoints="1" noAdjustHandles="1" noChangeArrowheads="1" noChangeShapeType="1" noCrop="1"/>
+          </p:cNvPicPr>
+          <p:nvPr>
+            <p:extLst>
+              <p:ext uri="{386F3935-93C4-4BCD-93E2-E3B085C9AB24}">
+                <p16:designElem xmlns:p16="http://schemas.microsoft.com/office/powerpoint/2015/main" val="1"/>
+              </p:ext>
+            </p:extLst>
+          </p:nvPr>
+        </p:nvPicPr>
+        <p:blipFill rotWithShape="1">
+          <a:blip r:embed="rId3">
+            <a:extLst>
+              <a:ext uri="{28A0092B-C50C-407E-A947-70E740481C1C}">
+                <a14:useLocalDpi xmlns:a14="http://schemas.microsoft.com/office/drawing/2010/main" val="0"/>
+              </a:ext>
+            </a:extLst>
+          </a:blip>
+          <a:srcRect l="35640"/>
+          <a:stretch/>
+        </p:blipFill>
+        <p:spPr>
+          <a:xfrm>
+            <a:off x="0" y="2892347"/>
+            <a:ext cx="1522412" cy="2365453"/>
+          </a:xfrm>
+          <a:prstGeom prst="rect">
+            <a:avLst/>
+          </a:prstGeom>
+        </p:spPr>
+      </p:pic>
+      <p:sp>
+        <p:nvSpPr>
+          <p:cNvPr id="15" name="Oval 14">
+            <a:extLst>
+              <a:ext uri="{FF2B5EF4-FFF2-40B4-BE49-F238E27FC236}">
+                <a16:creationId xmlns:a16="http://schemas.microsoft.com/office/drawing/2014/main" id="{4AC0CD9D-7610-4620-93B4-798CCD9AB581}"/>
+              </a:ext>
+              <a:ext uri="{C183D7F6-B498-43B3-948B-1728B52AA6E4}">
+                <adec:decorative xmlns:adec="http://schemas.microsoft.com/office/drawing/2017/decorative" val="1"/>
+              </a:ext>
+            </a:extLst>
+          </p:cNvPr>
+          <p:cNvSpPr>
+            <a:spLocks noGrp="1" noRot="1" noChangeAspect="1" noMove="1" noResize="1" noEditPoints="1" noAdjustHandles="1" noChangeArrowheads="1" noChangeShapeType="1" noTextEdit="1"/>
+          </p:cNvSpPr>
+          <p:nvPr>
+            <p:extLst>
+              <p:ext uri="{386F3935-93C4-4BCD-93E2-E3B085C9AB24}">
+                <p16:designElem xmlns:p16="http://schemas.microsoft.com/office/powerpoint/2015/main" val="1"/>
+              </p:ext>
+            </p:extLst>
+          </p:nvPr>
+        </p:nvSpPr>
+        <p:spPr>
+          <a:xfrm>
+            <a:off x="8609012" y="1676400"/>
+            <a:ext cx="2819400" cy="2819400"/>
+          </a:xfrm>
+          <a:prstGeom prst="ellipse">
+            <a:avLst/>
+          </a:prstGeom>
+          <a:gradFill flip="none" rotWithShape="1">
+            <a:gsLst>
+              <a:gs pos="0">
+                <a:schemeClr val="bg2">
+                  <a:lumMod val="60000"/>
+                  <a:lumOff val="40000"/>
+                  <a:alpha val="7000"/>
+                </a:schemeClr>
+              </a:gs>
+              <a:gs pos="69000">
+                <a:schemeClr val="bg2">
+                  <a:lumMod val="60000"/>
+                  <a:lumOff val="40000"/>
+                  <a:alpha val="0"/>
+                </a:schemeClr>
+              </a:gs>
+              <a:gs pos="36000">
+                <a:schemeClr val="bg2">
+                  <a:lumMod val="60000"/>
+                  <a:lumOff val="40000"/>
+                  <a:alpha val="6000"/>
+                </a:schemeClr>
+              </a:gs>
+            </a:gsLst>
+            <a:path path="circle">
+              <a:fillToRect l="50000" t="50000" r="50000" b="50000"/>
+            </a:path>
+            <a:tileRect/>
+          </a:gradFill>
+          <a:ln>
+            <a:noFill/>
+          </a:ln>
+          <a:effectLst/>
+        </p:spPr>
+        <p:style>
+          <a:lnRef idx="1">
+            <a:schemeClr val="accent1"/>
+          </a:lnRef>
+          <a:fillRef idx="3">
+            <a:schemeClr val="accent1"/>
+          </a:fillRef>
+          <a:effectRef idx="2">
+            <a:schemeClr val="accent1"/>
+          </a:effectRef>
+          <a:fontRef idx="minor">
+            <a:schemeClr val="lt1"/>
+          </a:fontRef>
+        </p:style>
+      </p:sp>
+      <p:pic>
+        <p:nvPicPr>
+          <p:cNvPr id="17" name="Picture 16">
+            <a:extLst>
+              <a:ext uri="{FF2B5EF4-FFF2-40B4-BE49-F238E27FC236}">
+                <a16:creationId xmlns:a16="http://schemas.microsoft.com/office/drawing/2014/main" id="{B9238B3E-24AA-439A-B527-6C5DF6D72145}"/>
+              </a:ext>
+              <a:ext uri="{C183D7F6-B498-43B3-948B-1728B52AA6E4}">
+                <adec:decorative xmlns:adec="http://schemas.microsoft.com/office/drawing/2017/decorative" val="1"/>
+              </a:ext>
+            </a:extLst>
+          </p:cNvPr>
+          <p:cNvPicPr>
+            <a:picLocks noGrp="1" noRot="1" noChangeAspect="1" noMove="1" noResize="1" noEditPoints="1" noAdjustHandles="1" noChangeArrowheads="1" noChangeShapeType="1" noCrop="1"/>
+          </p:cNvPicPr>
+          <p:nvPr>
+            <p:extLst>
+              <p:ext uri="{386F3935-93C4-4BCD-93E2-E3B085C9AB24}">
+                <p16:designElem xmlns:p16="http://schemas.microsoft.com/office/powerpoint/2015/main" val="1"/>
+              </p:ext>
+            </p:extLst>
+          </p:nvPr>
+        </p:nvPicPr>
+        <p:blipFill rotWithShape="1">
+          <a:blip r:embed="rId4">
+            <a:extLst>
+              <a:ext uri="{28A0092B-C50C-407E-A947-70E740481C1C}">
+                <a14:useLocalDpi xmlns:a14="http://schemas.microsoft.com/office/drawing/2010/main" val="0"/>
+              </a:ext>
+            </a:extLst>
+          </a:blip>
+          <a:srcRect t="28813"/>
+          <a:stretch/>
+        </p:blipFill>
+        <p:spPr>
+          <a:xfrm>
+            <a:off x="7999412" y="0"/>
+            <a:ext cx="1603387" cy="1141407"/>
+          </a:xfrm>
+          <a:prstGeom prst="rect">
+            <a:avLst/>
+          </a:prstGeom>
+        </p:spPr>
+      </p:pic>
+      <p:pic>
+        <p:nvPicPr>
+          <p:cNvPr id="19" name="Picture 18">
+            <a:extLst>
+              <a:ext uri="{FF2B5EF4-FFF2-40B4-BE49-F238E27FC236}">
+                <a16:creationId xmlns:a16="http://schemas.microsoft.com/office/drawing/2014/main" id="{69F01145-BEA3-4CBF-AA21-10077B948CA8}"/>
+              </a:ext>
+              <a:ext uri="{C183D7F6-B498-43B3-948B-1728B52AA6E4}">
+                <adec:decorative xmlns:adec="http://schemas.microsoft.com/office/drawing/2017/decorative" val="1"/>
+              </a:ext>
+            </a:extLst>
+          </p:cNvPr>
+          <p:cNvPicPr>
+            <a:picLocks noGrp="1" noRot="1" noChangeAspect="1" noMove="1" noResize="1" noEditPoints="1" noAdjustHandles="1" noChangeArrowheads="1" noChangeShapeType="1" noCrop="1"/>
+          </p:cNvPicPr>
+          <p:nvPr>
+            <p:extLst>
+              <p:ext uri="{386F3935-93C4-4BCD-93E2-E3B085C9AB24}">
+                <p16:designElem xmlns:p16="http://schemas.microsoft.com/office/powerpoint/2015/main" val="1"/>
+              </p:ext>
+            </p:extLst>
+          </p:nvPr>
+        </p:nvPicPr>
+        <p:blipFill rotWithShape="1">
+          <a:blip r:embed="rId5">
+            <a:extLst>
+              <a:ext uri="{28A0092B-C50C-407E-A947-70E740481C1C}">
+                <a14:useLocalDpi xmlns:a14="http://schemas.microsoft.com/office/drawing/2010/main" val="0"/>
+              </a:ext>
+            </a:extLst>
+          </a:blip>
+          <a:srcRect b="23320"/>
+          <a:stretch/>
+        </p:blipFill>
+        <p:spPr>
+          <a:xfrm>
+            <a:off x="8605878" y="6096000"/>
+            <a:ext cx="993734" cy="762000"/>
+          </a:xfrm>
+          <a:prstGeom prst="rect">
+            <a:avLst/>
+          </a:prstGeom>
+        </p:spPr>
+      </p:pic>
+      <p:sp>
+        <p:nvSpPr>
+          <p:cNvPr id="21" name="Rectangle 20">
+            <a:extLst>
+              <a:ext uri="{FF2B5EF4-FFF2-40B4-BE49-F238E27FC236}">
+                <a16:creationId xmlns:a16="http://schemas.microsoft.com/office/drawing/2014/main" id="{DE4D62F9-188E-4530-84C2-24BDEE4BEB82}"/>
+              </a:ext>
+              <a:ext uri="{C183D7F6-B498-43B3-948B-1728B52AA6E4}">
+                <adec:decorative xmlns:adec="http://schemas.microsoft.com/office/drawing/2017/decorative" val="1"/>
+              </a:ext>
+            </a:extLst>
+          </p:cNvPr>
+          <p:cNvSpPr>
+            <a:spLocks noGrp="1" noRot="1" noChangeAspect="1" noMove="1" noResize="1" noEditPoints="1" noAdjustHandles="1" noChangeArrowheads="1" noChangeShapeType="1" noTextEdit="1"/>
+          </p:cNvSpPr>
+          <p:nvPr>
+            <p:extLst>
+              <p:ext uri="{386F3935-93C4-4BCD-93E2-E3B085C9AB24}">
+                <p16:designElem xmlns:p16="http://schemas.microsoft.com/office/powerpoint/2015/main" val="1"/>
+              </p:ext>
+            </p:extLst>
+          </p:nvPr>
+        </p:nvSpPr>
+        <p:spPr>
+          <a:xfrm>
+            <a:off x="10437812" y="0"/>
+            <a:ext cx="685800" cy="1143000"/>
+          </a:xfrm>
+          <a:prstGeom prst="rect">
+            <a:avLst/>
+          </a:prstGeom>
+          <a:solidFill>
+            <a:schemeClr val="accent1"/>
+          </a:solidFill>
+          <a:ln>
+            <a:noFill/>
+          </a:ln>
+        </p:spPr>
+        <p:style>
+          <a:lnRef idx="1">
+            <a:schemeClr val="accent1"/>
+          </a:lnRef>
+          <a:fillRef idx="3">
+            <a:schemeClr val="accent1"/>
+          </a:fillRef>
+          <a:effectRef idx="2">
+            <a:schemeClr val="accent1"/>
+          </a:effectRef>
+          <a:fontRef idx="minor">
+            <a:schemeClr val="lt1"/>
+          </a:fontRef>
+        </p:style>
+      </p:sp>
+      <p:sp>
+        <p:nvSpPr>
+          <p:cNvPr id="23" name="Rectangle 22">
+            <a:extLst>
+              <a:ext uri="{FF2B5EF4-FFF2-40B4-BE49-F238E27FC236}">
+                <a16:creationId xmlns:a16="http://schemas.microsoft.com/office/drawing/2014/main" id="{757B325C-3E35-45CF-9D07-3BCB281F3B9C}"/>
+              </a:ext>
+              <a:ext uri="{C183D7F6-B498-43B3-948B-1728B52AA6E4}">
+                <adec:decorative xmlns:adec="http://schemas.microsoft.com/office/drawing/2017/decorative" val="1"/>
+              </a:ext>
+            </a:extLst>
+          </p:cNvPr>
+          <p:cNvSpPr>
+            <a:spLocks noGrp="1" noRot="1" noChangeAspect="1" noMove="1" noResize="1" noEditPoints="1" noAdjustHandles="1" noChangeArrowheads="1" noChangeShapeType="1" noTextEdit="1"/>
+          </p:cNvSpPr>
+          <p:nvPr>
+            <p:extLst>
+              <p:ext uri="{386F3935-93C4-4BCD-93E2-E3B085C9AB24}">
+                <p16:designElem xmlns:p16="http://schemas.microsoft.com/office/powerpoint/2015/main" val="1"/>
+              </p:ext>
+            </p:extLst>
+          </p:nvPr>
+        </p:nvSpPr>
+        <p:spPr>
+          <a:xfrm>
+            <a:off x="0" y="0"/>
+            <a:ext cx="12192000" cy="6858000"/>
+          </a:xfrm>
+          <a:prstGeom prst="rect">
+            <a:avLst/>
+          </a:prstGeom>
+          <a:ln>
+            <a:noFill/>
+          </a:ln>
+        </p:spPr>
+        <p:style>
+          <a:lnRef idx="2">
+            <a:schemeClr val="accent1">
+              <a:shade val="50000"/>
+            </a:schemeClr>
+          </a:lnRef>
+          <a:fillRef idx="1003">
+            <a:schemeClr val="dk2"/>
+          </a:fillRef>
+          <a:effectRef idx="0">
+            <a:schemeClr val="accent1"/>
+          </a:effectRef>
+          <a:fontRef idx="minor">
+            <a:schemeClr val="lt1"/>
+          </a:fontRef>
+        </p:style>
+        <p:txBody>
+          <a:bodyPr rtlCol="0" anchor="ctr"/>
+          <a:lstStyle/>
+          <a:p>
+            <a:pPr algn="ctr"/>
+            <a:endParaRPr lang="en-US"/>
+          </a:p>
+        </p:txBody>
+      </p:sp>
+      <p:sp>
+        <p:nvSpPr>
+          <p:cNvPr id="2" name="Title 1">
+            <a:extLst>
+              <a:ext uri="{FF2B5EF4-FFF2-40B4-BE49-F238E27FC236}">
+                <a16:creationId xmlns:a16="http://schemas.microsoft.com/office/drawing/2014/main" id="{A6F5B8DB-E45A-614F-AC13-C19C2287C4BF}"/>
+              </a:ext>
+            </a:extLst>
+          </p:cNvPr>
+          <p:cNvSpPr>
+            <a:spLocks noGrp="1"/>
+          </p:cNvSpPr>
+          <p:nvPr>
+            <p:ph type="title"/>
+          </p:nvPr>
+        </p:nvSpPr>
+        <p:spPr>
+          <a:xfrm>
+            <a:off x="7999412" y="-1"/>
+            <a:ext cx="4192587" cy="6858001"/>
+          </a:xfrm>
+        </p:spPr>
+        <p:txBody>
+          <a:bodyPr vert="horz" lIns="91440" tIns="45720" rIns="91440" bIns="45720" rtlCol="0" anchor="ctr">
+            <a:normAutofit/>
+          </a:bodyPr>
+          <a:lstStyle/>
+          <a:p>
+            <a:pPr algn="ctr">
+              <a:lnSpc>
+                <a:spcPct val="90000"/>
+              </a:lnSpc>
+            </a:pPr>
+            <a:r>
+              <a:rPr lang="en-US" sz="5000" b="0" i="0" kern="1200" dirty="0">
+                <a:solidFill>
+                  <a:srgbClr val="EBEBEB"/>
+                </a:solidFill>
+                <a:latin typeface="+mj-lt"/>
+                <a:ea typeface="+mj-ea"/>
+                <a:cs typeface="+mj-cs"/>
+              </a:rPr>
+              <a:t>Visualize Private Shelters</a:t>
+            </a:r>
+          </a:p>
+        </p:txBody>
+      </p:sp>
+      <p:sp>
+        <p:nvSpPr>
+          <p:cNvPr id="25" name="Freeform 36">
+            <a:extLst>
+              <a:ext uri="{FF2B5EF4-FFF2-40B4-BE49-F238E27FC236}">
+                <a16:creationId xmlns:a16="http://schemas.microsoft.com/office/drawing/2014/main" id="{C24BEC42-AFF3-40D1-93A2-A27A42E1E23C}"/>
+              </a:ext>
+              <a:ext uri="{C183D7F6-B498-43B3-948B-1728B52AA6E4}">
+                <adec:decorative xmlns:adec="http://schemas.microsoft.com/office/drawing/2017/decorative" val="1"/>
+              </a:ext>
+            </a:extLst>
+          </p:cNvPr>
+          <p:cNvSpPr>
+            <a:spLocks noGrp="1" noRot="1" noChangeAspect="1" noMove="1" noResize="1" noEditPoints="1" noAdjustHandles="1" noChangeArrowheads="1" noChangeShapeType="1" noTextEdit="1"/>
+          </p:cNvSpPr>
+          <p:nvPr>
+            <p:extLst>
+              <p:ext uri="{386F3935-93C4-4BCD-93E2-E3B085C9AB24}">
+                <p16:designElem xmlns:p16="http://schemas.microsoft.com/office/powerpoint/2015/main" val="1"/>
+              </p:ext>
+            </p:extLst>
+          </p:nvPr>
+        </p:nvSpPr>
+        <p:spPr>
+          <a:xfrm flipH="1">
+            <a:off x="7463681" y="-1"/>
+            <a:ext cx="559472" cy="3709642"/>
+          </a:xfrm>
+          <a:custGeom>
+            <a:avLst/>
+            <a:gdLst>
+              <a:gd name="connsiteX0" fmla="*/ 0 w 559472"/>
+              <a:gd name="connsiteY0" fmla="*/ 0 h 3709642"/>
+              <a:gd name="connsiteX1" fmla="*/ 473952 w 559472"/>
+              <a:gd name="connsiteY1" fmla="*/ 0 h 3709642"/>
+              <a:gd name="connsiteX2" fmla="*/ 485840 w 559472"/>
+              <a:gd name="connsiteY2" fmla="*/ 161194 h 3709642"/>
+              <a:gd name="connsiteX3" fmla="*/ 523949 w 559472"/>
+              <a:gd name="connsiteY3" fmla="*/ 3672197 h 3709642"/>
+              <a:gd name="connsiteX4" fmla="*/ 454748 w 559472"/>
+              <a:gd name="connsiteY4" fmla="*/ 3709642 h 3709642"/>
+              <a:gd name="connsiteX5" fmla="*/ 448224 w 559472"/>
+              <a:gd name="connsiteY5" fmla="*/ 3510471 h 3709642"/>
+              <a:gd name="connsiteX6" fmla="*/ 443564 w 559472"/>
+              <a:gd name="connsiteY6" fmla="*/ 3408563 h 3709642"/>
+              <a:gd name="connsiteX7" fmla="*/ 438902 w 559472"/>
+              <a:gd name="connsiteY7" fmla="*/ 3304407 h 3709642"/>
+              <a:gd name="connsiteX8" fmla="*/ 433941 w 559472"/>
+              <a:gd name="connsiteY8" fmla="*/ 3198777 h 3709642"/>
+              <a:gd name="connsiteX9" fmla="*/ 427584 w 559472"/>
+              <a:gd name="connsiteY9" fmla="*/ 3092510 h 3709642"/>
+              <a:gd name="connsiteX10" fmla="*/ 420988 w 559472"/>
+              <a:gd name="connsiteY10" fmla="*/ 2984390 h 3709642"/>
+              <a:gd name="connsiteX11" fmla="*/ 414330 w 559472"/>
+              <a:gd name="connsiteY11" fmla="*/ 2874401 h 3709642"/>
+              <a:gd name="connsiteX12" fmla="*/ 406840 w 559472"/>
+              <a:gd name="connsiteY12" fmla="*/ 2762980 h 3709642"/>
+              <a:gd name="connsiteX13" fmla="*/ 397745 w 559472"/>
+              <a:gd name="connsiteY13" fmla="*/ 2650566 h 3709642"/>
+              <a:gd name="connsiteX14" fmla="*/ 389154 w 559472"/>
+              <a:gd name="connsiteY14" fmla="*/ 2536612 h 3709642"/>
+              <a:gd name="connsiteX15" fmla="*/ 379225 w 559472"/>
+              <a:gd name="connsiteY15" fmla="*/ 2421642 h 3709642"/>
+              <a:gd name="connsiteX16" fmla="*/ 368316 w 559472"/>
+              <a:gd name="connsiteY16" fmla="*/ 2305627 h 3709642"/>
+              <a:gd name="connsiteX17" fmla="*/ 357466 w 559472"/>
+              <a:gd name="connsiteY17" fmla="*/ 2189233 h 3709642"/>
+              <a:gd name="connsiteX18" fmla="*/ 344982 w 559472"/>
+              <a:gd name="connsiteY18" fmla="*/ 2071473 h 3709642"/>
+              <a:gd name="connsiteX19" fmla="*/ 332466 w 559472"/>
+              <a:gd name="connsiteY19" fmla="*/ 1952216 h 3709642"/>
+              <a:gd name="connsiteX20" fmla="*/ 319121 w 559472"/>
+              <a:gd name="connsiteY20" fmla="*/ 1833776 h 3709642"/>
+              <a:gd name="connsiteX21" fmla="*/ 304408 w 559472"/>
+              <a:gd name="connsiteY21" fmla="*/ 1713948 h 3709642"/>
+              <a:gd name="connsiteX22" fmla="*/ 288685 w 559472"/>
+              <a:gd name="connsiteY22" fmla="*/ 1592703 h 3709642"/>
+              <a:gd name="connsiteX23" fmla="*/ 273050 w 559472"/>
+              <a:gd name="connsiteY23" fmla="*/ 1471451 h 3709642"/>
+              <a:gd name="connsiteX24" fmla="*/ 255813 w 559472"/>
+              <a:gd name="connsiteY24" fmla="*/ 1350328 h 3709642"/>
+              <a:gd name="connsiteX25" fmla="*/ 237060 w 559472"/>
+              <a:gd name="connsiteY25" fmla="*/ 1227080 h 3709642"/>
+              <a:gd name="connsiteX26" fmla="*/ 218488 w 559472"/>
+              <a:gd name="connsiteY26" fmla="*/ 1106065 h 3709642"/>
+              <a:gd name="connsiteX27" fmla="*/ 198221 w 559472"/>
+              <a:gd name="connsiteY27" fmla="*/ 982940 h 3709642"/>
+              <a:gd name="connsiteX28" fmla="*/ 177152 w 559472"/>
+              <a:gd name="connsiteY28" fmla="*/ 858755 h 3709642"/>
+              <a:gd name="connsiteX29" fmla="*/ 155551 w 559472"/>
+              <a:gd name="connsiteY29" fmla="*/ 736861 h 3709642"/>
+              <a:gd name="connsiteX30" fmla="*/ 131782 w 559472"/>
+              <a:gd name="connsiteY30" fmla="*/ 613645 h 3709642"/>
+              <a:gd name="connsiteX31" fmla="*/ 107123 w 559472"/>
+              <a:gd name="connsiteY31" fmla="*/ 490500 h 3709642"/>
+              <a:gd name="connsiteX32" fmla="*/ 82552 w 559472"/>
+              <a:gd name="connsiteY32" fmla="*/ 367348 h 3709642"/>
+              <a:gd name="connsiteX33" fmla="*/ 55608 w 559472"/>
+              <a:gd name="connsiteY33" fmla="*/ 244762 h 3709642"/>
+              <a:gd name="connsiteX34" fmla="*/ 28130 w 559472"/>
+              <a:gd name="connsiteY34" fmla="*/ 122220 h 3709642"/>
+              <a:gd name="connsiteX35" fmla="*/ 0 w 559472"/>
+              <a:gd name="connsiteY35" fmla="*/ 0 h 3709642"/>
+            </a:gdLst>
+            <a:ahLst/>
+            <a:cxnLst>
+              <a:cxn ang="0">
+                <a:pos x="connsiteX0" y="connsiteY0"/>
+              </a:cxn>
+              <a:cxn ang="0">
+                <a:pos x="connsiteX1" y="connsiteY1"/>
+              </a:cxn>
+              <a:cxn ang="0">
+                <a:pos x="connsiteX2" y="connsiteY2"/>
+              </a:cxn>
+              <a:cxn ang="0">
+                <a:pos x="connsiteX3" y="connsiteY3"/>
+              </a:cxn>
+              <a:cxn ang="0">
+                <a:pos x="connsiteX4" y="connsiteY4"/>
+              </a:cxn>
+              <a:cxn ang="0">
+                <a:pos x="connsiteX5" y="connsiteY5"/>
+              </a:cxn>
+              <a:cxn ang="0">
+                <a:pos x="connsiteX6" y="connsiteY6"/>
+              </a:cxn>
+              <a:cxn ang="0">
+                <a:pos x="connsiteX7" y="connsiteY7"/>
+              </a:cxn>
+              <a:cxn ang="0">
+                <a:pos x="connsiteX8" y="connsiteY8"/>
+              </a:cxn>
+              <a:cxn ang="0">
+                <a:pos x="connsiteX9" y="connsiteY9"/>
+              </a:cxn>
+              <a:cxn ang="0">
+                <a:pos x="connsiteX10" y="connsiteY10"/>
+              </a:cxn>
+              <a:cxn ang="0">
+                <a:pos x="connsiteX11" y="connsiteY11"/>
+              </a:cxn>
+              <a:cxn ang="0">
+                <a:pos x="connsiteX12" y="connsiteY12"/>
+              </a:cxn>
+              <a:cxn ang="0">
+                <a:pos x="connsiteX13" y="connsiteY13"/>
+              </a:cxn>
+              <a:cxn ang="0">
+                <a:pos x="connsiteX14" y="connsiteY14"/>
+              </a:cxn>
+              <a:cxn ang="0">
+                <a:pos x="connsiteX15" y="connsiteY15"/>
+              </a:cxn>
+              <a:cxn ang="0">
+                <a:pos x="connsiteX16" y="connsiteY16"/>
+              </a:cxn>
+              <a:cxn ang="0">
+                <a:pos x="connsiteX17" y="connsiteY17"/>
+              </a:cxn>
+              <a:cxn ang="0">
+                <a:pos x="connsiteX18" y="connsiteY18"/>
+              </a:cxn>
+              <a:cxn ang="0">
+                <a:pos x="connsiteX19" y="connsiteY19"/>
+              </a:cxn>
+              <a:cxn ang="0">
+                <a:pos x="connsiteX20" y="connsiteY20"/>
+              </a:cxn>
+              <a:cxn ang="0">
+                <a:pos x="connsiteX21" y="connsiteY21"/>
+              </a:cxn>
+              <a:cxn ang="0">
+                <a:pos x="connsiteX22" y="connsiteY22"/>
+              </a:cxn>
+              <a:cxn ang="0">
+                <a:pos x="connsiteX23" y="connsiteY23"/>
+              </a:cxn>
+              <a:cxn ang="0">
+                <a:pos x="connsiteX24" y="connsiteY24"/>
+              </a:cxn>
+              <a:cxn ang="0">
+                <a:pos x="connsiteX25" y="connsiteY25"/>
+              </a:cxn>
+              <a:cxn ang="0">
+                <a:pos x="connsiteX26" y="connsiteY26"/>
+              </a:cxn>
+              <a:cxn ang="0">
+                <a:pos x="connsiteX27" y="connsiteY27"/>
+              </a:cxn>
+              <a:cxn ang="0">
+                <a:pos x="connsiteX28" y="connsiteY28"/>
+              </a:cxn>
+              <a:cxn ang="0">
+                <a:pos x="connsiteX29" y="connsiteY29"/>
+              </a:cxn>
+              <a:cxn ang="0">
+                <a:pos x="connsiteX30" y="connsiteY30"/>
+              </a:cxn>
+              <a:cxn ang="0">
+                <a:pos x="connsiteX31" y="connsiteY31"/>
+              </a:cxn>
+              <a:cxn ang="0">
+                <a:pos x="connsiteX32" y="connsiteY32"/>
+              </a:cxn>
+              <a:cxn ang="0">
+                <a:pos x="connsiteX33" y="connsiteY33"/>
+              </a:cxn>
+              <a:cxn ang="0">
+                <a:pos x="connsiteX34" y="connsiteY34"/>
+              </a:cxn>
+              <a:cxn ang="0">
+                <a:pos x="connsiteX35" y="connsiteY35"/>
+              </a:cxn>
+            </a:cxnLst>
+            <a:rect l="l" t="t" r="r" b="b"/>
+            <a:pathLst>
+              <a:path w="559472" h="3709642">
+                <a:moveTo>
+                  <a:pt x="0" y="0"/>
+                </a:moveTo>
+                <a:lnTo>
+                  <a:pt x="473952" y="0"/>
+                </a:lnTo>
+                <a:lnTo>
+                  <a:pt x="485840" y="161194"/>
+                </a:lnTo>
+                <a:cubicBezTo>
+                  <a:pt x="552063" y="1147770"/>
+                  <a:pt x="592441" y="3086737"/>
+                  <a:pt x="523949" y="3672197"/>
+                </a:cubicBezTo>
+                <a:cubicBezTo>
+                  <a:pt x="500842" y="3684557"/>
+                  <a:pt x="477855" y="3697282"/>
+                  <a:pt x="454748" y="3709642"/>
+                </a:cubicBezTo>
+                <a:lnTo>
+                  <a:pt x="448224" y="3510471"/>
+                </a:lnTo>
+                <a:lnTo>
+                  <a:pt x="443564" y="3408563"/>
+                </a:lnTo>
+                <a:lnTo>
+                  <a:pt x="438902" y="3304407"/>
+                </a:lnTo>
+                <a:lnTo>
+                  <a:pt x="433941" y="3198777"/>
+                </a:lnTo>
+                <a:lnTo>
+                  <a:pt x="427584" y="3092510"/>
+                </a:lnTo>
+                <a:lnTo>
+                  <a:pt x="420988" y="2984390"/>
+                </a:lnTo>
+                <a:lnTo>
+                  <a:pt x="414330" y="2874401"/>
+                </a:lnTo>
+                <a:lnTo>
+                  <a:pt x="406840" y="2762980"/>
+                </a:lnTo>
+                <a:lnTo>
+                  <a:pt x="397745" y="2650566"/>
+                </a:lnTo>
+                <a:lnTo>
+                  <a:pt x="389154" y="2536612"/>
+                </a:lnTo>
+                <a:lnTo>
+                  <a:pt x="379225" y="2421642"/>
+                </a:lnTo>
+                <a:lnTo>
+                  <a:pt x="368316" y="2305627"/>
+                </a:lnTo>
+                <a:lnTo>
+                  <a:pt x="357466" y="2189233"/>
+                </a:lnTo>
+                <a:lnTo>
+                  <a:pt x="344982" y="2071473"/>
+                </a:lnTo>
+                <a:lnTo>
+                  <a:pt x="332466" y="1952216"/>
+                </a:lnTo>
+                <a:lnTo>
+                  <a:pt x="319121" y="1833776"/>
+                </a:lnTo>
+                <a:lnTo>
+                  <a:pt x="304408" y="1713948"/>
+                </a:lnTo>
+                <a:lnTo>
+                  <a:pt x="288685" y="1592703"/>
+                </a:lnTo>
+                <a:lnTo>
+                  <a:pt x="273050" y="1471451"/>
+                </a:lnTo>
+                <a:lnTo>
+                  <a:pt x="255813" y="1350328"/>
+                </a:lnTo>
+                <a:lnTo>
+                  <a:pt x="237060" y="1227080"/>
+                </a:lnTo>
+                <a:lnTo>
+                  <a:pt x="218488" y="1106065"/>
+                </a:lnTo>
+                <a:lnTo>
+                  <a:pt x="198221" y="982940"/>
+                </a:lnTo>
+                <a:lnTo>
+                  <a:pt x="177152" y="858755"/>
+                </a:lnTo>
+                <a:lnTo>
+                  <a:pt x="155551" y="736861"/>
+                </a:lnTo>
+                <a:lnTo>
+                  <a:pt x="131782" y="613645"/>
+                </a:lnTo>
+                <a:lnTo>
+                  <a:pt x="107123" y="490500"/>
+                </a:lnTo>
+                <a:lnTo>
+                  <a:pt x="82552" y="367348"/>
+                </a:lnTo>
+                <a:lnTo>
+                  <a:pt x="55608" y="244762"/>
+                </a:lnTo>
+                <a:lnTo>
+                  <a:pt x="28130" y="122220"/>
+                </a:lnTo>
+                <a:lnTo>
+                  <a:pt x="0" y="0"/>
+                </a:lnTo>
+                <a:close/>
+              </a:path>
+            </a:pathLst>
+          </a:custGeom>
+          <a:solidFill>
+            <a:schemeClr val="bg1">
+              <a:alpha val="20000"/>
+            </a:schemeClr>
+          </a:solidFill>
+          <a:ln>
+            <a:noFill/>
+          </a:ln>
+        </p:spPr>
+        <p:txBody>
+          <a:bodyPr rtlCol="0" anchor="ctr"/>
+          <a:lstStyle/>
+          <a:p>
+            <a:pPr algn="ctr"/>
+            <a:endParaRPr lang="en-US"/>
+          </a:p>
+        </p:txBody>
+      </p:sp>
+      <p:sp useBgFill="1">
+        <p:nvSpPr>
+          <p:cNvPr id="27" name="Freeform: Shape 26">
+            <a:extLst>
+              <a:ext uri="{FF2B5EF4-FFF2-40B4-BE49-F238E27FC236}">
+                <a16:creationId xmlns:a16="http://schemas.microsoft.com/office/drawing/2014/main" id="{608F427C-1EC9-4280-9367-F2B3AA063E82}"/>
+              </a:ext>
+              <a:ext uri="{C183D7F6-B498-43B3-948B-1728B52AA6E4}">
+                <adec:decorative xmlns:adec="http://schemas.microsoft.com/office/drawing/2017/decorative" val="1"/>
+              </a:ext>
+            </a:extLst>
+          </p:cNvPr>
+          <p:cNvSpPr>
+            <a:spLocks noGrp="1" noRot="1" noChangeAspect="1" noMove="1" noResize="1" noEditPoints="1" noAdjustHandles="1" noChangeArrowheads="1" noChangeShapeType="1" noTextEdit="1"/>
+          </p:cNvSpPr>
+          <p:nvPr>
+            <p:extLst>
+              <p:ext uri="{386F3935-93C4-4BCD-93E2-E3B085C9AB24}">
+                <p16:designElem xmlns:p16="http://schemas.microsoft.com/office/powerpoint/2015/main" val="1"/>
+              </p:ext>
+            </p:extLst>
+          </p:nvPr>
+        </p:nvSpPr>
+        <p:spPr>
+          <a:xfrm>
+            <a:off x="0" y="0"/>
+            <a:ext cx="7809954" cy="6858000"/>
+          </a:xfrm>
+          <a:custGeom>
+            <a:avLst/>
+            <a:gdLst>
+              <a:gd name="connsiteX0" fmla="*/ 6465239 w 7809954"/>
+              <a:gd name="connsiteY0" fmla="*/ 0 h 6858000"/>
+              <a:gd name="connsiteX1" fmla="*/ 7808777 w 7809954"/>
+              <a:gd name="connsiteY1" fmla="*/ 0 h 6858000"/>
+              <a:gd name="connsiteX2" fmla="*/ 7783732 w 7809954"/>
+              <a:gd name="connsiteY2" fmla="*/ 155676 h 6858000"/>
+              <a:gd name="connsiteX3" fmla="*/ 7759863 w 7809954"/>
+              <a:gd name="connsiteY3" fmla="*/ 310667 h 6858000"/>
+              <a:gd name="connsiteX4" fmla="*/ 7736499 w 7809954"/>
+              <a:gd name="connsiteY4" fmla="*/ 466344 h 6858000"/>
+              <a:gd name="connsiteX5" fmla="*/ 7716496 w 7809954"/>
+              <a:gd name="connsiteY5" fmla="*/ 622706 h 6858000"/>
+              <a:gd name="connsiteX6" fmla="*/ 7696325 w 7809954"/>
+              <a:gd name="connsiteY6" fmla="*/ 778383 h 6858000"/>
+              <a:gd name="connsiteX7" fmla="*/ 7677499 w 7809954"/>
+              <a:gd name="connsiteY7" fmla="*/ 934745 h 6858000"/>
+              <a:gd name="connsiteX8" fmla="*/ 7661363 w 7809954"/>
+              <a:gd name="connsiteY8" fmla="*/ 1089050 h 6858000"/>
+              <a:gd name="connsiteX9" fmla="*/ 7646067 w 7809954"/>
+              <a:gd name="connsiteY9" fmla="*/ 1245413 h 6858000"/>
+              <a:gd name="connsiteX10" fmla="*/ 7632115 w 7809954"/>
+              <a:gd name="connsiteY10" fmla="*/ 1401089 h 6858000"/>
+              <a:gd name="connsiteX11" fmla="*/ 7620013 w 7809954"/>
+              <a:gd name="connsiteY11" fmla="*/ 1554023 h 6858000"/>
+              <a:gd name="connsiteX12" fmla="*/ 7607910 w 7809954"/>
+              <a:gd name="connsiteY12" fmla="*/ 1709013 h 6858000"/>
+              <a:gd name="connsiteX13" fmla="*/ 7597825 w 7809954"/>
+              <a:gd name="connsiteY13" fmla="*/ 1861947 h 6858000"/>
+              <a:gd name="connsiteX14" fmla="*/ 7589925 w 7809954"/>
+              <a:gd name="connsiteY14" fmla="*/ 2014880 h 6858000"/>
+              <a:gd name="connsiteX15" fmla="*/ 7581688 w 7809954"/>
+              <a:gd name="connsiteY15" fmla="*/ 2167128 h 6858000"/>
+              <a:gd name="connsiteX16" fmla="*/ 7574797 w 7809954"/>
+              <a:gd name="connsiteY16" fmla="*/ 2318004 h 6858000"/>
+              <a:gd name="connsiteX17" fmla="*/ 7569922 w 7809954"/>
+              <a:gd name="connsiteY17" fmla="*/ 2467508 h 6858000"/>
+              <a:gd name="connsiteX18" fmla="*/ 7565720 w 7809954"/>
+              <a:gd name="connsiteY18" fmla="*/ 2617013 h 6858000"/>
+              <a:gd name="connsiteX19" fmla="*/ 7561686 w 7809954"/>
+              <a:gd name="connsiteY19" fmla="*/ 2765145 h 6858000"/>
+              <a:gd name="connsiteX20" fmla="*/ 7559837 w 7809954"/>
+              <a:gd name="connsiteY20" fmla="*/ 2911221 h 6858000"/>
+              <a:gd name="connsiteX21" fmla="*/ 7557820 w 7809954"/>
+              <a:gd name="connsiteY21" fmla="*/ 3057296 h 6858000"/>
+              <a:gd name="connsiteX22" fmla="*/ 7556811 w 7809954"/>
+              <a:gd name="connsiteY22" fmla="*/ 3201314 h 6858000"/>
+              <a:gd name="connsiteX23" fmla="*/ 7557820 w 7809954"/>
+              <a:gd name="connsiteY23" fmla="*/ 3343960 h 6858000"/>
+              <a:gd name="connsiteX24" fmla="*/ 7557820 w 7809954"/>
+              <a:gd name="connsiteY24" fmla="*/ 3485235 h 6858000"/>
+              <a:gd name="connsiteX25" fmla="*/ 7559837 w 7809954"/>
+              <a:gd name="connsiteY25" fmla="*/ 3625138 h 6858000"/>
+              <a:gd name="connsiteX26" fmla="*/ 7562862 w 7809954"/>
+              <a:gd name="connsiteY26" fmla="*/ 3762298 h 6858000"/>
+              <a:gd name="connsiteX27" fmla="*/ 7565720 w 7809954"/>
+              <a:gd name="connsiteY27" fmla="*/ 3898087 h 6858000"/>
+              <a:gd name="connsiteX28" fmla="*/ 7568914 w 7809954"/>
+              <a:gd name="connsiteY28" fmla="*/ 4031132 h 6858000"/>
+              <a:gd name="connsiteX29" fmla="*/ 7573788 w 7809954"/>
+              <a:gd name="connsiteY29" fmla="*/ 4163491 h 6858000"/>
+              <a:gd name="connsiteX30" fmla="*/ 7578999 w 7809954"/>
+              <a:gd name="connsiteY30" fmla="*/ 4293793 h 6858000"/>
+              <a:gd name="connsiteX31" fmla="*/ 7583705 w 7809954"/>
+              <a:gd name="connsiteY31" fmla="*/ 4421352 h 6858000"/>
+              <a:gd name="connsiteX32" fmla="*/ 7596985 w 7809954"/>
+              <a:gd name="connsiteY32" fmla="*/ 4670298 h 6858000"/>
+              <a:gd name="connsiteX33" fmla="*/ 7611104 w 7809954"/>
+              <a:gd name="connsiteY33" fmla="*/ 4908956 h 6858000"/>
+              <a:gd name="connsiteX34" fmla="*/ 7625896 w 7809954"/>
+              <a:gd name="connsiteY34" fmla="*/ 5138013 h 6858000"/>
+              <a:gd name="connsiteX35" fmla="*/ 7642201 w 7809954"/>
+              <a:gd name="connsiteY35" fmla="*/ 5354726 h 6858000"/>
+              <a:gd name="connsiteX36" fmla="*/ 7659178 w 7809954"/>
+              <a:gd name="connsiteY36" fmla="*/ 5561838 h 6858000"/>
+              <a:gd name="connsiteX37" fmla="*/ 7677499 w 7809954"/>
+              <a:gd name="connsiteY37" fmla="*/ 5753862 h 6858000"/>
+              <a:gd name="connsiteX38" fmla="*/ 7695485 w 7809954"/>
+              <a:gd name="connsiteY38" fmla="*/ 5934227 h 6858000"/>
+              <a:gd name="connsiteX39" fmla="*/ 7713470 w 7809954"/>
+              <a:gd name="connsiteY39" fmla="*/ 6100191 h 6858000"/>
+              <a:gd name="connsiteX40" fmla="*/ 7730447 w 7809954"/>
+              <a:gd name="connsiteY40" fmla="*/ 6252438 h 6858000"/>
+              <a:gd name="connsiteX41" fmla="*/ 7746584 w 7809954"/>
+              <a:gd name="connsiteY41" fmla="*/ 6387541 h 6858000"/>
+              <a:gd name="connsiteX42" fmla="*/ 7761880 w 7809954"/>
+              <a:gd name="connsiteY42" fmla="*/ 6509613 h 6858000"/>
+              <a:gd name="connsiteX43" fmla="*/ 7774655 w 7809954"/>
+              <a:gd name="connsiteY43" fmla="*/ 6612483 h 6858000"/>
+              <a:gd name="connsiteX44" fmla="*/ 7786757 w 7809954"/>
+              <a:gd name="connsiteY44" fmla="*/ 6698894 h 6858000"/>
+              <a:gd name="connsiteX45" fmla="*/ 7804071 w 7809954"/>
+              <a:gd name="connsiteY45" fmla="*/ 6817538 h 6858000"/>
+              <a:gd name="connsiteX46" fmla="*/ 7809954 w 7809954"/>
+              <a:gd name="connsiteY46" fmla="*/ 6858000 h 6858000"/>
+              <a:gd name="connsiteX47" fmla="*/ 7157124 w 7809954"/>
+              <a:gd name="connsiteY47" fmla="*/ 6858000 h 6858000"/>
+              <a:gd name="connsiteX48" fmla="*/ 7157124 w 7809954"/>
+              <a:gd name="connsiteY48" fmla="*/ 6858000 h 6858000"/>
+              <a:gd name="connsiteX49" fmla="*/ 0 w 7809954"/>
+              <a:gd name="connsiteY49" fmla="*/ 6858000 h 6858000"/>
+              <a:gd name="connsiteX50" fmla="*/ 0 w 7809954"/>
+              <a:gd name="connsiteY50" fmla="*/ 0 h 6858000"/>
+              <a:gd name="connsiteX51" fmla="*/ 6465239 w 7809954"/>
+              <a:gd name="connsiteY51" fmla="*/ 0 h 6858000"/>
+            </a:gdLst>
+            <a:ahLst/>
+            <a:cxnLst>
+              <a:cxn ang="0">
+                <a:pos x="connsiteX0" y="connsiteY0"/>
+              </a:cxn>
+              <a:cxn ang="0">
+                <a:pos x="connsiteX1" y="connsiteY1"/>
+              </a:cxn>
+              <a:cxn ang="0">
+                <a:pos x="connsiteX2" y="connsiteY2"/>
+              </a:cxn>
+              <a:cxn ang="0">
+                <a:pos x="connsiteX3" y="connsiteY3"/>
+              </a:cxn>
+              <a:cxn ang="0">
+                <a:pos x="connsiteX4" y="connsiteY4"/>
+              </a:cxn>
+              <a:cxn ang="0">
+                <a:pos x="connsiteX5" y="connsiteY5"/>
+              </a:cxn>
+              <a:cxn ang="0">
+                <a:pos x="connsiteX6" y="connsiteY6"/>
+              </a:cxn>
+              <a:cxn ang="0">
+                <a:pos x="connsiteX7" y="connsiteY7"/>
+              </a:cxn>
+              <a:cxn ang="0">
+                <a:pos x="connsiteX8" y="connsiteY8"/>
+              </a:cxn>
+              <a:cxn ang="0">
+                <a:pos x="connsiteX9" y="connsiteY9"/>
+              </a:cxn>
+              <a:cxn ang="0">
+                <a:pos x="connsiteX10" y="connsiteY10"/>
+              </a:cxn>
+              <a:cxn ang="0">
+                <a:pos x="connsiteX11" y="connsiteY11"/>
+              </a:cxn>
+              <a:cxn ang="0">
+                <a:pos x="connsiteX12" y="connsiteY12"/>
+              </a:cxn>
+              <a:cxn ang="0">
+                <a:pos x="connsiteX13" y="connsiteY13"/>
+              </a:cxn>
+              <a:cxn ang="0">
+                <a:pos x="connsiteX14" y="connsiteY14"/>
+              </a:cxn>
+              <a:cxn ang="0">
+                <a:pos x="connsiteX15" y="connsiteY15"/>
+              </a:cxn>
+              <a:cxn ang="0">
+                <a:pos x="connsiteX16" y="connsiteY16"/>
+              </a:cxn>
+              <a:cxn ang="0">
+                <a:pos x="connsiteX17" y="connsiteY17"/>
+              </a:cxn>
+              <a:cxn ang="0">
+                <a:pos x="connsiteX18" y="connsiteY18"/>
+              </a:cxn>
+              <a:cxn ang="0">
+                <a:pos x="connsiteX19" y="connsiteY19"/>
+              </a:cxn>
+              <a:cxn ang="0">
+                <a:pos x="connsiteX20" y="connsiteY20"/>
+              </a:cxn>
+              <a:cxn ang="0">
+                <a:pos x="connsiteX21" y="connsiteY21"/>
+              </a:cxn>
+              <a:cxn ang="0">
+                <a:pos x="connsiteX22" y="connsiteY22"/>
+              </a:cxn>
+              <a:cxn ang="0">
+                <a:pos x="connsiteX23" y="connsiteY23"/>
+              </a:cxn>
+              <a:cxn ang="0">
+                <a:pos x="connsiteX24" y="connsiteY24"/>
+              </a:cxn>
+              <a:cxn ang="0">
+                <a:pos x="connsiteX25" y="connsiteY25"/>
+              </a:cxn>
+              <a:cxn ang="0">
+                <a:pos x="connsiteX26" y="connsiteY26"/>
+              </a:cxn>
+              <a:cxn ang="0">
+                <a:pos x="connsiteX27" y="connsiteY27"/>
+              </a:cxn>
+              <a:cxn ang="0">
+                <a:pos x="connsiteX28" y="connsiteY28"/>
+              </a:cxn>
+              <a:cxn ang="0">
+                <a:pos x="connsiteX29" y="connsiteY29"/>
+              </a:cxn>
+              <a:cxn ang="0">
+                <a:pos x="connsiteX30" y="connsiteY30"/>
+              </a:cxn>
+              <a:cxn ang="0">
+                <a:pos x="connsiteX31" y="connsiteY31"/>
+              </a:cxn>
+              <a:cxn ang="0">
+                <a:pos x="connsiteX32" y="connsiteY32"/>
+              </a:cxn>
+              <a:cxn ang="0">
+                <a:pos x="connsiteX33" y="connsiteY33"/>
+              </a:cxn>
+              <a:cxn ang="0">
+                <a:pos x="connsiteX34" y="connsiteY34"/>
+              </a:cxn>
+              <a:cxn ang="0">
+                <a:pos x="connsiteX35" y="connsiteY35"/>
+              </a:cxn>
+              <a:cxn ang="0">
+                <a:pos x="connsiteX36" y="connsiteY36"/>
+              </a:cxn>
+              <a:cxn ang="0">
+                <a:pos x="connsiteX37" y="connsiteY37"/>
+              </a:cxn>
+              <a:cxn ang="0">
+                <a:pos x="connsiteX38" y="connsiteY38"/>
+              </a:cxn>
+              <a:cxn ang="0">
+                <a:pos x="connsiteX39" y="connsiteY39"/>
+              </a:cxn>
+              <a:cxn ang="0">
+                <a:pos x="connsiteX40" y="connsiteY40"/>
+              </a:cxn>
+              <a:cxn ang="0">
+                <a:pos x="connsiteX41" y="connsiteY41"/>
+              </a:cxn>
+              <a:cxn ang="0">
+                <a:pos x="connsiteX42" y="connsiteY42"/>
+              </a:cxn>
+              <a:cxn ang="0">
+                <a:pos x="connsiteX43" y="connsiteY43"/>
+              </a:cxn>
+              <a:cxn ang="0">
+                <a:pos x="connsiteX44" y="connsiteY44"/>
+              </a:cxn>
+              <a:cxn ang="0">
+                <a:pos x="connsiteX45" y="connsiteY45"/>
+              </a:cxn>
+              <a:cxn ang="0">
+                <a:pos x="connsiteX46" y="connsiteY46"/>
+              </a:cxn>
+              <a:cxn ang="0">
+                <a:pos x="connsiteX47" y="connsiteY47"/>
+              </a:cxn>
+              <a:cxn ang="0">
+                <a:pos x="connsiteX48" y="connsiteY48"/>
+              </a:cxn>
+              <a:cxn ang="0">
+                <a:pos x="connsiteX49" y="connsiteY49"/>
+              </a:cxn>
+              <a:cxn ang="0">
+                <a:pos x="connsiteX50" y="connsiteY50"/>
+              </a:cxn>
+              <a:cxn ang="0">
+                <a:pos x="connsiteX51" y="connsiteY51"/>
+              </a:cxn>
+            </a:cxnLst>
+            <a:rect l="l" t="t" r="r" b="b"/>
+            <a:pathLst>
+              <a:path w="7809954" h="6858000">
+                <a:moveTo>
+                  <a:pt x="6465239" y="0"/>
+                </a:moveTo>
+                <a:lnTo>
+                  <a:pt x="7808777" y="0"/>
+                </a:lnTo>
+                <a:lnTo>
+                  <a:pt x="7783732" y="155676"/>
+                </a:lnTo>
+                <a:lnTo>
+                  <a:pt x="7759863" y="310667"/>
+                </a:lnTo>
+                <a:lnTo>
+                  <a:pt x="7736499" y="466344"/>
+                </a:lnTo>
+                <a:lnTo>
+                  <a:pt x="7716496" y="622706"/>
+                </a:lnTo>
+                <a:lnTo>
+                  <a:pt x="7696325" y="778383"/>
+                </a:lnTo>
+                <a:lnTo>
+                  <a:pt x="7677499" y="934745"/>
+                </a:lnTo>
+                <a:lnTo>
+                  <a:pt x="7661363" y="1089050"/>
+                </a:lnTo>
+                <a:lnTo>
+                  <a:pt x="7646067" y="1245413"/>
+                </a:lnTo>
+                <a:lnTo>
+                  <a:pt x="7632115" y="1401089"/>
+                </a:lnTo>
+                <a:lnTo>
+                  <a:pt x="7620013" y="1554023"/>
+                </a:lnTo>
+                <a:lnTo>
+                  <a:pt x="7607910" y="1709013"/>
+                </a:lnTo>
+                <a:lnTo>
+                  <a:pt x="7597825" y="1861947"/>
+                </a:lnTo>
+                <a:lnTo>
+                  <a:pt x="7589925" y="2014880"/>
+                </a:lnTo>
+                <a:lnTo>
+                  <a:pt x="7581688" y="2167128"/>
+                </a:lnTo>
+                <a:lnTo>
+                  <a:pt x="7574797" y="2318004"/>
+                </a:lnTo>
+                <a:lnTo>
+                  <a:pt x="7569922" y="2467508"/>
+                </a:lnTo>
+                <a:lnTo>
+                  <a:pt x="7565720" y="2617013"/>
+                </a:lnTo>
+                <a:lnTo>
+                  <a:pt x="7561686" y="2765145"/>
+                </a:lnTo>
+                <a:lnTo>
+                  <a:pt x="7559837" y="2911221"/>
+                </a:lnTo>
+                <a:lnTo>
+                  <a:pt x="7557820" y="3057296"/>
+                </a:lnTo>
+                <a:lnTo>
+                  <a:pt x="7556811" y="3201314"/>
+                </a:lnTo>
+                <a:lnTo>
+                  <a:pt x="7557820" y="3343960"/>
+                </a:lnTo>
+                <a:lnTo>
+                  <a:pt x="7557820" y="3485235"/>
+                </a:lnTo>
+                <a:lnTo>
+                  <a:pt x="7559837" y="3625138"/>
+                </a:lnTo>
+                <a:lnTo>
+                  <a:pt x="7562862" y="3762298"/>
+                </a:lnTo>
+                <a:lnTo>
+                  <a:pt x="7565720" y="3898087"/>
+                </a:lnTo>
+                <a:lnTo>
+                  <a:pt x="7568914" y="4031132"/>
+                </a:lnTo>
+                <a:lnTo>
+                  <a:pt x="7573788" y="4163491"/>
+                </a:lnTo>
+                <a:lnTo>
+                  <a:pt x="7578999" y="4293793"/>
+                </a:lnTo>
+                <a:lnTo>
+                  <a:pt x="7583705" y="4421352"/>
+                </a:lnTo>
+                <a:lnTo>
+                  <a:pt x="7596985" y="4670298"/>
+                </a:lnTo>
+                <a:lnTo>
+                  <a:pt x="7611104" y="4908956"/>
+                </a:lnTo>
+                <a:lnTo>
+                  <a:pt x="7625896" y="5138013"/>
+                </a:lnTo>
+                <a:lnTo>
+                  <a:pt x="7642201" y="5354726"/>
+                </a:lnTo>
+                <a:lnTo>
+                  <a:pt x="7659178" y="5561838"/>
+                </a:lnTo>
+                <a:lnTo>
+                  <a:pt x="7677499" y="5753862"/>
+                </a:lnTo>
+                <a:lnTo>
+                  <a:pt x="7695485" y="5934227"/>
+                </a:lnTo>
+                <a:lnTo>
+                  <a:pt x="7713470" y="6100191"/>
+                </a:lnTo>
+                <a:lnTo>
+                  <a:pt x="7730447" y="6252438"/>
+                </a:lnTo>
+                <a:lnTo>
+                  <a:pt x="7746584" y="6387541"/>
+                </a:lnTo>
+                <a:lnTo>
+                  <a:pt x="7761880" y="6509613"/>
+                </a:lnTo>
+                <a:lnTo>
+                  <a:pt x="7774655" y="6612483"/>
+                </a:lnTo>
+                <a:lnTo>
+                  <a:pt x="7786757" y="6698894"/>
+                </a:lnTo>
+                <a:lnTo>
+                  <a:pt x="7804071" y="6817538"/>
+                </a:lnTo>
+                <a:lnTo>
+                  <a:pt x="7809954" y="6858000"/>
+                </a:lnTo>
+                <a:lnTo>
+                  <a:pt x="7157124" y="6858000"/>
+                </a:lnTo>
+                <a:lnTo>
+                  <a:pt x="7157124" y="6858000"/>
+                </a:lnTo>
+                <a:lnTo>
+                  <a:pt x="0" y="6858000"/>
+                </a:lnTo>
+                <a:lnTo>
+                  <a:pt x="0" y="0"/>
+                </a:lnTo>
+                <a:lnTo>
+                  <a:pt x="6465239" y="0"/>
+                </a:lnTo>
+                <a:close/>
+              </a:path>
+            </a:pathLst>
+          </a:custGeom>
+          <a:ln>
+            <a:noFill/>
+          </a:ln>
+        </p:spPr>
+        <p:style>
+          <a:lnRef idx="2">
+            <a:schemeClr val="accent1">
+              <a:shade val="50000"/>
+            </a:schemeClr>
+          </a:lnRef>
+          <a:fillRef idx="1">
+            <a:schemeClr val="accent1"/>
+          </a:fillRef>
+          <a:effectRef idx="0">
+            <a:schemeClr val="accent1"/>
+          </a:effectRef>
+          <a:fontRef idx="minor">
+            <a:schemeClr val="lt1"/>
+          </a:fontRef>
+        </p:style>
+        <p:txBody>
+          <a:bodyPr wrap="square" rtlCol="0" anchor="ctr">
+            <a:noAutofit/>
+          </a:bodyPr>
+          <a:lstStyle/>
+          <a:p>
+            <a:pPr algn="ctr"/>
+            <a:endParaRPr lang="en-US"/>
+          </a:p>
+        </p:txBody>
+      </p:sp>
+      <p:sp>
+        <p:nvSpPr>
+          <p:cNvPr id="29" name="Rectangle 28">
+            <a:extLst>
+              <a:ext uri="{FF2B5EF4-FFF2-40B4-BE49-F238E27FC236}">
+                <a16:creationId xmlns:a16="http://schemas.microsoft.com/office/drawing/2014/main" id="{F98810A7-E114-447A-A7D6-69B27CFB5650}"/>
+              </a:ext>
+              <a:ext uri="{C183D7F6-B498-43B3-948B-1728B52AA6E4}">
+                <adec:decorative xmlns:adec="http://schemas.microsoft.com/office/drawing/2017/decorative" val="1"/>
+              </a:ext>
+            </a:extLst>
+          </p:cNvPr>
+          <p:cNvSpPr>
+            <a:spLocks noGrp="1" noRot="1" noChangeAspect="1" noMove="1" noResize="1" noEditPoints="1" noAdjustHandles="1" noChangeArrowheads="1" noChangeShapeType="1" noTextEdit="1"/>
+          </p:cNvSpPr>
+          <p:nvPr>
+            <p:extLst>
+              <p:ext uri="{386F3935-93C4-4BCD-93E2-E3B085C9AB24}">
+                <p16:designElem xmlns:p16="http://schemas.microsoft.com/office/powerpoint/2015/main" val="1"/>
+              </p:ext>
+            </p:extLst>
+          </p:nvPr>
+        </p:nvSpPr>
+        <p:spPr>
+          <a:xfrm>
+            <a:off x="10437812" y="0"/>
+            <a:ext cx="685800" cy="1143000"/>
+          </a:xfrm>
+          <a:prstGeom prst="rect">
+            <a:avLst/>
+          </a:prstGeom>
+          <a:solidFill>
+            <a:schemeClr val="accent1"/>
+          </a:solidFill>
+          <a:ln>
+            <a:noFill/>
+          </a:ln>
+        </p:spPr>
+        <p:style>
+          <a:lnRef idx="1">
+            <a:schemeClr val="accent1"/>
+          </a:lnRef>
+          <a:fillRef idx="3">
+            <a:schemeClr val="accent1"/>
+          </a:fillRef>
+          <a:effectRef idx="2">
+            <a:schemeClr val="accent1"/>
+          </a:effectRef>
+          <a:fontRef idx="minor">
+            <a:schemeClr val="lt1"/>
+          </a:fontRef>
+        </p:style>
+      </p:sp>
+      <p:pic>
+        <p:nvPicPr>
+          <p:cNvPr id="6" name="Content Placeholder 5" descr="A picture containing text, clothing&#10;&#10;Description automatically generated">
+            <a:extLst>
+              <a:ext uri="{FF2B5EF4-FFF2-40B4-BE49-F238E27FC236}">
+                <a16:creationId xmlns:a16="http://schemas.microsoft.com/office/drawing/2014/main" id="{E2ADC0A8-386B-6A48-9BFF-328BD4298BC6}"/>
+              </a:ext>
+            </a:extLst>
+          </p:cNvPr>
+          <p:cNvPicPr>
+            <a:picLocks noGrp="1" noChangeAspect="1"/>
+          </p:cNvPicPr>
+          <p:nvPr>
+            <p:ph idx="1"/>
+          </p:nvPr>
+        </p:nvPicPr>
+        <p:blipFill>
+          <a:blip r:embed="rId6"/>
+          <a:stretch>
+            <a:fillRect/>
+          </a:stretch>
+        </p:blipFill>
+        <p:spPr>
+          <a:xfrm>
+            <a:off x="404925" y="1453359"/>
+            <a:ext cx="6812553" cy="3951281"/>
+          </a:xfrm>
+          <a:prstGeom prst="rect">
+            <a:avLst/>
+          </a:prstGeom>
+          <a:effectLst/>
+        </p:spPr>
+      </p:pic>
+    </p:spTree>
+    <p:extLst>
+      <p:ext uri="{BB962C8B-B14F-4D97-AF65-F5344CB8AC3E}">
+        <p14:creationId xmlns:p14="http://schemas.microsoft.com/office/powerpoint/2010/main" val="2364654880"/>
+      </p:ext>
+    </p:extLst>
+  </p:cSld>
+  <p:clrMapOvr>
+    <a:overrideClrMapping bg1="lt1" tx1="dk1" bg2="lt2" tx2="dk2" accent1="accent1" accent2="accent2" accent3="accent3" accent4="accent4" accent5="accent5" accent6="accent6" hlink="hlink" folHlink="folHlink"/>
+  </p:clrMapOvr>
+</p:sld>
+</file>
+
+<file path=ppt/slides/slide5.xml><?xml version="1.0" encoding="utf-8"?>
+<p:sld xmlns:a="http://schemas.openxmlformats.org/drawingml/2006/main" xmlns:r="http://schemas.openxmlformats.org/officeDocument/2006/relationships" xmlns:p="http://schemas.openxmlformats.org/presentationml/2006/main">
+  <p:cSld>
     <p:spTree>
       <p:nvGrpSpPr>
         <p:cNvPr id="1" name=""/>
@@ -15681,7 +17093,7 @@
           <p:cNvPr id="2" name="Title 1">
             <a:extLst>
               <a:ext uri="{FF2B5EF4-FFF2-40B4-BE49-F238E27FC236}">
-                <a16:creationId xmlns:a16="http://schemas.microsoft.com/office/drawing/2014/main" id="{A6F5B8DB-E45A-614F-AC13-C19C2287C4BF}"/>
+                <a16:creationId xmlns:a16="http://schemas.microsoft.com/office/drawing/2014/main" id="{368CAF61-52D7-6948-BAC2-8DCF10A15161}"/>
               </a:ext>
             </a:extLst>
           </p:cNvPr>
@@ -15699,44 +17111,96 @@
           <a:p>
             <a:r>
               <a:rPr lang="en-US" dirty="0"/>
-              <a:t>Private Shelters, Visualized</a:t>
+              <a:t>Future Enhancements</a:t>
             </a:r>
           </a:p>
         </p:txBody>
       </p:sp>
-      <p:pic>
-        <p:nvPicPr>
-          <p:cNvPr id="7" name="Content Placeholder 6">
+      <p:sp>
+        <p:nvSpPr>
+          <p:cNvPr id="3" name="Content Placeholder 2">
             <a:extLst>
               <a:ext uri="{FF2B5EF4-FFF2-40B4-BE49-F238E27FC236}">
-                <a16:creationId xmlns:a16="http://schemas.microsoft.com/office/drawing/2014/main" id="{A7005CE3-62CD-F54A-83AD-2C290AA51814}"/>
+                <a16:creationId xmlns:a16="http://schemas.microsoft.com/office/drawing/2014/main" id="{C228E451-46A9-6246-B9B8-80432368D8A2}"/>
               </a:ext>
             </a:extLst>
           </p:cNvPr>
-          <p:cNvPicPr>
-            <a:picLocks noGrp="1" noChangeAspect="1"/>
-          </p:cNvPicPr>
+          <p:cNvSpPr>
+            <a:spLocks noGrp="1"/>
+          </p:cNvSpPr>
           <p:nvPr>
             <p:ph idx="1"/>
           </p:nvPr>
-        </p:nvPicPr>
-        <p:blipFill>
-          <a:blip r:embed="rId2"/>
-          <a:stretch>
-            <a:fillRect/>
-          </a:stretch>
-        </p:blipFill>
+        </p:nvSpPr>
         <p:spPr>
           <a:xfrm>
-            <a:off x="2141166" y="1693798"/>
-            <a:ext cx="7315200" cy="4711484"/>
+            <a:off x="1103312" y="1615858"/>
+            <a:ext cx="8946541" cy="4632541"/>
           </a:xfrm>
         </p:spPr>
-      </p:pic>
+        <p:txBody>
+          <a:bodyPr/>
+          <a:lstStyle/>
+          <a:p>
+            <a:pPr marL="0" indent="0">
+              <a:buNone/>
+            </a:pPr>
+            <a:r>
+              <a:rPr lang="en-US" dirty="0"/>
+              <a:t>Residents:</a:t>
+            </a:r>
+          </a:p>
+          <a:p>
+            <a:r>
+              <a:rPr lang="en-US" dirty="0"/>
+              <a:t>Enable residents to document the condition of their residence before and after the disaster</a:t>
+            </a:r>
+          </a:p>
+          <a:p>
+            <a:r>
+              <a:rPr lang="en-US" dirty="0"/>
+              <a:t>Report an issue</a:t>
+            </a:r>
+          </a:p>
+          <a:p>
+            <a:r>
+              <a:rPr lang="en-US" dirty="0"/>
+              <a:t>Allow people to respond with their updates via SMS</a:t>
+            </a:r>
+          </a:p>
+          <a:p>
+            <a:pPr marL="0" indent="0">
+              <a:buNone/>
+            </a:pPr>
+            <a:endParaRPr lang="en-US" dirty="0"/>
+          </a:p>
+          <a:p>
+            <a:pPr marL="0" indent="0">
+              <a:buNone/>
+            </a:pPr>
+            <a:r>
+              <a:rPr lang="en-US" dirty="0"/>
+              <a:t>Government:</a:t>
+            </a:r>
+          </a:p>
+          <a:p>
+            <a:r>
+              <a:rPr lang="en-US" dirty="0"/>
+              <a:t>Leverage property records to predict the resilience of each house based on forecast data</a:t>
+            </a:r>
+          </a:p>
+          <a:p>
+            <a:r>
+              <a:rPr lang="en-US" dirty="0"/>
+              <a:t>Expose data about pre-storm supply levels to local retailers</a:t>
+            </a:r>
+          </a:p>
+        </p:txBody>
+      </p:sp>
     </p:spTree>
     <p:extLst>
       <p:ext uri="{BB962C8B-B14F-4D97-AF65-F5344CB8AC3E}">
-        <p14:creationId xmlns:p14="http://schemas.microsoft.com/office/powerpoint/2010/main" val="2364654880"/>
+        <p14:creationId xmlns:p14="http://schemas.microsoft.com/office/powerpoint/2010/main" val="1662598060"/>
       </p:ext>
     </p:extLst>
   </p:cSld>
